--- a/_Presentations/02 Data types, data structures, algorithms.pptx
+++ b/_Presentations/02 Data types, data structures, algorithms.pptx
@@ -5,94 +5,91 @@
     <p:sldMasterId id="2147483660" r:id="rId1"/>
   </p:sldMasterIdLst>
   <p:notesMasterIdLst>
-    <p:notesMasterId r:id="rId48"/>
+    <p:notesMasterId r:id="rId45"/>
   </p:notesMasterIdLst>
   <p:sldIdLst>
     <p:sldId id="256" r:id="rId2"/>
     <p:sldId id="257" r:id="rId3"/>
     <p:sldId id="297" r:id="rId4"/>
-    <p:sldId id="298" r:id="rId5"/>
-    <p:sldId id="299" r:id="rId6"/>
-    <p:sldId id="357" r:id="rId7"/>
-    <p:sldId id="358" r:id="rId8"/>
-    <p:sldId id="360" r:id="rId9"/>
-    <p:sldId id="359" r:id="rId10"/>
-    <p:sldId id="390" r:id="rId11"/>
-    <p:sldId id="361" r:id="rId12"/>
-    <p:sldId id="362" r:id="rId13"/>
-    <p:sldId id="363" r:id="rId14"/>
-    <p:sldId id="391" r:id="rId15"/>
-    <p:sldId id="392" r:id="rId16"/>
-    <p:sldId id="364" r:id="rId17"/>
-    <p:sldId id="365" r:id="rId18"/>
-    <p:sldId id="366" r:id="rId19"/>
-    <p:sldId id="367" r:id="rId20"/>
-    <p:sldId id="368" r:id="rId21"/>
-    <p:sldId id="369" r:id="rId22"/>
-    <p:sldId id="370" r:id="rId23"/>
-    <p:sldId id="371" r:id="rId24"/>
-    <p:sldId id="372" r:id="rId25"/>
-    <p:sldId id="373" r:id="rId26"/>
-    <p:sldId id="374" r:id="rId27"/>
-    <p:sldId id="375" r:id="rId28"/>
-    <p:sldId id="376" r:id="rId29"/>
-    <p:sldId id="377" r:id="rId30"/>
-    <p:sldId id="393" r:id="rId31"/>
-    <p:sldId id="378" r:id="rId32"/>
-    <p:sldId id="379" r:id="rId33"/>
-    <p:sldId id="380" r:id="rId34"/>
-    <p:sldId id="381" r:id="rId35"/>
-    <p:sldId id="382" r:id="rId36"/>
-    <p:sldId id="383" r:id="rId37"/>
-    <p:sldId id="384" r:id="rId38"/>
-    <p:sldId id="385" r:id="rId39"/>
-    <p:sldId id="386" r:id="rId40"/>
-    <p:sldId id="387" r:id="rId41"/>
-    <p:sldId id="354" r:id="rId42"/>
-    <p:sldId id="389" r:id="rId43"/>
-    <p:sldId id="396" r:id="rId44"/>
-    <p:sldId id="394" r:id="rId45"/>
-    <p:sldId id="395" r:id="rId46"/>
-    <p:sldId id="296" r:id="rId47"/>
+    <p:sldId id="357" r:id="rId5"/>
+    <p:sldId id="358" r:id="rId6"/>
+    <p:sldId id="360" r:id="rId7"/>
+    <p:sldId id="359" r:id="rId8"/>
+    <p:sldId id="390" r:id="rId9"/>
+    <p:sldId id="361" r:id="rId10"/>
+    <p:sldId id="362" r:id="rId11"/>
+    <p:sldId id="363" r:id="rId12"/>
+    <p:sldId id="391" r:id="rId13"/>
+    <p:sldId id="392" r:id="rId14"/>
+    <p:sldId id="364" r:id="rId15"/>
+    <p:sldId id="365" r:id="rId16"/>
+    <p:sldId id="366" r:id="rId17"/>
+    <p:sldId id="367" r:id="rId18"/>
+    <p:sldId id="368" r:id="rId19"/>
+    <p:sldId id="369" r:id="rId20"/>
+    <p:sldId id="370" r:id="rId21"/>
+    <p:sldId id="371" r:id="rId22"/>
+    <p:sldId id="372" r:id="rId23"/>
+    <p:sldId id="373" r:id="rId24"/>
+    <p:sldId id="374" r:id="rId25"/>
+    <p:sldId id="375" r:id="rId26"/>
+    <p:sldId id="376" r:id="rId27"/>
+    <p:sldId id="377" r:id="rId28"/>
+    <p:sldId id="378" r:id="rId29"/>
+    <p:sldId id="379" r:id="rId30"/>
+    <p:sldId id="380" r:id="rId31"/>
+    <p:sldId id="381" r:id="rId32"/>
+    <p:sldId id="382" r:id="rId33"/>
+    <p:sldId id="383" r:id="rId34"/>
+    <p:sldId id="384" r:id="rId35"/>
+    <p:sldId id="385" r:id="rId36"/>
+    <p:sldId id="386" r:id="rId37"/>
+    <p:sldId id="387" r:id="rId38"/>
+    <p:sldId id="354" r:id="rId39"/>
+    <p:sldId id="389" r:id="rId40"/>
+    <p:sldId id="396" r:id="rId41"/>
+    <p:sldId id="394" r:id="rId42"/>
+    <p:sldId id="395" r:id="rId43"/>
+    <p:sldId id="296" r:id="rId44"/>
   </p:sldIdLst>
   <p:sldSz cx="12192000" cy="6858000"/>
   <p:notesSz cx="6858000" cy="9144000"/>
   <p:embeddedFontLst>
     <p:embeddedFont>
       <p:font typeface="Calibri" panose="020F0502020204030204" pitchFamily="34" charset="0"/>
-      <p:regular r:id="rId49"/>
-      <p:bold r:id="rId50"/>
-      <p:italic r:id="rId51"/>
-      <p:boldItalic r:id="rId52"/>
+      <p:regular r:id="rId46"/>
+      <p:bold r:id="rId47"/>
+      <p:italic r:id="rId48"/>
+      <p:boldItalic r:id="rId49"/>
     </p:embeddedFont>
     <p:embeddedFont>
       <p:font typeface="Consolas" panose="020B0609020204030204" pitchFamily="49" charset="0"/>
-      <p:regular r:id="rId53"/>
-      <p:bold r:id="rId54"/>
-      <p:italic r:id="rId55"/>
-      <p:boldItalic r:id="rId56"/>
+      <p:regular r:id="rId50"/>
+      <p:bold r:id="rId51"/>
+      <p:italic r:id="rId52"/>
+      <p:boldItalic r:id="rId53"/>
     </p:embeddedFont>
     <p:embeddedFont>
       <p:font typeface="Lato" panose="020F0502020204030203" pitchFamily="34" charset="0"/>
-      <p:regular r:id="rId57"/>
-      <p:bold r:id="rId58"/>
-      <p:italic r:id="rId59"/>
-      <p:boldItalic r:id="rId60"/>
+      <p:regular r:id="rId54"/>
+      <p:bold r:id="rId55"/>
+      <p:italic r:id="rId56"/>
+      <p:boldItalic r:id="rId57"/>
     </p:embeddedFont>
     <p:embeddedFont>
       <p:font typeface="Montserrat" panose="00000500000000000000" pitchFamily="2" charset="-52"/>
-      <p:regular r:id="rId61"/>
-      <p:bold r:id="rId62"/>
-      <p:italic r:id="rId63"/>
-      <p:boldItalic r:id="rId64"/>
+      <p:regular r:id="rId58"/>
+      <p:bold r:id="rId59"/>
+      <p:italic r:id="rId60"/>
+      <p:boldItalic r:id="rId61"/>
     </p:embeddedFont>
     <p:embeddedFont>
       <p:font typeface="Questrial" panose="020B0604020202020204" charset="0"/>
-      <p:regular r:id="rId65"/>
+      <p:regular r:id="rId62"/>
     </p:embeddedFont>
     <p:embeddedFont>
       <p:font typeface="Wingdings 2" panose="05020102010507070707" pitchFamily="18" charset="2"/>
-      <p:regular r:id="rId66"/>
+      <p:regular r:id="rId63"/>
     </p:embeddedFont>
   </p:embeddedFontLst>
   <p:defaultTextStyle>
@@ -1766,7 +1763,7 @@
             <a:fld id="{A49943CF-1512-4E5E-9867-C26AF6DC7F81}" type="slidenum">
               <a:rPr lang="en-US"/>
               <a:pPr/>
-              <a:t>32</a:t>
+              <a:t>29</a:t>
             </a:fld>
             <a:r>
               <a:rPr lang="en-US" dirty="0"/>
@@ -1882,7 +1879,7 @@
             <a:fld id="{7DFFBBB9-A1C9-4DBC-9682-34C93C989556}" type="slidenum">
               <a:rPr lang="en-US"/>
               <a:pPr/>
-              <a:t>33</a:t>
+              <a:t>30</a:t>
             </a:fld>
             <a:r>
               <a:rPr lang="en-US" dirty="0"/>
@@ -1998,7 +1995,7 @@
             <a:fld id="{C4F5F54C-C19A-4257-BC48-21152A369210}" type="slidenum">
               <a:rPr lang="en-US"/>
               <a:pPr/>
-              <a:t>34</a:t>
+              <a:t>31</a:t>
             </a:fld>
             <a:r>
               <a:rPr lang="en-US" dirty="0"/>
@@ -2114,7 +2111,7 @@
             <a:fld id="{7A63051D-36D4-4459-83F2-008346DD5E83}" type="slidenum">
               <a:rPr lang="en-US"/>
               <a:pPr/>
-              <a:t>35</a:t>
+              <a:t>32</a:t>
             </a:fld>
             <a:r>
               <a:rPr lang="en-US" dirty="0"/>
@@ -2230,7 +2227,7 @@
             <a:fld id="{F2882752-B195-4E1D-BF93-D8A0D98FE3D1}" type="slidenum">
               <a:rPr lang="en-US"/>
               <a:pPr/>
-              <a:t>36</a:t>
+              <a:t>33</a:t>
             </a:fld>
             <a:r>
               <a:rPr lang="en-US" dirty="0"/>
@@ -2346,7 +2343,7 @@
             <a:fld id="{D01FE58D-B7A8-4865-B0EE-DDF844986BC3}" type="slidenum">
               <a:rPr lang="en-US"/>
               <a:pPr/>
-              <a:t>37</a:t>
+              <a:t>34</a:t>
             </a:fld>
             <a:r>
               <a:rPr lang="en-US" dirty="0"/>
@@ -2462,7 +2459,7 @@
             <a:fld id="{D01FE58D-B7A8-4865-B0EE-DDF844986BC3}" type="slidenum">
               <a:rPr lang="en-US"/>
               <a:pPr/>
-              <a:t>38</a:t>
+              <a:t>35</a:t>
             </a:fld>
             <a:r>
               <a:rPr lang="en-US" dirty="0"/>
@@ -2578,7 +2575,7 @@
             <a:fld id="{E7BBDF3F-0D52-4A43-8F3B-F30EF9B40266}" type="slidenum">
               <a:rPr lang="en-US"/>
               <a:pPr/>
-              <a:t>39</a:t>
+              <a:t>36</a:t>
             </a:fld>
             <a:r>
               <a:rPr lang="en-US" dirty="0"/>
@@ -2718,7 +2715,7 @@
             <a:fld id="{17B13CC9-8B44-4623-8907-D163D76092B5}" type="slidenum">
               <a:rPr lang="en-US"/>
               <a:pPr/>
-              <a:t>40</a:t>
+              <a:t>37</a:t>
             </a:fld>
             <a:r>
               <a:rPr lang="en-US" dirty="0"/>
@@ -2939,7 +2936,7 @@
                 <a:cs typeface="Calibri"/>
                 <a:sym typeface="Calibri"/>
               </a:rPr>
-              <a:t>46</a:t>
+              <a:t>43</a:t>
             </a:fld>
             <a:endParaRPr sz="1200">
               <a:solidFill>
@@ -3210,7 +3207,7 @@
             <a:fld id="{B05CEEED-D241-4401-9102-96ADB82317DA}" type="slidenum">
               <a:rPr lang="en-US"/>
               <a:pPr/>
-              <a:t>18</a:t>
+              <a:t>16</a:t>
             </a:fld>
             <a:r>
               <a:rPr lang="en-US" dirty="0"/>
@@ -3326,7 +3323,7 @@
             <a:fld id="{7B8321DC-E5CA-4076-AD22-C9649110DDA2}" type="slidenum">
               <a:rPr lang="en-US"/>
               <a:pPr/>
-              <a:t>19</a:t>
+              <a:t>17</a:t>
             </a:fld>
             <a:r>
               <a:rPr lang="en-US" dirty="0"/>
@@ -3442,7 +3439,7 @@
             <a:fld id="{4B2DCE9C-9CF5-4C8D-93C1-883E9AFA899A}" type="slidenum">
               <a:rPr lang="en-US"/>
               <a:pPr/>
-              <a:t>20</a:t>
+              <a:t>18</a:t>
             </a:fld>
             <a:r>
               <a:rPr lang="en-US" dirty="0"/>
@@ -3558,7 +3555,7 @@
             <a:fld id="{F7571ADB-B992-423C-98B6-42E93035A652}" type="slidenum">
               <a:rPr lang="en-US"/>
               <a:pPr/>
-              <a:t>21</a:t>
+              <a:t>19</a:t>
             </a:fld>
             <a:r>
               <a:rPr lang="en-US" dirty="0"/>
@@ -3674,7 +3671,7 @@
             <a:fld id="{C2A7EBC5-F09A-48C8-879F-7697B83713A1}" type="slidenum">
               <a:rPr lang="en-US"/>
               <a:pPr/>
-              <a:t>23</a:t>
+              <a:t>21</a:t>
             </a:fld>
             <a:r>
               <a:rPr lang="en-US" dirty="0"/>
@@ -3790,7 +3787,7 @@
             <a:fld id="{D617E925-BB0E-47D7-945E-0431BE027D34}" type="slidenum">
               <a:rPr lang="en-US"/>
               <a:pPr/>
-              <a:t>29</a:t>
+              <a:t>27</a:t>
             </a:fld>
             <a:r>
               <a:rPr lang="en-US" dirty="0"/>
@@ -3906,7 +3903,7 @@
             <a:fld id="{52E3DB46-C682-4CC7-81DB-EFB10F12DED0}" type="slidenum">
               <a:rPr lang="en-US"/>
               <a:pPr/>
-              <a:t>31</a:t>
+              <a:t>28</a:t>
             </a:fld>
             <a:r>
               <a:rPr lang="en-US" dirty="0"/>
@@ -12623,12 +12620,12 @@
       </p:grpSpPr>
       <p:sp>
         <p:nvSpPr>
-          <p:cNvPr id="663554" name="Rectangle 2"/>
+          <p:cNvPr id="5" name="Title 4"/>
           <p:cNvSpPr>
-            <a:spLocks noGrp="1" noChangeArrowheads="1"/>
+            <a:spLocks noGrp="1"/>
           </p:cNvSpPr>
           <p:nvPr>
-            <p:ph type="title"/>
+            <p:ph type="ctrTitle"/>
           </p:nvPr>
         </p:nvSpPr>
         <p:spPr/>
@@ -12638,290 +12635,43 @@
           <a:p>
             <a:r>
               <a:rPr lang="en-US" dirty="0"/>
-              <a:t>Basic Data Structures</a:t>
+              <a:t>Algorithms</a:t>
             </a:r>
           </a:p>
         </p:txBody>
       </p:sp>
       <p:sp>
         <p:nvSpPr>
-          <p:cNvPr id="663555" name="Rectangle 3"/>
+          <p:cNvPr id="6" name="Subtitle 5"/>
           <p:cNvSpPr>
-            <a:spLocks noGrp="1" noChangeArrowheads="1"/>
+            <a:spLocks noGrp="1"/>
           </p:cNvSpPr>
           <p:nvPr>
-            <p:ph type="body" idx="1"/>
+            <p:ph type="subTitle" idx="1"/>
           </p:nvPr>
         </p:nvSpPr>
-        <p:spPr>
-          <a:xfrm>
-            <a:off x="1730000" y="1653702"/>
-            <a:ext cx="9385200" cy="4318065"/>
-          </a:xfrm>
-        </p:spPr>
+        <p:spPr/>
         <p:txBody>
           <a:bodyPr/>
           <a:lstStyle/>
           <a:p>
-            <a:pPr>
-              <a:lnSpc>
-                <a:spcPct val="100000"/>
-              </a:lnSpc>
-            </a:pPr>
             <a:r>
               <a:rPr lang="en-US" dirty="0"/>
-              <a:t>Linear structures</a:t>
-            </a:r>
-          </a:p>
-          <a:p>
-            <a:pPr marL="696913" lvl="1" indent="-239713">
-              <a:lnSpc>
-                <a:spcPct val="100000"/>
-              </a:lnSpc>
-            </a:pPr>
-            <a:r>
-              <a:rPr lang="en-US" dirty="0"/>
-              <a:t>Lists: fixed size and variable size</a:t>
-            </a:r>
-          </a:p>
-          <a:p>
-            <a:pPr marL="696913" lvl="1" indent="-239713">
-              <a:lnSpc>
-                <a:spcPct val="100000"/>
-              </a:lnSpc>
-            </a:pPr>
-            <a:r>
-              <a:rPr lang="en-US" dirty="0"/>
-              <a:t>Stacks: LIFO (Last In First Out) structure</a:t>
-            </a:r>
-          </a:p>
-          <a:p>
-            <a:pPr marL="696913" lvl="1" indent="-239713">
-              <a:lnSpc>
-                <a:spcPct val="100000"/>
-              </a:lnSpc>
-            </a:pPr>
-            <a:r>
-              <a:rPr lang="en-US" dirty="0"/>
-              <a:t>Queues: FIFO (First In First Out) structure</a:t>
-            </a:r>
-          </a:p>
-          <a:p>
-            <a:pPr>
-              <a:lnSpc>
-                <a:spcPct val="100000"/>
-              </a:lnSpc>
-              <a:spcBef>
-                <a:spcPts val="1200"/>
-              </a:spcBef>
-            </a:pPr>
-            <a:r>
-              <a:rPr lang="en-US" dirty="0"/>
-              <a:t>Trees and tree-like structures</a:t>
-            </a:r>
-          </a:p>
-          <a:p>
-            <a:pPr lvl="1">
-              <a:lnSpc>
-                <a:spcPct val="100000"/>
-              </a:lnSpc>
-            </a:pPr>
-            <a:r>
-              <a:rPr lang="en-US" dirty="0"/>
-              <a:t>Binary, ordered search trees, balanced, etc.</a:t>
-            </a:r>
-          </a:p>
-          <a:p>
-            <a:pPr>
-              <a:lnSpc>
-                <a:spcPct val="100000"/>
-              </a:lnSpc>
-              <a:spcBef>
-                <a:spcPts val="1200"/>
-              </a:spcBef>
-            </a:pPr>
-            <a:r>
-              <a:rPr lang="en-US" dirty="0"/>
-              <a:t>Dictionaries (maps)</a:t>
-            </a:r>
-          </a:p>
-          <a:p>
-            <a:pPr marL="696913" lvl="1" indent="-239713">
-              <a:lnSpc>
-                <a:spcPct val="100000"/>
-              </a:lnSpc>
-            </a:pPr>
-            <a:r>
-              <a:rPr lang="en-US" dirty="0"/>
-              <a:t>Contain pairs (key, value)</a:t>
-            </a:r>
-          </a:p>
-          <a:p>
-            <a:pPr marL="696913" lvl="1" indent="-239713">
-              <a:lnSpc>
-                <a:spcPct val="100000"/>
-              </a:lnSpc>
-            </a:pPr>
-            <a:r>
-              <a:rPr lang="en-US" dirty="0"/>
-              <a:t>Hash tables: use hash functions to search/insert</a:t>
+              <a:t>Introduction</a:t>
             </a:r>
           </a:p>
         </p:txBody>
       </p:sp>
-      <p:pic>
-        <p:nvPicPr>
-          <p:cNvPr id="4098" name="Picture 2" descr="list, taskbar icon"/>
-          <p:cNvPicPr>
-            <a:picLocks noChangeAspect="1" noChangeArrowheads="1"/>
-          </p:cNvPicPr>
-          <p:nvPr/>
-        </p:nvPicPr>
-        <p:blipFill>
-          <a:blip r:embed="rId2">
-            <a:duotone>
-              <a:schemeClr val="accent6">
-                <a:shade val="45000"/>
-                <a:satMod val="135000"/>
-              </a:schemeClr>
-              <a:prstClr val="white"/>
-            </a:duotone>
-            <a:extLst>
-              <a:ext uri="{28A0092B-C50C-407E-A947-70E740481C1C}">
-                <a14:useLocalDpi xmlns:a14="http://schemas.microsoft.com/office/drawing/2010/main" val="0"/>
-              </a:ext>
-            </a:extLst>
-          </a:blip>
-          <a:srcRect/>
-          <a:stretch>
-            <a:fillRect/>
-          </a:stretch>
-        </p:blipFill>
-        <p:spPr bwMode="auto">
-          <a:xfrm>
-            <a:off x="9021290" y="1066801"/>
-            <a:ext cx="1189511" cy="914401"/>
-          </a:xfrm>
-          <a:prstGeom prst="rect">
-            <a:avLst/>
-          </a:prstGeom>
-          <a:noFill/>
-          <a:extLst>
-            <a:ext uri="{909E8E84-426E-40DD-AFC4-6F175D3DCCD1}">
-              <a14:hiddenFill xmlns:a14="http://schemas.microsoft.com/office/drawing/2010/main">
-                <a:solidFill>
-                  <a:srgbClr val="FFFFFF"/>
-                </a:solidFill>
-              </a14:hiddenFill>
-            </a:ext>
-          </a:extLst>
-        </p:spPr>
-      </p:pic>
-      <p:pic>
-        <p:nvPicPr>
-          <p:cNvPr id="5" name="Picture 4"/>
-          <p:cNvPicPr>
-            <a:picLocks noChangeAspect="1"/>
-          </p:cNvPicPr>
-          <p:nvPr/>
-        </p:nvPicPr>
-        <p:blipFill>
-          <a:blip r:embed="rId3" cstate="screen">
-            <a:duotone>
-              <a:prstClr val="black"/>
-              <a:schemeClr val="accent6">
-                <a:tint val="45000"/>
-                <a:satMod val="400000"/>
-              </a:schemeClr>
-            </a:duotone>
-            <a:extLst>
-              <a:ext uri="{BEBA8EAE-BF5A-486C-A8C5-ECC9F3942E4B}">
-                <a14:imgProps xmlns:a14="http://schemas.microsoft.com/office/drawing/2010/main">
-                  <a14:imgLayer r:embed="rId4">
-                    <a14:imgEffect>
-                      <a14:brightnessContrast bright="40000"/>
-                    </a14:imgEffect>
-                  </a14:imgLayer>
-                </a14:imgProps>
-              </a:ext>
-              <a:ext uri="{28A0092B-C50C-407E-A947-70E740481C1C}">
-                <a14:useLocalDpi xmlns:a14="http://schemas.microsoft.com/office/drawing/2010/main"/>
-              </a:ext>
-            </a:extLst>
-          </a:blip>
-          <a:stretch>
-            <a:fillRect/>
-          </a:stretch>
-        </p:blipFill>
-        <p:spPr>
-          <a:xfrm rot="21370773">
-            <a:off x="8864380" y="3267815"/>
-            <a:ext cx="1306806" cy="799386"/>
-          </a:xfrm>
-          <a:prstGeom prst="rect">
-            <a:avLst/>
-          </a:prstGeom>
-        </p:spPr>
-      </p:pic>
-      <p:pic>
-        <p:nvPicPr>
-          <p:cNvPr id="4100" name="Picture 4" descr="book, dictionary, learn, read, school icon"/>
-          <p:cNvPicPr>
-            <a:picLocks noChangeAspect="1" noChangeArrowheads="1"/>
-          </p:cNvPicPr>
-          <p:nvPr/>
-        </p:nvPicPr>
-        <p:blipFill>
-          <a:blip r:embed="rId5">
-            <a:duotone>
-              <a:schemeClr val="bg2">
-                <a:shade val="45000"/>
-                <a:satMod val="135000"/>
-              </a:schemeClr>
-              <a:prstClr val="white"/>
-            </a:duotone>
-            <a:extLst>
-              <a:ext uri="{28A0092B-C50C-407E-A947-70E740481C1C}">
-                <a14:useLocalDpi xmlns:a14="http://schemas.microsoft.com/office/drawing/2010/main" val="0"/>
-              </a:ext>
-            </a:extLst>
-          </a:blip>
-          <a:srcRect/>
-          <a:stretch>
-            <a:fillRect/>
-          </a:stretch>
-        </p:blipFill>
-        <p:spPr bwMode="auto">
-          <a:xfrm>
-            <a:off x="8810500" y="4724400"/>
-            <a:ext cx="1371600" cy="1371601"/>
-          </a:xfrm>
-          <a:prstGeom prst="rect">
-            <a:avLst/>
-          </a:prstGeom>
-          <a:noFill/>
-          <a:extLst>
-            <a:ext uri="{909E8E84-426E-40DD-AFC4-6F175D3DCCD1}">
-              <a14:hiddenFill xmlns:a14="http://schemas.microsoft.com/office/drawing/2010/main">
-                <a:solidFill>
-                  <a:srgbClr val="FFFFFF"/>
-                </a:solidFill>
-              </a14:hiddenFill>
-            </a:ext>
-          </a:extLst>
-        </p:spPr>
-      </p:pic>
     </p:spTree>
     <p:extLst>
       <p:ext uri="{BB962C8B-B14F-4D97-AF65-F5344CB8AC3E}">
-        <p14:creationId xmlns:p14="http://schemas.microsoft.com/office/powerpoint/2010/main" val="3102904839"/>
+        <p14:creationId xmlns:p14="http://schemas.microsoft.com/office/powerpoint/2010/main" val="2314927042"/>
       </p:ext>
     </p:extLst>
   </p:cSld>
   <p:clrMapOvr>
     <a:masterClrMapping/>
   </p:clrMapOvr>
-  <p:transition/>
 </p:sld>
 </file>
 
@@ -12959,450 +12709,6 @@
           <a:p>
             <a:r>
               <a:rPr lang="en-US" dirty="0"/>
-              <a:t>Basic Data Structures (2)</a:t>
-            </a:r>
-          </a:p>
-        </p:txBody>
-      </p:sp>
-      <p:sp>
-        <p:nvSpPr>
-          <p:cNvPr id="3" name="Content Placeholder 2"/>
-          <p:cNvSpPr>
-            <a:spLocks noGrp="1"/>
-          </p:cNvSpPr>
-          <p:nvPr>
-            <p:ph type="body" idx="1"/>
-          </p:nvPr>
-        </p:nvSpPr>
-        <p:spPr>
-          <a:xfrm>
-            <a:off x="1730000" y="1303506"/>
-            <a:ext cx="9385200" cy="4668261"/>
-          </a:xfrm>
-        </p:spPr>
-        <p:txBody>
-          <a:bodyPr/>
-          <a:lstStyle/>
-          <a:p>
-            <a:pPr>
-              <a:lnSpc>
-                <a:spcPct val="95000"/>
-              </a:lnSpc>
-            </a:pPr>
-            <a:r>
-              <a:rPr lang="en-US" dirty="0"/>
-              <a:t>Sets and bags</a:t>
-            </a:r>
-          </a:p>
-          <a:p>
-            <a:pPr lvl="1">
-              <a:lnSpc>
-                <a:spcPct val="95000"/>
-              </a:lnSpc>
-            </a:pPr>
-            <a:r>
-              <a:rPr lang="en-US" dirty="0"/>
-              <a:t>Set – collection of unique elements</a:t>
-            </a:r>
-          </a:p>
-          <a:p>
-            <a:pPr lvl="1">
-              <a:lnSpc>
-                <a:spcPct val="95000"/>
-              </a:lnSpc>
-            </a:pPr>
-            <a:r>
-              <a:rPr lang="en-US" dirty="0"/>
-              <a:t>Bag – collection of non-unique elements</a:t>
-            </a:r>
-          </a:p>
-          <a:p>
-            <a:pPr>
-              <a:lnSpc>
-                <a:spcPct val="95000"/>
-              </a:lnSpc>
-            </a:pPr>
-            <a:endParaRPr lang="bg-BG" dirty="0"/>
-          </a:p>
-          <a:p>
-            <a:pPr>
-              <a:lnSpc>
-                <a:spcPct val="95000"/>
-              </a:lnSpc>
-            </a:pPr>
-            <a:r>
-              <a:rPr lang="en-US" dirty="0"/>
-              <a:t>Ordered sets, bags and dictionaries</a:t>
-            </a:r>
-          </a:p>
-          <a:p>
-            <a:pPr>
-              <a:lnSpc>
-                <a:spcPct val="95000"/>
-              </a:lnSpc>
-            </a:pPr>
-            <a:endParaRPr lang="bg-BG" dirty="0"/>
-          </a:p>
-          <a:p>
-            <a:pPr>
-              <a:lnSpc>
-                <a:spcPct val="95000"/>
-              </a:lnSpc>
-            </a:pPr>
-            <a:r>
-              <a:rPr lang="en-US" dirty="0"/>
-              <a:t>Priority queues / heaps</a:t>
-            </a:r>
-          </a:p>
-          <a:p>
-            <a:pPr>
-              <a:lnSpc>
-                <a:spcPct val="95000"/>
-              </a:lnSpc>
-            </a:pPr>
-            <a:endParaRPr lang="bg-BG" dirty="0"/>
-          </a:p>
-          <a:p>
-            <a:pPr>
-              <a:lnSpc>
-                <a:spcPct val="95000"/>
-              </a:lnSpc>
-            </a:pPr>
-            <a:r>
-              <a:rPr lang="en-US" dirty="0"/>
-              <a:t>Special tree structures</a:t>
-            </a:r>
-          </a:p>
-          <a:p>
-            <a:pPr lvl="1">
-              <a:lnSpc>
-                <a:spcPct val="95000"/>
-              </a:lnSpc>
-            </a:pPr>
-            <a:r>
-              <a:rPr lang="en-US" dirty="0"/>
-              <a:t>Suffix tree, interval tree, index tree, </a:t>
-            </a:r>
-            <a:r>
-              <a:rPr lang="en-US" noProof="1"/>
-              <a:t>trie</a:t>
-            </a:r>
-          </a:p>
-          <a:p>
-            <a:pPr>
-              <a:lnSpc>
-                <a:spcPct val="95000"/>
-              </a:lnSpc>
-            </a:pPr>
-            <a:endParaRPr lang="bg-BG" dirty="0"/>
-          </a:p>
-          <a:p>
-            <a:pPr>
-              <a:lnSpc>
-                <a:spcPct val="95000"/>
-              </a:lnSpc>
-            </a:pPr>
-            <a:r>
-              <a:rPr lang="en-US" dirty="0"/>
-              <a:t>Graphs</a:t>
-            </a:r>
-          </a:p>
-          <a:p>
-            <a:pPr lvl="1">
-              <a:lnSpc>
-                <a:spcPct val="95000"/>
-              </a:lnSpc>
-            </a:pPr>
-            <a:r>
-              <a:rPr lang="en-US" dirty="0"/>
-              <a:t>Directed / undirected, weighted /</a:t>
-            </a:r>
-            <a:br>
-              <a:rPr lang="en-US" dirty="0"/>
-            </a:br>
-            <a:r>
-              <a:rPr lang="en-US" dirty="0"/>
-              <a:t>un-weighted, connected/ non-connected, …</a:t>
-            </a:r>
-          </a:p>
-        </p:txBody>
-      </p:sp>
-      <p:sp>
-        <p:nvSpPr>
-          <p:cNvPr id="4" name="Slide Number Placeholder 3"/>
-          <p:cNvSpPr>
-            <a:spLocks noGrp="1"/>
-          </p:cNvSpPr>
-          <p:nvPr>
-            <p:ph type="sldNum" idx="12"/>
-          </p:nvPr>
-        </p:nvSpPr>
-        <p:spPr/>
-        <p:txBody>
-          <a:bodyPr/>
-          <a:lstStyle/>
-          <a:p>
-            <a:pPr>
-              <a:defRPr/>
-            </a:pPr>
-            <a:fld id="{58452FF4-89E3-4D1B-9927-2DBDC00E58D7}" type="slidenum">
-              <a:rPr lang="en-US" smtClean="0"/>
-              <a:pPr>
-                <a:defRPr/>
-              </a:pPr>
-              <a:t>11</a:t>
-            </a:fld>
-            <a:endParaRPr lang="en-US" dirty="0"/>
-          </a:p>
-        </p:txBody>
-      </p:sp>
-      <p:pic>
-        <p:nvPicPr>
-          <p:cNvPr id="5122" name="Picture 2" descr="binary, department, organization chart, tree icon"/>
-          <p:cNvPicPr>
-            <a:picLocks noChangeAspect="1" noChangeArrowheads="1"/>
-          </p:cNvPicPr>
-          <p:nvPr/>
-        </p:nvPicPr>
-        <p:blipFill>
-          <a:blip r:embed="rId2">
-            <a:extLst>
-              <a:ext uri="{28A0092B-C50C-407E-A947-70E740481C1C}">
-                <a14:useLocalDpi xmlns:a14="http://schemas.microsoft.com/office/drawing/2010/main" val="0"/>
-              </a:ext>
-            </a:extLst>
-          </a:blip>
-          <a:srcRect/>
-          <a:stretch>
-            <a:fillRect/>
-          </a:stretch>
-        </p:blipFill>
-        <p:spPr bwMode="auto">
-          <a:xfrm>
-            <a:off x="8581900" y="2590800"/>
-            <a:ext cx="1752600" cy="1752600"/>
-          </a:xfrm>
-          <a:prstGeom prst="rect">
-            <a:avLst/>
-          </a:prstGeom>
-          <a:noFill/>
-          <a:effectLst>
-            <a:outerShdw blurRad="63500" sx="102000" sy="102000" algn="ctr" rotWithShape="0">
-              <a:prstClr val="black">
-                <a:alpha val="40000"/>
-              </a:prstClr>
-            </a:outerShdw>
-          </a:effectLst>
-          <a:extLst>
-            <a:ext uri="{909E8E84-426E-40DD-AFC4-6F175D3DCCD1}">
-              <a14:hiddenFill xmlns:a14="http://schemas.microsoft.com/office/drawing/2010/main">
-                <a:solidFill>
-                  <a:srgbClr val="FFFFFF"/>
-                </a:solidFill>
-              </a14:hiddenFill>
-            </a:ext>
-          </a:extLst>
-        </p:spPr>
-      </p:pic>
-      <p:pic>
-        <p:nvPicPr>
-          <p:cNvPr id="5124" name="Picture 4" descr="add, bag, basket, buy, cart, ecommerce, magazine, shipping, shop, shopping, shopping cart, webshop icon"/>
-          <p:cNvPicPr>
-            <a:picLocks noChangeAspect="1" noChangeArrowheads="1"/>
-          </p:cNvPicPr>
-          <p:nvPr/>
-        </p:nvPicPr>
-        <p:blipFill>
-          <a:blip r:embed="rId3">
-            <a:extLst>
-              <a:ext uri="{28A0092B-C50C-407E-A947-70E740481C1C}">
-                <a14:useLocalDpi xmlns:a14="http://schemas.microsoft.com/office/drawing/2010/main" val="0"/>
-              </a:ext>
-            </a:extLst>
-          </a:blip>
-          <a:srcRect/>
-          <a:stretch>
-            <a:fillRect/>
-          </a:stretch>
-        </p:blipFill>
-        <p:spPr bwMode="auto">
-          <a:xfrm>
-            <a:off x="9258300" y="1241466"/>
-            <a:ext cx="869868" cy="869869"/>
-          </a:xfrm>
-          <a:prstGeom prst="rect">
-            <a:avLst/>
-          </a:prstGeom>
-          <a:noFill/>
-          <a:effectLst>
-            <a:outerShdw blurRad="63500" sx="102000" sy="102000" algn="ctr" rotWithShape="0">
-              <a:prstClr val="black">
-                <a:alpha val="40000"/>
-              </a:prstClr>
-            </a:outerShdw>
-          </a:effectLst>
-          <a:extLst>
-            <a:ext uri="{909E8E84-426E-40DD-AFC4-6F175D3DCCD1}">
-              <a14:hiddenFill xmlns:a14="http://schemas.microsoft.com/office/drawing/2010/main">
-                <a:solidFill>
-                  <a:srgbClr val="FFFFFF"/>
-                </a:solidFill>
-              </a14:hiddenFill>
-            </a:ext>
-          </a:extLst>
-        </p:spPr>
-      </p:pic>
-      <p:pic>
-        <p:nvPicPr>
-          <p:cNvPr id="7" name="Picture 6"/>
-          <p:cNvPicPr>
-            <a:picLocks noChangeAspect="1"/>
-          </p:cNvPicPr>
-          <p:nvPr/>
-        </p:nvPicPr>
-        <p:blipFill>
-          <a:blip r:embed="rId4" cstate="screen">
-            <a:extLst>
-              <a:ext uri="{28A0092B-C50C-407E-A947-70E740481C1C}">
-                <a14:useLocalDpi xmlns:a14="http://schemas.microsoft.com/office/drawing/2010/main"/>
-              </a:ext>
-            </a:extLst>
-          </a:blip>
-          <a:stretch>
-            <a:fillRect/>
-          </a:stretch>
-        </p:blipFill>
-        <p:spPr>
-          <a:xfrm>
-            <a:off x="8417034" y="5125192"/>
-            <a:ext cx="1693816" cy="932214"/>
-          </a:xfrm>
-          <a:prstGeom prst="rect">
-            <a:avLst/>
-          </a:prstGeom>
-        </p:spPr>
-      </p:pic>
-    </p:spTree>
-    <p:extLst>
-      <p:ext uri="{BB962C8B-B14F-4D97-AF65-F5344CB8AC3E}">
-        <p14:creationId xmlns:p14="http://schemas.microsoft.com/office/powerpoint/2010/main" val="1787264651"/>
-      </p:ext>
-    </p:extLst>
-  </p:cSld>
-  <p:clrMapOvr>
-    <a:masterClrMapping/>
-  </p:clrMapOvr>
-</p:sld>
-</file>
-
-<file path=ppt/slides/slide12.xml><?xml version="1.0" encoding="utf-8"?>
-<p:sld xmlns:a="http://schemas.openxmlformats.org/drawingml/2006/main" xmlns:r="http://schemas.openxmlformats.org/officeDocument/2006/relationships" xmlns:p="http://schemas.openxmlformats.org/presentationml/2006/main">
-  <p:cSld>
-    <p:spTree>
-      <p:nvGrpSpPr>
-        <p:cNvPr id="1" name=""/>
-        <p:cNvGrpSpPr/>
-        <p:nvPr/>
-      </p:nvGrpSpPr>
-      <p:grpSpPr>
-        <a:xfrm>
-          <a:off x="0" y="0"/>
-          <a:ext cx="0" cy="0"/>
-          <a:chOff x="0" y="0"/>
-          <a:chExt cx="0" cy="0"/>
-        </a:xfrm>
-      </p:grpSpPr>
-      <p:sp>
-        <p:nvSpPr>
-          <p:cNvPr id="5" name="Title 4"/>
-          <p:cNvSpPr>
-            <a:spLocks noGrp="1"/>
-          </p:cNvSpPr>
-          <p:nvPr>
-            <p:ph type="ctrTitle"/>
-          </p:nvPr>
-        </p:nvSpPr>
-        <p:spPr/>
-        <p:txBody>
-          <a:bodyPr/>
-          <a:lstStyle/>
-          <a:p>
-            <a:r>
-              <a:rPr lang="en-US" dirty="0"/>
-              <a:t>Algorithms</a:t>
-            </a:r>
-          </a:p>
-        </p:txBody>
-      </p:sp>
-      <p:sp>
-        <p:nvSpPr>
-          <p:cNvPr id="6" name="Subtitle 5"/>
-          <p:cNvSpPr>
-            <a:spLocks noGrp="1"/>
-          </p:cNvSpPr>
-          <p:nvPr>
-            <p:ph type="subTitle" idx="1"/>
-          </p:nvPr>
-        </p:nvSpPr>
-        <p:spPr/>
-        <p:txBody>
-          <a:bodyPr/>
-          <a:lstStyle/>
-          <a:p>
-            <a:r>
-              <a:rPr lang="en-US" dirty="0"/>
-              <a:t>Introduction</a:t>
-            </a:r>
-          </a:p>
-        </p:txBody>
-      </p:sp>
-    </p:spTree>
-    <p:extLst>
-      <p:ext uri="{BB962C8B-B14F-4D97-AF65-F5344CB8AC3E}">
-        <p14:creationId xmlns:p14="http://schemas.microsoft.com/office/powerpoint/2010/main" val="2314927042"/>
-      </p:ext>
-    </p:extLst>
-  </p:cSld>
-  <p:clrMapOvr>
-    <a:masterClrMapping/>
-  </p:clrMapOvr>
-</p:sld>
-</file>
-
-<file path=ppt/slides/slide13.xml><?xml version="1.0" encoding="utf-8"?>
-<p:sld xmlns:a="http://schemas.openxmlformats.org/drawingml/2006/main" xmlns:r="http://schemas.openxmlformats.org/officeDocument/2006/relationships" xmlns:p="http://schemas.openxmlformats.org/presentationml/2006/main">
-  <p:cSld>
-    <p:spTree>
-      <p:nvGrpSpPr>
-        <p:cNvPr id="1" name=""/>
-        <p:cNvGrpSpPr/>
-        <p:nvPr/>
-      </p:nvGrpSpPr>
-      <p:grpSpPr>
-        <a:xfrm>
-          <a:off x="0" y="0"/>
-          <a:ext cx="0" cy="0"/>
-          <a:chOff x="0" y="0"/>
-          <a:chExt cx="0" cy="0"/>
-        </a:xfrm>
-      </p:grpSpPr>
-      <p:sp>
-        <p:nvSpPr>
-          <p:cNvPr id="2" name="Title 1"/>
-          <p:cNvSpPr>
-            <a:spLocks noGrp="1"/>
-          </p:cNvSpPr>
-          <p:nvPr>
-            <p:ph type="title"/>
-          </p:nvPr>
-        </p:nvSpPr>
-        <p:spPr/>
-        <p:txBody>
-          <a:bodyPr/>
-          <a:lstStyle/>
-          <a:p>
-            <a:r>
-              <a:rPr lang="en-US" dirty="0"/>
               <a:t>What is an Algorithm?</a:t>
             </a:r>
           </a:p>
@@ -13456,35 +12762,6 @@
               <a:rPr lang="en-US" dirty="0"/>
               <a:t>An algorithm for solving quadratic equations</a:t>
             </a:r>
-          </a:p>
-        </p:txBody>
-      </p:sp>
-      <p:sp>
-        <p:nvSpPr>
-          <p:cNvPr id="4" name="Slide Number Placeholder 3"/>
-          <p:cNvSpPr>
-            <a:spLocks noGrp="1"/>
-          </p:cNvSpPr>
-          <p:nvPr>
-            <p:ph type="sldNum" idx="12"/>
-          </p:nvPr>
-        </p:nvSpPr>
-        <p:spPr/>
-        <p:txBody>
-          <a:bodyPr/>
-          <a:lstStyle/>
-          <a:p>
-            <a:pPr>
-              <a:defRPr/>
-            </a:pPr>
-            <a:fld id="{58452FF4-89E3-4D1B-9927-2DBDC00E58D7}" type="slidenum">
-              <a:rPr lang="en-US" smtClean="0"/>
-              <a:pPr>
-                <a:defRPr/>
-              </a:pPr>
-              <a:t>13</a:t>
-            </a:fld>
-            <a:endParaRPr lang="en-US" dirty="0"/>
           </a:p>
         </p:txBody>
       </p:sp>
@@ -13597,7 +12874,7 @@
 </p:sld>
 </file>
 
-<file path=ppt/slides/slide14.xml><?xml version="1.0" encoding="utf-8"?>
+<file path=ppt/slides/slide12.xml><?xml version="1.0" encoding="utf-8"?>
 <p:sld xmlns:a="http://schemas.openxmlformats.org/drawingml/2006/main" xmlns:r="http://schemas.openxmlformats.org/officeDocument/2006/relationships" xmlns:p="http://schemas.openxmlformats.org/presentationml/2006/main">
   <p:cSld>
     <p:spTree>
@@ -13710,35 +12987,6 @@
           </a:p>
         </p:txBody>
       </p:sp>
-      <p:sp>
-        <p:nvSpPr>
-          <p:cNvPr id="4" name="Slide Number Placeholder 3"/>
-          <p:cNvSpPr>
-            <a:spLocks noGrp="1"/>
-          </p:cNvSpPr>
-          <p:nvPr>
-            <p:ph type="sldNum" idx="12"/>
-          </p:nvPr>
-        </p:nvSpPr>
-        <p:spPr/>
-        <p:txBody>
-          <a:bodyPr/>
-          <a:lstStyle/>
-          <a:p>
-            <a:pPr>
-              <a:defRPr/>
-            </a:pPr>
-            <a:fld id="{58452FF4-89E3-4D1B-9927-2DBDC00E58D7}" type="slidenum">
-              <a:rPr lang="en-US" smtClean="0"/>
-              <a:pPr>
-                <a:defRPr/>
-              </a:pPr>
-              <a:t>14</a:t>
-            </a:fld>
-            <a:endParaRPr lang="en-US" dirty="0"/>
-          </a:p>
-        </p:txBody>
-      </p:sp>
     </p:spTree>
     <p:extLst>
       <p:ext uri="{BB962C8B-B14F-4D97-AF65-F5344CB8AC3E}">
@@ -13752,7 +13000,7 @@
 </p:sld>
 </file>
 
-<file path=ppt/slides/slide15.xml><?xml version="1.0" encoding="utf-8"?>
+<file path=ppt/slides/slide13.xml><?xml version="1.0" encoding="utf-8"?>
 <p:sld xmlns:a="http://schemas.openxmlformats.org/drawingml/2006/main" xmlns:r="http://schemas.openxmlformats.org/officeDocument/2006/relationships" xmlns:p="http://schemas.openxmlformats.org/presentationml/2006/main">
   <p:cSld>
     <p:spTree>
@@ -13815,35 +13063,6 @@
               <a:rPr lang="en-US" dirty="0"/>
               <a:t>Algorithms can be expressed in pseudocode, through flowcharts or program code</a:t>
             </a:r>
-          </a:p>
-        </p:txBody>
-      </p:sp>
-      <p:sp>
-        <p:nvSpPr>
-          <p:cNvPr id="4" name="Slide Number Placeholder 3"/>
-          <p:cNvSpPr>
-            <a:spLocks noGrp="1"/>
-          </p:cNvSpPr>
-          <p:nvPr>
-            <p:ph type="sldNum" idx="12"/>
-          </p:nvPr>
-        </p:nvSpPr>
-        <p:spPr/>
-        <p:txBody>
-          <a:bodyPr/>
-          <a:lstStyle/>
-          <a:p>
-            <a:pPr>
-              <a:defRPr/>
-            </a:pPr>
-            <a:fld id="{58452FF4-89E3-4D1B-9927-2DBDC00E58D7}" type="slidenum">
-              <a:rPr lang="en-US" smtClean="0"/>
-              <a:pPr>
-                <a:defRPr/>
-              </a:pPr>
-              <a:t>15</a:t>
-            </a:fld>
-            <a:endParaRPr lang="en-US" dirty="0"/>
           </a:p>
         </p:txBody>
       </p:sp>
@@ -14492,7 +13711,7 @@
 </p:sld>
 </file>
 
-<file path=ppt/slides/slide16.xml><?xml version="1.0" encoding="utf-8"?>
+<file path=ppt/slides/slide14.xml><?xml version="1.0" encoding="utf-8"?>
 <p:sld xmlns:a="http://schemas.openxmlformats.org/drawingml/2006/main" xmlns:r="http://schemas.openxmlformats.org/officeDocument/2006/relationships" xmlns:p="http://schemas.openxmlformats.org/presentationml/2006/main">
   <p:cSld>
     <p:spTree>
@@ -14614,35 +13833,6 @@
             </a:r>
           </a:p>
           <a:p>
-            <a:endParaRPr lang="en-US" dirty="0"/>
-          </a:p>
-        </p:txBody>
-      </p:sp>
-      <p:sp>
-        <p:nvSpPr>
-          <p:cNvPr id="4" name="Slide Number Placeholder 3"/>
-          <p:cNvSpPr>
-            <a:spLocks noGrp="1"/>
-          </p:cNvSpPr>
-          <p:nvPr>
-            <p:ph type="sldNum" idx="12"/>
-          </p:nvPr>
-        </p:nvSpPr>
-        <p:spPr/>
-        <p:txBody>
-          <a:bodyPr/>
-          <a:lstStyle/>
-          <a:p>
-            <a:pPr>
-              <a:defRPr/>
-            </a:pPr>
-            <a:fld id="{58452FF4-89E3-4D1B-9927-2DBDC00E58D7}" type="slidenum">
-              <a:rPr lang="en-US" smtClean="0"/>
-              <a:pPr>
-                <a:defRPr/>
-              </a:pPr>
-              <a:t>16</a:t>
-            </a:fld>
             <a:endParaRPr lang="en-US" dirty="0"/>
           </a:p>
         </p:txBody>
@@ -14742,7 +13932,7 @@
 </p:sld>
 </file>
 
-<file path=ppt/slides/slide17.xml><?xml version="1.0" encoding="utf-8"?>
+<file path=ppt/slides/slide15.xml><?xml version="1.0" encoding="utf-8"?>
 <p:sld xmlns:a="http://schemas.openxmlformats.org/drawingml/2006/main" xmlns:r="http://schemas.openxmlformats.org/officeDocument/2006/relationships" xmlns:p="http://schemas.openxmlformats.org/presentationml/2006/main">
   <p:cSld>
     <p:spTree>
@@ -14821,7 +14011,7 @@
 </p:sld>
 </file>
 
-<file path=ppt/slides/slide18.xml><?xml version="1.0" encoding="utf-8"?>
+<file path=ppt/slides/slide16.xml><?xml version="1.0" encoding="utf-8"?>
 <p:sld xmlns:a="http://schemas.openxmlformats.org/drawingml/2006/main" xmlns:r="http://schemas.openxmlformats.org/officeDocument/2006/relationships" xmlns:p="http://schemas.openxmlformats.org/presentationml/2006/main">
   <p:cSld>
     <p:spTree>
@@ -15026,35 +14216,6 @@
           </a:p>
         </p:txBody>
       </p:sp>
-      <p:sp>
-        <p:nvSpPr>
-          <p:cNvPr id="4" name="Slide Number Placeholder 3"/>
-          <p:cNvSpPr>
-            <a:spLocks noGrp="1"/>
-          </p:cNvSpPr>
-          <p:nvPr>
-            <p:ph type="sldNum" idx="12"/>
-          </p:nvPr>
-        </p:nvSpPr>
-        <p:spPr/>
-        <p:txBody>
-          <a:bodyPr/>
-          <a:lstStyle/>
-          <a:p>
-            <a:pPr>
-              <a:defRPr/>
-            </a:pPr>
-            <a:fld id="{58452FF4-89E3-4D1B-9927-2DBDC00E58D7}" type="slidenum">
-              <a:rPr lang="en-US" smtClean="0"/>
-              <a:pPr>
-                <a:defRPr/>
-              </a:pPr>
-              <a:t>18</a:t>
-            </a:fld>
-            <a:endParaRPr lang="en-US" dirty="0"/>
-          </a:p>
-        </p:txBody>
-      </p:sp>
     </p:spTree>
     <p:extLst>
       <p:ext uri="{BB962C8B-B14F-4D97-AF65-F5344CB8AC3E}">
@@ -15069,7 +14230,7 @@
 </p:sld>
 </file>
 
-<file path=ppt/slides/slide19.xml><?xml version="1.0" encoding="utf-8"?>
+<file path=ppt/slides/slide17.xml><?xml version="1.0" encoding="utf-8"?>
 <p:sld xmlns:a="http://schemas.openxmlformats.org/drawingml/2006/main" xmlns:r="http://schemas.openxmlformats.org/officeDocument/2006/relationships" xmlns:p="http://schemas.openxmlformats.org/presentationml/2006/main">
   <p:cSld>
     <p:spTree>
@@ -15251,35 +14412,6 @@
               <a:t>Asymptotic complexity</a:t>
             </a:r>
             <a:endParaRPr lang="bg-BG" dirty="0"/>
-          </a:p>
-        </p:txBody>
-      </p:sp>
-      <p:sp>
-        <p:nvSpPr>
-          <p:cNvPr id="4" name="Slide Number Placeholder 3"/>
-          <p:cNvSpPr>
-            <a:spLocks noGrp="1"/>
-          </p:cNvSpPr>
-          <p:nvPr>
-            <p:ph type="sldNum" idx="12"/>
-          </p:nvPr>
-        </p:nvSpPr>
-        <p:spPr/>
-        <p:txBody>
-          <a:bodyPr/>
-          <a:lstStyle/>
-          <a:p>
-            <a:pPr>
-              <a:defRPr/>
-            </a:pPr>
-            <a:fld id="{58452FF4-89E3-4D1B-9927-2DBDC00E58D7}" type="slidenum">
-              <a:rPr lang="en-US" smtClean="0"/>
-              <a:pPr>
-                <a:defRPr/>
-              </a:pPr>
-              <a:t>19</a:t>
-            </a:fld>
-            <a:endParaRPr lang="en-US" dirty="0"/>
           </a:p>
         </p:txBody>
       </p:sp>
@@ -15381,403 +14513,7 @@
 </p:sld>
 </file>
 
-<file path=ppt/slides/slide2.xml><?xml version="1.0" encoding="utf-8"?>
-<p:sld xmlns:a="http://schemas.openxmlformats.org/drawingml/2006/main" xmlns:r="http://schemas.openxmlformats.org/officeDocument/2006/relationships" xmlns:p="http://schemas.openxmlformats.org/presentationml/2006/main">
-  <p:cSld>
-    <p:spTree>
-      <p:nvGrpSpPr>
-        <p:cNvPr id="1" name="Shape 151"/>
-        <p:cNvGrpSpPr/>
-        <p:nvPr/>
-      </p:nvGrpSpPr>
-      <p:grpSpPr>
-        <a:xfrm>
-          <a:off x="0" y="0"/>
-          <a:ext cx="0" cy="0"/>
-          <a:chOff x="0" y="0"/>
-          <a:chExt cx="0" cy="0"/>
-        </a:xfrm>
-      </p:grpSpPr>
-      <p:sp>
-        <p:nvSpPr>
-          <p:cNvPr id="152" name="Google Shape;152;p15"/>
-          <p:cNvSpPr txBox="1">
-            <a:spLocks noGrp="1"/>
-          </p:cNvSpPr>
-          <p:nvPr>
-            <p:ph type="title"/>
-          </p:nvPr>
-        </p:nvSpPr>
-        <p:spPr>
-          <a:xfrm>
-            <a:off x="1730000" y="525000"/>
-            <a:ext cx="9385200" cy="1218900"/>
-          </a:xfrm>
-          <a:prstGeom prst="rect">
-            <a:avLst/>
-          </a:prstGeom>
-          <a:noFill/>
-          <a:ln>
-            <a:noFill/>
-          </a:ln>
-        </p:spPr>
-        <p:txBody>
-          <a:bodyPr spcFirstLastPara="1" wrap="square" lIns="91425" tIns="45700" rIns="91425" bIns="45700" anchor="ctr" anchorCtr="0">
-            <a:noAutofit/>
-          </a:bodyPr>
-          <a:lstStyle/>
-          <a:p>
-            <a:pPr marL="0" marR="0" lvl="0" indent="0" algn="l" rtl="0">
-              <a:lnSpc>
-                <a:spcPct val="90000"/>
-              </a:lnSpc>
-              <a:spcBef>
-                <a:spcPts val="0"/>
-              </a:spcBef>
-              <a:spcAft>
-                <a:spcPts val="0"/>
-              </a:spcAft>
-              <a:buClr>
-                <a:schemeClr val="lt1"/>
-              </a:buClr>
-              <a:buSzPts val="3600"/>
-              <a:buFont typeface="Questrial"/>
-              <a:buNone/>
-            </a:pPr>
-            <a:r>
-              <a:rPr lang="en-US" sz="3600" b="0" i="0" u="none" strike="noStrike" cap="none">
-                <a:solidFill>
-                  <a:schemeClr val="lt1"/>
-                </a:solidFill>
-                <a:latin typeface="Questrial"/>
-                <a:ea typeface="Questrial"/>
-                <a:cs typeface="Questrial"/>
-                <a:sym typeface="Questrial"/>
-              </a:rPr>
-              <a:t>TABLE OF CONTENTS</a:t>
-            </a:r>
-            <a:endParaRPr/>
-          </a:p>
-        </p:txBody>
-      </p:sp>
-      <p:sp>
-        <p:nvSpPr>
-          <p:cNvPr id="153" name="Google Shape;153;p15"/>
-          <p:cNvSpPr txBox="1">
-            <a:spLocks noGrp="1"/>
-          </p:cNvSpPr>
-          <p:nvPr>
-            <p:ph type="body" idx="1"/>
-          </p:nvPr>
-        </p:nvSpPr>
-        <p:spPr>
-          <a:xfrm>
-            <a:off x="1730000" y="1654375"/>
-            <a:ext cx="9385200" cy="4960434"/>
-          </a:xfrm>
-          <a:prstGeom prst="rect">
-            <a:avLst/>
-          </a:prstGeom>
-          <a:noFill/>
-          <a:ln>
-            <a:noFill/>
-          </a:ln>
-        </p:spPr>
-        <p:txBody>
-          <a:bodyPr spcFirstLastPara="1" wrap="square" lIns="91425" tIns="45700" rIns="91425" bIns="45700" anchor="t" anchorCtr="0">
-            <a:noAutofit/>
-          </a:bodyPr>
-          <a:lstStyle/>
-          <a:p>
-            <a:pPr marL="228600" marR="0" lvl="0" indent="-228600" algn="l" rtl="0">
-              <a:lnSpc>
-                <a:spcPct val="110000"/>
-              </a:lnSpc>
-              <a:spcBef>
-                <a:spcPts val="0"/>
-              </a:spcBef>
-              <a:spcAft>
-                <a:spcPts val="0"/>
-              </a:spcAft>
-              <a:buClr>
-                <a:schemeClr val="lt1"/>
-              </a:buClr>
-              <a:buSzPts val="3000"/>
-              <a:buFont typeface="Arial"/>
-              <a:buChar char="•"/>
-            </a:pPr>
-            <a:r>
-              <a:rPr lang="en-US" sz="2400" b="0" i="0" u="none" strike="noStrike" cap="none" dirty="0">
-                <a:solidFill>
-                  <a:schemeClr val="lt1"/>
-                </a:solidFill>
-                <a:latin typeface="Questrial"/>
-                <a:ea typeface="Questrial"/>
-                <a:cs typeface="Questrial"/>
-                <a:sym typeface="Questrial"/>
-              </a:rPr>
-              <a:t>Data types and data structures</a:t>
-            </a:r>
-            <a:endParaRPr dirty="0"/>
-          </a:p>
-          <a:p>
-            <a:pPr marL="228600" marR="0" lvl="0" indent="-228600" algn="l" rtl="0">
-              <a:lnSpc>
-                <a:spcPct val="110000"/>
-              </a:lnSpc>
-              <a:spcBef>
-                <a:spcPts val="1000"/>
-              </a:spcBef>
-              <a:spcAft>
-                <a:spcPts val="0"/>
-              </a:spcAft>
-              <a:buClr>
-                <a:schemeClr val="lt1"/>
-              </a:buClr>
-              <a:buSzPts val="3000"/>
-              <a:buFont typeface="Arial"/>
-              <a:buChar char="•"/>
-            </a:pPr>
-            <a:r>
-              <a:rPr lang="en-US" sz="2400" b="0" i="0" u="none" strike="noStrike" cap="none" dirty="0">
-                <a:solidFill>
-                  <a:schemeClr val="lt1"/>
-                </a:solidFill>
-                <a:latin typeface="Questrial"/>
-                <a:ea typeface="Questrial"/>
-                <a:cs typeface="Questrial"/>
-                <a:sym typeface="Questrial"/>
-              </a:rPr>
-              <a:t>Data structures overview</a:t>
-            </a:r>
-            <a:endParaRPr dirty="0"/>
-          </a:p>
-          <a:p>
-            <a:pPr marL="685800" marR="0" lvl="1" indent="-228600" algn="l" rtl="0">
-              <a:lnSpc>
-                <a:spcPct val="110000"/>
-              </a:lnSpc>
-              <a:spcBef>
-                <a:spcPts val="500"/>
-              </a:spcBef>
-              <a:spcAft>
-                <a:spcPts val="0"/>
-              </a:spcAft>
-              <a:buClr>
-                <a:schemeClr val="lt1"/>
-              </a:buClr>
-              <a:buSzPts val="3000"/>
-              <a:buFont typeface="Arial"/>
-              <a:buChar char="•"/>
-            </a:pPr>
-            <a:r>
-              <a:rPr lang="en-US" sz="2400" b="0" i="0" u="none" strike="noStrike" cap="none" dirty="0">
-                <a:solidFill>
-                  <a:schemeClr val="lt1"/>
-                </a:solidFill>
-                <a:latin typeface="Questrial"/>
-                <a:ea typeface="Questrial"/>
-                <a:cs typeface="Questrial"/>
-                <a:sym typeface="Questrial"/>
-              </a:rPr>
-              <a:t>Linear structures, Trees, Hash tables, Other</a:t>
-            </a:r>
-            <a:endParaRPr dirty="0"/>
-          </a:p>
-          <a:p>
-            <a:pPr marL="228600" marR="0" lvl="0" indent="-228600" algn="l" rtl="0">
-              <a:lnSpc>
-                <a:spcPct val="110000"/>
-              </a:lnSpc>
-              <a:spcBef>
-                <a:spcPts val="1000"/>
-              </a:spcBef>
-              <a:spcAft>
-                <a:spcPts val="0"/>
-              </a:spcAft>
-              <a:buClr>
-                <a:schemeClr val="lt1"/>
-              </a:buClr>
-              <a:buSzPts val="3000"/>
-              <a:buFont typeface="Arial"/>
-              <a:buChar char="•"/>
-            </a:pPr>
-            <a:r>
-              <a:rPr lang="en-US" sz="2400" b="0" i="0" u="none" strike="noStrike" cap="none" dirty="0">
-                <a:solidFill>
-                  <a:schemeClr val="lt1"/>
-                </a:solidFill>
-                <a:latin typeface="Questrial"/>
-                <a:ea typeface="Questrial"/>
-                <a:cs typeface="Questrial"/>
-                <a:sym typeface="Questrial"/>
-              </a:rPr>
-              <a:t>Algorithms overview</a:t>
-            </a:r>
-            <a:endParaRPr dirty="0"/>
-          </a:p>
-          <a:p>
-            <a:pPr marL="685800" marR="0" lvl="1" indent="-228600" algn="l" rtl="0">
-              <a:lnSpc>
-                <a:spcPct val="110000"/>
-              </a:lnSpc>
-              <a:spcBef>
-                <a:spcPts val="500"/>
-              </a:spcBef>
-              <a:spcAft>
-                <a:spcPts val="0"/>
-              </a:spcAft>
-              <a:buClr>
-                <a:schemeClr val="lt1"/>
-              </a:buClr>
-              <a:buSzPts val="3000"/>
-              <a:buFont typeface="Arial"/>
-              <a:buChar char="•"/>
-            </a:pPr>
-            <a:r>
-              <a:rPr lang="en-US" sz="2400" b="0" i="0" u="none" strike="noStrike" cap="none" dirty="0">
-                <a:solidFill>
-                  <a:schemeClr val="lt1"/>
-                </a:solidFill>
-                <a:latin typeface="Questrial"/>
-                <a:ea typeface="Questrial"/>
-                <a:cs typeface="Questrial"/>
-                <a:sym typeface="Questrial"/>
-              </a:rPr>
-              <a:t>Sorting and searching, Combinatorics, Dynamic programming, Graphs, Other</a:t>
-            </a:r>
-            <a:endParaRPr dirty="0"/>
-          </a:p>
-          <a:p>
-            <a:pPr marL="228600" marR="0" lvl="0" indent="-228600" algn="l" rtl="0">
-              <a:lnSpc>
-                <a:spcPct val="110000"/>
-              </a:lnSpc>
-              <a:spcBef>
-                <a:spcPts val="1000"/>
-              </a:spcBef>
-              <a:spcAft>
-                <a:spcPts val="0"/>
-              </a:spcAft>
-              <a:buClr>
-                <a:schemeClr val="lt1"/>
-              </a:buClr>
-              <a:buSzPts val="3000"/>
-              <a:buFont typeface="Arial"/>
-              <a:buChar char="•"/>
-            </a:pPr>
-            <a:r>
-              <a:rPr lang="en-US" sz="2400" b="0" i="0" u="none" strike="noStrike" cap="none" dirty="0">
-                <a:solidFill>
-                  <a:schemeClr val="lt1"/>
-                </a:solidFill>
-                <a:latin typeface="Questrial"/>
-                <a:ea typeface="Questrial"/>
-                <a:cs typeface="Questrial"/>
-                <a:sym typeface="Questrial"/>
-              </a:rPr>
-              <a:t>Algorithms Complexity</a:t>
-            </a:r>
-          </a:p>
-          <a:p>
-            <a:pPr marL="685800" lvl="1" indent="-228600">
-              <a:lnSpc>
-                <a:spcPct val="110000"/>
-              </a:lnSpc>
-              <a:spcBef>
-                <a:spcPts val="1000"/>
-              </a:spcBef>
-              <a:buSzPts val="3000"/>
-              <a:buFont typeface="Arial"/>
-              <a:buChar char="•"/>
-            </a:pPr>
-            <a:r>
-              <a:rPr lang="en-US" sz="2200" b="0" i="0" u="none" strike="noStrike" cap="none" dirty="0">
-                <a:solidFill>
-                  <a:schemeClr val="lt1"/>
-                </a:solidFill>
-                <a:latin typeface="Questrial"/>
-                <a:ea typeface="Questrial"/>
-                <a:cs typeface="Questrial"/>
-                <a:sym typeface="Questrial"/>
-              </a:rPr>
-              <a:t>Time and Memory Complexity</a:t>
-            </a:r>
-          </a:p>
-          <a:p>
-            <a:pPr marL="685800" lvl="1" indent="-228600">
-              <a:lnSpc>
-                <a:spcPct val="110000"/>
-              </a:lnSpc>
-              <a:spcBef>
-                <a:spcPts val="1000"/>
-              </a:spcBef>
-              <a:buSzPts val="3000"/>
-              <a:buFont typeface="Arial"/>
-              <a:buChar char="•"/>
-            </a:pPr>
-            <a:r>
-              <a:rPr lang="en-US" sz="2200" b="0" i="0" u="none" strike="noStrike" cap="none" dirty="0">
-                <a:solidFill>
-                  <a:schemeClr val="lt1"/>
-                </a:solidFill>
-                <a:latin typeface="Questrial"/>
-                <a:ea typeface="Questrial"/>
-                <a:cs typeface="Questrial"/>
-                <a:sym typeface="Questrial"/>
-              </a:rPr>
-              <a:t>Mean, Average and Worst Case</a:t>
-            </a:r>
-          </a:p>
-          <a:p>
-            <a:pPr marL="685800" lvl="1" indent="-228600">
-              <a:lnSpc>
-                <a:spcPct val="110000"/>
-              </a:lnSpc>
-              <a:spcBef>
-                <a:spcPts val="1000"/>
-              </a:spcBef>
-              <a:buSzPts val="3000"/>
-              <a:buFont typeface="Arial"/>
-              <a:buChar char="•"/>
-            </a:pPr>
-            <a:r>
-              <a:rPr lang="en-US" sz="2200" b="0" i="0" u="none" strike="noStrike" cap="none" dirty="0">
-                <a:solidFill>
-                  <a:schemeClr val="lt1"/>
-                </a:solidFill>
-                <a:latin typeface="Questrial"/>
-                <a:ea typeface="Questrial"/>
-                <a:cs typeface="Questrial"/>
-                <a:sym typeface="Questrial"/>
-              </a:rPr>
-              <a:t>Asymptotic Notation O(g)</a:t>
-            </a:r>
-            <a:r>
-              <a:rPr lang="en-US" sz="2400" b="0" i="0" u="none" strike="noStrike" cap="none" dirty="0">
-                <a:solidFill>
-                  <a:schemeClr val="lt1"/>
-                </a:solidFill>
-                <a:latin typeface="Questrial"/>
-                <a:ea typeface="Questrial"/>
-                <a:cs typeface="Questrial"/>
-                <a:sym typeface="Questrial"/>
-              </a:rPr>
-              <a:t>  </a:t>
-            </a:r>
-            <a:endParaRPr dirty="0"/>
-          </a:p>
-        </p:txBody>
-      </p:sp>
-    </p:spTree>
-  </p:cSld>
-  <p:clrMapOvr>
-    <a:masterClrMapping/>
-  </p:clrMapOvr>
-</p:sld>
-</file>
-
-<file path=ppt/slides/slide20.xml><?xml version="1.0" encoding="utf-8"?>
+<file path=ppt/slides/slide18.xml><?xml version="1.0" encoding="utf-8"?>
 <p:sld xmlns:a="http://schemas.openxmlformats.org/drawingml/2006/main" xmlns:r="http://schemas.openxmlformats.org/officeDocument/2006/relationships" xmlns:p="http://schemas.openxmlformats.org/presentationml/2006/main">
   <p:cSld>
     <p:spTree>
@@ -15960,35 +14696,6 @@
           </a:p>
         </p:txBody>
       </p:sp>
-      <p:sp>
-        <p:nvSpPr>
-          <p:cNvPr id="4" name="Slide Number Placeholder 3"/>
-          <p:cNvSpPr>
-            <a:spLocks noGrp="1"/>
-          </p:cNvSpPr>
-          <p:nvPr>
-            <p:ph type="sldNum" idx="12"/>
-          </p:nvPr>
-        </p:nvSpPr>
-        <p:spPr/>
-        <p:txBody>
-          <a:bodyPr/>
-          <a:lstStyle/>
-          <a:p>
-            <a:pPr>
-              <a:defRPr/>
-            </a:pPr>
-            <a:fld id="{58452FF4-89E3-4D1B-9927-2DBDC00E58D7}" type="slidenum">
-              <a:rPr lang="en-US" smtClean="0"/>
-              <a:pPr>
-                <a:defRPr/>
-              </a:pPr>
-              <a:t>20</a:t>
-            </a:fld>
-            <a:endParaRPr lang="en-US" dirty="0"/>
-          </a:p>
-        </p:txBody>
-      </p:sp>
     </p:spTree>
     <p:extLst>
       <p:ext uri="{BB962C8B-B14F-4D97-AF65-F5344CB8AC3E}">
@@ -16003,7 +14710,7 @@
 </p:sld>
 </file>
 
-<file path=ppt/slides/slide21.xml><?xml version="1.0" encoding="utf-8"?>
+<file path=ppt/slides/slide19.xml><?xml version="1.0" encoding="utf-8"?>
 <p:sld xmlns:a="http://schemas.openxmlformats.org/drawingml/2006/main" xmlns:r="http://schemas.openxmlformats.org/officeDocument/2006/relationships" xmlns:p="http://schemas.openxmlformats.org/presentationml/2006/main">
   <p:cSld>
     <p:spTree>
@@ -16055,7 +14762,12 @@
             <p:ph type="body" idx="1"/>
           </p:nvPr>
         </p:nvSpPr>
-        <p:spPr/>
+        <p:spPr>
+          <a:xfrm>
+            <a:off x="1730000" y="1743900"/>
+            <a:ext cx="9385200" cy="4825513"/>
+          </a:xfrm>
+        </p:spPr>
         <p:txBody>
           <a:bodyPr/>
           <a:lstStyle/>
@@ -16211,6 +14923,14 @@
                 <a:spcPct val="100000"/>
               </a:lnSpc>
             </a:pPr>
+            <a:endParaRPr lang="en-US" dirty="0"/>
+          </a:p>
+          <a:p>
+            <a:pPr>
+              <a:lnSpc>
+                <a:spcPct val="100000"/>
+              </a:lnSpc>
+            </a:pPr>
             <a:r>
               <a:rPr lang="en-US" dirty="0"/>
               <a:t>The algorithm runs in </a:t>
@@ -16242,35 +14962,6 @@
             <a:endParaRPr lang="bg-BG" altLang="ko-KR" dirty="0">
               <a:ea typeface="굴림" pitchFamily="50" charset="-127"/>
             </a:endParaRPr>
-          </a:p>
-        </p:txBody>
-      </p:sp>
-      <p:sp>
-        <p:nvSpPr>
-          <p:cNvPr id="8" name="Slide Number Placeholder 3"/>
-          <p:cNvSpPr>
-            <a:spLocks noGrp="1"/>
-          </p:cNvSpPr>
-          <p:nvPr>
-            <p:ph type="sldNum" idx="12"/>
-          </p:nvPr>
-        </p:nvSpPr>
-        <p:spPr/>
-        <p:txBody>
-          <a:bodyPr/>
-          <a:lstStyle/>
-          <a:p>
-            <a:pPr>
-              <a:defRPr/>
-            </a:pPr>
-            <a:fld id="{58452FF4-89E3-4D1B-9927-2DBDC00E58D7}" type="slidenum">
-              <a:rPr lang="en-US" smtClean="0"/>
-              <a:pPr>
-                <a:defRPr/>
-              </a:pPr>
-              <a:t>21</a:t>
-            </a:fld>
-            <a:endParaRPr lang="en-US" dirty="0"/>
           </a:p>
         </p:txBody>
       </p:sp>
@@ -18501,7 +17192,403 @@
 </p:sld>
 </file>
 
-<file path=ppt/slides/slide22.xml><?xml version="1.0" encoding="utf-8"?>
+<file path=ppt/slides/slide2.xml><?xml version="1.0" encoding="utf-8"?>
+<p:sld xmlns:a="http://schemas.openxmlformats.org/drawingml/2006/main" xmlns:r="http://schemas.openxmlformats.org/officeDocument/2006/relationships" xmlns:p="http://schemas.openxmlformats.org/presentationml/2006/main">
+  <p:cSld>
+    <p:spTree>
+      <p:nvGrpSpPr>
+        <p:cNvPr id="1" name="Shape 151"/>
+        <p:cNvGrpSpPr/>
+        <p:nvPr/>
+      </p:nvGrpSpPr>
+      <p:grpSpPr>
+        <a:xfrm>
+          <a:off x="0" y="0"/>
+          <a:ext cx="0" cy="0"/>
+          <a:chOff x="0" y="0"/>
+          <a:chExt cx="0" cy="0"/>
+        </a:xfrm>
+      </p:grpSpPr>
+      <p:sp>
+        <p:nvSpPr>
+          <p:cNvPr id="152" name="Google Shape;152;p15"/>
+          <p:cNvSpPr txBox="1">
+            <a:spLocks noGrp="1"/>
+          </p:cNvSpPr>
+          <p:nvPr>
+            <p:ph type="title"/>
+          </p:nvPr>
+        </p:nvSpPr>
+        <p:spPr>
+          <a:xfrm>
+            <a:off x="1730000" y="525000"/>
+            <a:ext cx="9385200" cy="1218900"/>
+          </a:xfrm>
+          <a:prstGeom prst="rect">
+            <a:avLst/>
+          </a:prstGeom>
+          <a:noFill/>
+          <a:ln>
+            <a:noFill/>
+          </a:ln>
+        </p:spPr>
+        <p:txBody>
+          <a:bodyPr spcFirstLastPara="1" wrap="square" lIns="91425" tIns="45700" rIns="91425" bIns="45700" anchor="ctr" anchorCtr="0">
+            <a:noAutofit/>
+          </a:bodyPr>
+          <a:lstStyle/>
+          <a:p>
+            <a:pPr marL="0" marR="0" lvl="0" indent="0" algn="l" rtl="0">
+              <a:lnSpc>
+                <a:spcPct val="90000"/>
+              </a:lnSpc>
+              <a:spcBef>
+                <a:spcPts val="0"/>
+              </a:spcBef>
+              <a:spcAft>
+                <a:spcPts val="0"/>
+              </a:spcAft>
+              <a:buClr>
+                <a:schemeClr val="lt1"/>
+              </a:buClr>
+              <a:buSzPts val="3600"/>
+              <a:buFont typeface="Questrial"/>
+              <a:buNone/>
+            </a:pPr>
+            <a:r>
+              <a:rPr lang="en-US" sz="3600" b="0" i="0" u="none" strike="noStrike" cap="none">
+                <a:solidFill>
+                  <a:schemeClr val="lt1"/>
+                </a:solidFill>
+                <a:latin typeface="Questrial"/>
+                <a:ea typeface="Questrial"/>
+                <a:cs typeface="Questrial"/>
+                <a:sym typeface="Questrial"/>
+              </a:rPr>
+              <a:t>TABLE OF CONTENTS</a:t>
+            </a:r>
+            <a:endParaRPr/>
+          </a:p>
+        </p:txBody>
+      </p:sp>
+      <p:sp>
+        <p:nvSpPr>
+          <p:cNvPr id="153" name="Google Shape;153;p15"/>
+          <p:cNvSpPr txBox="1">
+            <a:spLocks noGrp="1"/>
+          </p:cNvSpPr>
+          <p:nvPr>
+            <p:ph type="body" idx="1"/>
+          </p:nvPr>
+        </p:nvSpPr>
+        <p:spPr>
+          <a:xfrm>
+            <a:off x="1730000" y="1654375"/>
+            <a:ext cx="9385200" cy="4960434"/>
+          </a:xfrm>
+          <a:prstGeom prst="rect">
+            <a:avLst/>
+          </a:prstGeom>
+          <a:noFill/>
+          <a:ln>
+            <a:noFill/>
+          </a:ln>
+        </p:spPr>
+        <p:txBody>
+          <a:bodyPr spcFirstLastPara="1" wrap="square" lIns="91425" tIns="45700" rIns="91425" bIns="45700" anchor="t" anchorCtr="0">
+            <a:noAutofit/>
+          </a:bodyPr>
+          <a:lstStyle/>
+          <a:p>
+            <a:pPr marL="228600" marR="0" lvl="0" indent="-228600" algn="l" rtl="0">
+              <a:lnSpc>
+                <a:spcPct val="110000"/>
+              </a:lnSpc>
+              <a:spcBef>
+                <a:spcPts val="0"/>
+              </a:spcBef>
+              <a:spcAft>
+                <a:spcPts val="0"/>
+              </a:spcAft>
+              <a:buClr>
+                <a:schemeClr val="lt1"/>
+              </a:buClr>
+              <a:buSzPts val="3000"/>
+              <a:buFont typeface="Arial"/>
+              <a:buChar char="•"/>
+            </a:pPr>
+            <a:r>
+              <a:rPr lang="en-US" sz="2400" b="0" i="0" u="none" strike="noStrike" cap="none" dirty="0">
+                <a:solidFill>
+                  <a:schemeClr val="lt1"/>
+                </a:solidFill>
+                <a:latin typeface="Questrial"/>
+                <a:ea typeface="Questrial"/>
+                <a:cs typeface="Questrial"/>
+                <a:sym typeface="Questrial"/>
+              </a:rPr>
+              <a:t>Data types and data structures</a:t>
+            </a:r>
+            <a:endParaRPr dirty="0"/>
+          </a:p>
+          <a:p>
+            <a:pPr marL="228600" marR="0" lvl="0" indent="-228600" algn="l" rtl="0">
+              <a:lnSpc>
+                <a:spcPct val="110000"/>
+              </a:lnSpc>
+              <a:spcBef>
+                <a:spcPts val="1000"/>
+              </a:spcBef>
+              <a:spcAft>
+                <a:spcPts val="0"/>
+              </a:spcAft>
+              <a:buClr>
+                <a:schemeClr val="lt1"/>
+              </a:buClr>
+              <a:buSzPts val="3000"/>
+              <a:buFont typeface="Arial"/>
+              <a:buChar char="•"/>
+            </a:pPr>
+            <a:r>
+              <a:rPr lang="en-US" sz="2400" b="0" i="0" u="none" strike="noStrike" cap="none" dirty="0">
+                <a:solidFill>
+                  <a:schemeClr val="lt1"/>
+                </a:solidFill>
+                <a:latin typeface="Questrial"/>
+                <a:ea typeface="Questrial"/>
+                <a:cs typeface="Questrial"/>
+                <a:sym typeface="Questrial"/>
+              </a:rPr>
+              <a:t>Data structures overview</a:t>
+            </a:r>
+            <a:endParaRPr dirty="0"/>
+          </a:p>
+          <a:p>
+            <a:pPr marL="685800" marR="0" lvl="1" indent="-228600" algn="l" rtl="0">
+              <a:lnSpc>
+                <a:spcPct val="110000"/>
+              </a:lnSpc>
+              <a:spcBef>
+                <a:spcPts val="500"/>
+              </a:spcBef>
+              <a:spcAft>
+                <a:spcPts val="0"/>
+              </a:spcAft>
+              <a:buClr>
+                <a:schemeClr val="lt1"/>
+              </a:buClr>
+              <a:buSzPts val="3000"/>
+              <a:buFont typeface="Arial"/>
+              <a:buChar char="•"/>
+            </a:pPr>
+            <a:r>
+              <a:rPr lang="en-US" sz="2400" b="0" i="0" u="none" strike="noStrike" cap="none" dirty="0">
+                <a:solidFill>
+                  <a:schemeClr val="lt1"/>
+                </a:solidFill>
+                <a:latin typeface="Questrial"/>
+                <a:ea typeface="Questrial"/>
+                <a:cs typeface="Questrial"/>
+                <a:sym typeface="Questrial"/>
+              </a:rPr>
+              <a:t>Linear structures, Trees, Hash tables, Other</a:t>
+            </a:r>
+            <a:endParaRPr dirty="0"/>
+          </a:p>
+          <a:p>
+            <a:pPr marL="228600" marR="0" lvl="0" indent="-228600" algn="l" rtl="0">
+              <a:lnSpc>
+                <a:spcPct val="110000"/>
+              </a:lnSpc>
+              <a:spcBef>
+                <a:spcPts val="1000"/>
+              </a:spcBef>
+              <a:spcAft>
+                <a:spcPts val="0"/>
+              </a:spcAft>
+              <a:buClr>
+                <a:schemeClr val="lt1"/>
+              </a:buClr>
+              <a:buSzPts val="3000"/>
+              <a:buFont typeface="Arial"/>
+              <a:buChar char="•"/>
+            </a:pPr>
+            <a:r>
+              <a:rPr lang="en-US" sz="2400" b="0" i="0" u="none" strike="noStrike" cap="none" dirty="0">
+                <a:solidFill>
+                  <a:schemeClr val="lt1"/>
+                </a:solidFill>
+                <a:latin typeface="Questrial"/>
+                <a:ea typeface="Questrial"/>
+                <a:cs typeface="Questrial"/>
+                <a:sym typeface="Questrial"/>
+              </a:rPr>
+              <a:t>Algorithms overview</a:t>
+            </a:r>
+            <a:endParaRPr dirty="0"/>
+          </a:p>
+          <a:p>
+            <a:pPr marL="685800" marR="0" lvl="1" indent="-228600" algn="l" rtl="0">
+              <a:lnSpc>
+                <a:spcPct val="110000"/>
+              </a:lnSpc>
+              <a:spcBef>
+                <a:spcPts val="500"/>
+              </a:spcBef>
+              <a:spcAft>
+                <a:spcPts val="0"/>
+              </a:spcAft>
+              <a:buClr>
+                <a:schemeClr val="lt1"/>
+              </a:buClr>
+              <a:buSzPts val="3000"/>
+              <a:buFont typeface="Arial"/>
+              <a:buChar char="•"/>
+            </a:pPr>
+            <a:r>
+              <a:rPr lang="en-US" sz="2400" b="0" i="0" u="none" strike="noStrike" cap="none" dirty="0">
+                <a:solidFill>
+                  <a:schemeClr val="lt1"/>
+                </a:solidFill>
+                <a:latin typeface="Questrial"/>
+                <a:ea typeface="Questrial"/>
+                <a:cs typeface="Questrial"/>
+                <a:sym typeface="Questrial"/>
+              </a:rPr>
+              <a:t>Sorting and searching, Combinatorics, Dynamic programming, Graphs, Other</a:t>
+            </a:r>
+            <a:endParaRPr dirty="0"/>
+          </a:p>
+          <a:p>
+            <a:pPr marL="228600" marR="0" lvl="0" indent="-228600" algn="l" rtl="0">
+              <a:lnSpc>
+                <a:spcPct val="110000"/>
+              </a:lnSpc>
+              <a:spcBef>
+                <a:spcPts val="1000"/>
+              </a:spcBef>
+              <a:spcAft>
+                <a:spcPts val="0"/>
+              </a:spcAft>
+              <a:buClr>
+                <a:schemeClr val="lt1"/>
+              </a:buClr>
+              <a:buSzPts val="3000"/>
+              <a:buFont typeface="Arial"/>
+              <a:buChar char="•"/>
+            </a:pPr>
+            <a:r>
+              <a:rPr lang="en-US" sz="2400" b="0" i="0" u="none" strike="noStrike" cap="none" dirty="0">
+                <a:solidFill>
+                  <a:schemeClr val="lt1"/>
+                </a:solidFill>
+                <a:latin typeface="Questrial"/>
+                <a:ea typeface="Questrial"/>
+                <a:cs typeface="Questrial"/>
+                <a:sym typeface="Questrial"/>
+              </a:rPr>
+              <a:t>Algorithms Complexity</a:t>
+            </a:r>
+          </a:p>
+          <a:p>
+            <a:pPr marL="685800" lvl="1" indent="-228600">
+              <a:lnSpc>
+                <a:spcPct val="110000"/>
+              </a:lnSpc>
+              <a:spcBef>
+                <a:spcPts val="1000"/>
+              </a:spcBef>
+              <a:buSzPts val="3000"/>
+              <a:buFont typeface="Arial"/>
+              <a:buChar char="•"/>
+            </a:pPr>
+            <a:r>
+              <a:rPr lang="en-US" sz="2200" b="0" i="0" u="none" strike="noStrike" cap="none" dirty="0">
+                <a:solidFill>
+                  <a:schemeClr val="lt1"/>
+                </a:solidFill>
+                <a:latin typeface="Questrial"/>
+                <a:ea typeface="Questrial"/>
+                <a:cs typeface="Questrial"/>
+                <a:sym typeface="Questrial"/>
+              </a:rPr>
+              <a:t>Time and Memory Complexity</a:t>
+            </a:r>
+          </a:p>
+          <a:p>
+            <a:pPr marL="685800" lvl="1" indent="-228600">
+              <a:lnSpc>
+                <a:spcPct val="110000"/>
+              </a:lnSpc>
+              <a:spcBef>
+                <a:spcPts val="1000"/>
+              </a:spcBef>
+              <a:buSzPts val="3000"/>
+              <a:buFont typeface="Arial"/>
+              <a:buChar char="•"/>
+            </a:pPr>
+            <a:r>
+              <a:rPr lang="en-US" sz="2200" b="0" i="0" u="none" strike="noStrike" cap="none" dirty="0">
+                <a:solidFill>
+                  <a:schemeClr val="lt1"/>
+                </a:solidFill>
+                <a:latin typeface="Questrial"/>
+                <a:ea typeface="Questrial"/>
+                <a:cs typeface="Questrial"/>
+                <a:sym typeface="Questrial"/>
+              </a:rPr>
+              <a:t>Mean, Average and Worst Case</a:t>
+            </a:r>
+          </a:p>
+          <a:p>
+            <a:pPr marL="685800" lvl="1" indent="-228600">
+              <a:lnSpc>
+                <a:spcPct val="110000"/>
+              </a:lnSpc>
+              <a:spcBef>
+                <a:spcPts val="1000"/>
+              </a:spcBef>
+              <a:buSzPts val="3000"/>
+              <a:buFont typeface="Arial"/>
+              <a:buChar char="•"/>
+            </a:pPr>
+            <a:r>
+              <a:rPr lang="en-US" sz="2200" b="0" i="0" u="none" strike="noStrike" cap="none" dirty="0">
+                <a:solidFill>
+                  <a:schemeClr val="lt1"/>
+                </a:solidFill>
+                <a:latin typeface="Questrial"/>
+                <a:ea typeface="Questrial"/>
+                <a:cs typeface="Questrial"/>
+                <a:sym typeface="Questrial"/>
+              </a:rPr>
+              <a:t>Asymptotic Notation O(g)</a:t>
+            </a:r>
+            <a:r>
+              <a:rPr lang="en-US" sz="2400" b="0" i="0" u="none" strike="noStrike" cap="none" dirty="0">
+                <a:solidFill>
+                  <a:schemeClr val="lt1"/>
+                </a:solidFill>
+                <a:latin typeface="Questrial"/>
+                <a:ea typeface="Questrial"/>
+                <a:cs typeface="Questrial"/>
+                <a:sym typeface="Questrial"/>
+              </a:rPr>
+              <a:t>  </a:t>
+            </a:r>
+            <a:endParaRPr dirty="0"/>
+          </a:p>
+        </p:txBody>
+      </p:sp>
+    </p:spTree>
+  </p:cSld>
+  <p:clrMapOvr>
+    <a:masterClrMapping/>
+  </p:clrMapOvr>
+</p:sld>
+</file>
+
+<file path=ppt/slides/slide20.xml><?xml version="1.0" encoding="utf-8"?>
 <p:sld xmlns:a="http://schemas.openxmlformats.org/drawingml/2006/main" xmlns:r="http://schemas.openxmlformats.org/officeDocument/2006/relationships" xmlns:p="http://schemas.openxmlformats.org/presentationml/2006/main">
   <p:cSld>
     <p:spTree>
@@ -18754,7 +17841,7 @@
               <a:pPr>
                 <a:defRPr/>
               </a:pPr>
-              <a:t>22</a:t>
+              <a:t>20</a:t>
             </a:fld>
             <a:endParaRPr lang="en-US" dirty="0"/>
           </a:p>
@@ -18773,7 +17860,7 @@
 </p:sld>
 </file>
 
-<file path=ppt/slides/slide23.xml><?xml version="1.0" encoding="utf-8"?>
+<file path=ppt/slides/slide21.xml><?xml version="1.0" encoding="utf-8"?>
 <p:sld xmlns:a="http://schemas.openxmlformats.org/drawingml/2006/main" xmlns:r="http://schemas.openxmlformats.org/officeDocument/2006/relationships" xmlns:p="http://schemas.openxmlformats.org/presentationml/2006/main">
   <p:cSld>
     <p:spTree>
@@ -18827,8 +17914,8 @@
         </p:nvSpPr>
         <p:spPr>
           <a:xfrm>
-            <a:off x="1730000" y="1322962"/>
-            <a:ext cx="9385200" cy="5010038"/>
+            <a:off x="1730000" y="1322961"/>
+            <a:ext cx="9385200" cy="5259421"/>
           </a:xfrm>
         </p:spPr>
         <p:txBody>
@@ -18841,7 +17928,7 @@
               </a:lnSpc>
             </a:pPr>
             <a:r>
-              <a:rPr lang="en-US" altLang="ko-KR" sz="2400" dirty="0">
+              <a:rPr lang="en-US" altLang="ko-KR" sz="2000" dirty="0">
                 <a:ea typeface="굴림" pitchFamily="50" charset="-127"/>
               </a:rPr>
               <a:t>Asymptotic upper bound</a:t>
@@ -18854,18 +17941,37 @@
               </a:lnSpc>
             </a:pPr>
             <a:r>
-              <a:rPr lang="en-US" altLang="ko-KR" sz="2000" dirty="0">
+              <a:rPr lang="en-US" altLang="ko-KR" sz="1800" dirty="0">
                 <a:ea typeface="굴림" pitchFamily="50" charset="-127"/>
                 <a:sym typeface="Symbol" pitchFamily="18" charset="2"/>
               </a:rPr>
               <a:t>O-</a:t>
             </a:r>
             <a:r>
-              <a:rPr lang="en-US" altLang="ko-KR" sz="2000" dirty="0">
+              <a:rPr lang="en-US" altLang="ko-KR" sz="1800" dirty="0">
                 <a:ea typeface="굴림" pitchFamily="50" charset="-127"/>
               </a:rPr>
               <a:t>notation (Big O notation)</a:t>
             </a:r>
+            <a:endParaRPr lang="bg-BG" altLang="ko-KR" sz="1800" dirty="0">
+              <a:ea typeface="굴림" pitchFamily="50" charset="-127"/>
+            </a:endParaRPr>
+          </a:p>
+          <a:p>
+            <a:pPr lvl="1">
+              <a:lnSpc>
+                <a:spcPct val="100000"/>
+              </a:lnSpc>
+            </a:pPr>
+            <a:r>
+              <a:rPr lang="en-US" sz="2000" dirty="0">
+                <a:hlinkClick r:id="rId3"/>
+              </a:rPr>
+              <a:t>https://www.programiz.com/dsa/asymptotic-notations</a:t>
+            </a:r>
+            <a:endParaRPr lang="en-US" altLang="ko-KR" sz="1800" dirty="0">
+              <a:ea typeface="굴림" pitchFamily="50" charset="-127"/>
+            </a:endParaRPr>
           </a:p>
           <a:p>
             <a:pPr>
@@ -18873,7 +17979,7 @@
                 <a:spcPct val="100000"/>
               </a:lnSpc>
             </a:pPr>
-            <a:endParaRPr lang="bg-BG" altLang="ko-KR" sz="2400" dirty="0">
+            <a:endParaRPr lang="bg-BG" altLang="ko-KR" sz="2000" dirty="0">
               <a:ea typeface="굴림" pitchFamily="50" charset="-127"/>
             </a:endParaRPr>
           </a:p>
@@ -18884,13 +17990,13 @@
               </a:lnSpc>
             </a:pPr>
             <a:r>
-              <a:rPr lang="en-US" altLang="ko-KR" sz="2400" dirty="0">
+              <a:rPr lang="en-US" altLang="ko-KR" sz="2000" dirty="0">
                 <a:ea typeface="굴림" pitchFamily="50" charset="-127"/>
               </a:rPr>
               <a:t>For given function </a:t>
             </a:r>
             <a:r>
-              <a:rPr lang="en-US" altLang="ko-KR" sz="2400" dirty="0">
+              <a:rPr lang="en-US" altLang="ko-KR" sz="2000" dirty="0">
                 <a:solidFill>
                   <a:schemeClr val="accent5">
                     <a:lumMod val="20000"/>
@@ -18904,13 +18010,13 @@
               <a:t>g(n)</a:t>
             </a:r>
             <a:r>
-              <a:rPr lang="en-US" altLang="ko-KR" sz="2400" dirty="0">
+              <a:rPr lang="en-US" altLang="ko-KR" sz="2000" dirty="0">
                 <a:ea typeface="굴림" pitchFamily="50" charset="-127"/>
               </a:rPr>
               <a:t>, we denote by </a:t>
             </a:r>
             <a:r>
-              <a:rPr lang="en-US" altLang="ko-KR" sz="2400" dirty="0">
+              <a:rPr lang="en-US" altLang="ko-KR" sz="2000" dirty="0">
                 <a:solidFill>
                   <a:schemeClr val="accent5">
                     <a:lumMod val="20000"/>
@@ -18924,13 +18030,13 @@
               <a:t>O(g(n))</a:t>
             </a:r>
             <a:r>
-              <a:rPr lang="en-US" altLang="ko-KR" sz="2400" dirty="0">
+              <a:rPr lang="en-US" altLang="ko-KR" sz="2000" dirty="0">
                 <a:ea typeface="굴림" pitchFamily="50" charset="-127"/>
               </a:rPr>
               <a:t> the set of functions that are different than </a:t>
             </a:r>
             <a:r>
-              <a:rPr lang="en-US" altLang="ko-KR" sz="2400" dirty="0">
+              <a:rPr lang="en-US" altLang="ko-KR" sz="2000" dirty="0">
                 <a:solidFill>
                   <a:schemeClr val="accent5">
                     <a:lumMod val="20000"/>
@@ -18944,7 +18050,7 @@
               <a:t>g(n)</a:t>
             </a:r>
             <a:r>
-              <a:rPr lang="en-US" altLang="ko-KR" sz="2400" dirty="0">
+              <a:rPr lang="en-US" altLang="ko-KR" sz="2000" dirty="0">
                 <a:ea typeface="굴림" pitchFamily="50" charset="-127"/>
               </a:rPr>
               <a:t> by a constant</a:t>
@@ -18956,7 +18062,7 @@
                 <a:spcPct val="100000"/>
               </a:lnSpc>
             </a:pPr>
-            <a:endParaRPr lang="en-US" altLang="ko-KR" sz="2400" dirty="0">
+            <a:endParaRPr lang="en-US" altLang="ko-KR" sz="2000" dirty="0">
               <a:ea typeface="굴림" pitchFamily="50" charset="-127"/>
             </a:endParaRPr>
           </a:p>
@@ -18966,7 +18072,7 @@
                 <a:spcPct val="100000"/>
               </a:lnSpc>
             </a:pPr>
-            <a:endParaRPr lang="en-US" altLang="ko-KR" sz="2400" dirty="0">
+            <a:endParaRPr lang="en-US" altLang="ko-KR" sz="2000" dirty="0">
               <a:ea typeface="굴림" pitchFamily="50" charset="-127"/>
             </a:endParaRPr>
           </a:p>
@@ -18976,7 +18082,7 @@
                 <a:spcPct val="100000"/>
               </a:lnSpc>
             </a:pPr>
-            <a:endParaRPr lang="bg-BG" altLang="ko-KR" sz="2400" dirty="0">
+            <a:endParaRPr lang="en-US" altLang="ko-KR" sz="2000" dirty="0">
               <a:ea typeface="굴림" pitchFamily="50" charset="-127"/>
             </a:endParaRPr>
           </a:p>
@@ -18986,8 +18092,18 @@
                 <a:spcPct val="100000"/>
               </a:lnSpc>
             </a:pPr>
-            <a:r>
-              <a:rPr lang="en-US" altLang="ko-KR" sz="2400" dirty="0">
+            <a:endParaRPr lang="bg-BG" altLang="ko-KR" sz="2000" dirty="0">
+              <a:ea typeface="굴림" pitchFamily="50" charset="-127"/>
+            </a:endParaRPr>
+          </a:p>
+          <a:p>
+            <a:pPr>
+              <a:lnSpc>
+                <a:spcPct val="100000"/>
+              </a:lnSpc>
+            </a:pPr>
+            <a:r>
+              <a:rPr lang="en-US" altLang="ko-KR" sz="2000" dirty="0">
                 <a:ea typeface="굴림" pitchFamily="50" charset="-127"/>
               </a:rPr>
               <a:t>Examples:</a:t>
@@ -19000,7 +18116,7 @@
               </a:lnSpc>
             </a:pPr>
             <a:r>
-              <a:rPr lang="en-US" altLang="ko-KR" sz="2000" dirty="0">
+              <a:rPr lang="en-US" altLang="ko-KR" sz="1800" dirty="0">
                 <a:latin typeface="Consolas" pitchFamily="49" charset="0"/>
                 <a:ea typeface="굴림" pitchFamily="50" charset="-127"/>
                 <a:cs typeface="Consolas" pitchFamily="49" charset="0"/>
@@ -19008,14 +18124,14 @@
               <a:t>3</a:t>
             </a:r>
             <a:r>
-              <a:rPr lang="en-US" altLang="ko-KR" sz="2000" dirty="0">
+              <a:rPr lang="en-US" altLang="ko-KR" sz="1800" dirty="0">
                 <a:ea typeface="굴림" pitchFamily="50" charset="-127"/>
                 <a:cs typeface="Consolas" pitchFamily="49" charset="0"/>
               </a:rPr>
               <a:t> </a:t>
             </a:r>
             <a:r>
-              <a:rPr lang="en-US" altLang="ko-KR" sz="2000" dirty="0">
+              <a:rPr lang="en-US" altLang="ko-KR" sz="1800" dirty="0">
                 <a:latin typeface="Consolas" pitchFamily="49" charset="0"/>
                 <a:ea typeface="굴림" pitchFamily="50" charset="-127"/>
                 <a:cs typeface="Consolas" pitchFamily="49" charset="0"/>
@@ -19023,14 +18139,14 @@
               <a:t>*</a:t>
             </a:r>
             <a:r>
-              <a:rPr lang="en-US" altLang="ko-KR" sz="2000" dirty="0">
+              <a:rPr lang="en-US" altLang="ko-KR" sz="1800" dirty="0">
                 <a:ea typeface="굴림" pitchFamily="50" charset="-127"/>
                 <a:cs typeface="Consolas" pitchFamily="49" charset="0"/>
               </a:rPr>
               <a:t> </a:t>
             </a:r>
             <a:r>
-              <a:rPr lang="en-US" altLang="ko-KR" sz="2000" dirty="0">
+              <a:rPr lang="en-US" altLang="ko-KR" sz="1800" dirty="0">
                 <a:latin typeface="Consolas" pitchFamily="49" charset="0"/>
                 <a:ea typeface="굴림" pitchFamily="50" charset="-127"/>
                 <a:cs typeface="Consolas" pitchFamily="49" charset="0"/>
@@ -19038,7 +18154,7 @@
               <a:t>n</a:t>
             </a:r>
             <a:r>
-              <a:rPr lang="en-US" altLang="ko-KR" sz="2000" baseline="30000" dirty="0">
+              <a:rPr lang="en-US" altLang="ko-KR" sz="1800" baseline="30000" dirty="0">
                 <a:latin typeface="Consolas" pitchFamily="49" charset="0"/>
                 <a:ea typeface="굴림" pitchFamily="50" charset="-127"/>
                 <a:cs typeface="Consolas" pitchFamily="49" charset="0"/>
@@ -19046,14 +18162,14 @@
               <a:t>2</a:t>
             </a:r>
             <a:r>
-              <a:rPr lang="en-US" altLang="ko-KR" sz="2000" dirty="0">
+              <a:rPr lang="en-US" altLang="ko-KR" sz="1800" dirty="0">
                 <a:ea typeface="굴림" pitchFamily="50" charset="-127"/>
                 <a:cs typeface="Consolas" pitchFamily="49" charset="0"/>
               </a:rPr>
               <a:t> </a:t>
             </a:r>
             <a:r>
-              <a:rPr lang="en-US" altLang="ko-KR" sz="2000" dirty="0">
+              <a:rPr lang="en-US" altLang="ko-KR" sz="1800" dirty="0">
                 <a:latin typeface="Consolas" pitchFamily="49" charset="0"/>
                 <a:ea typeface="굴림" pitchFamily="50" charset="-127"/>
                 <a:cs typeface="Consolas" pitchFamily="49" charset="0"/>
@@ -19061,14 +18177,14 @@
               <a:t>+</a:t>
             </a:r>
             <a:r>
-              <a:rPr lang="en-US" altLang="ko-KR" sz="2000" dirty="0">
+              <a:rPr lang="en-US" altLang="ko-KR" sz="1800" dirty="0">
                 <a:ea typeface="굴림" pitchFamily="50" charset="-127"/>
                 <a:cs typeface="Consolas" pitchFamily="49" charset="0"/>
               </a:rPr>
               <a:t> </a:t>
             </a:r>
             <a:r>
-              <a:rPr lang="en-US" altLang="ko-KR" sz="2000" dirty="0">
+              <a:rPr lang="en-US" altLang="ko-KR" sz="1800" dirty="0">
                 <a:latin typeface="Consolas" pitchFamily="49" charset="0"/>
                 <a:ea typeface="굴림" pitchFamily="50" charset="-127"/>
                 <a:cs typeface="Consolas" pitchFamily="49" charset="0"/>
@@ -19076,14 +18192,14 @@
               <a:t>n/2</a:t>
             </a:r>
             <a:r>
-              <a:rPr lang="en-US" altLang="ko-KR" sz="2000" dirty="0">
+              <a:rPr lang="en-US" altLang="ko-KR" sz="1800" dirty="0">
                 <a:ea typeface="굴림" pitchFamily="50" charset="-127"/>
                 <a:cs typeface="Consolas" pitchFamily="49" charset="0"/>
               </a:rPr>
               <a:t> </a:t>
             </a:r>
             <a:r>
-              <a:rPr lang="en-US" altLang="ko-KR" sz="2000" dirty="0">
+              <a:rPr lang="en-US" altLang="ko-KR" sz="1800" dirty="0">
                 <a:latin typeface="Consolas" pitchFamily="49" charset="0"/>
                 <a:ea typeface="굴림" pitchFamily="50" charset="-127"/>
                 <a:cs typeface="Consolas" pitchFamily="49" charset="0"/>
@@ -19091,14 +18207,14 @@
               <a:t>+</a:t>
             </a:r>
             <a:r>
-              <a:rPr lang="en-US" altLang="ko-KR" sz="2000" dirty="0">
+              <a:rPr lang="en-US" altLang="ko-KR" sz="1800" dirty="0">
                 <a:ea typeface="굴림" pitchFamily="50" charset="-127"/>
                 <a:cs typeface="Consolas" pitchFamily="49" charset="0"/>
               </a:rPr>
               <a:t> </a:t>
             </a:r>
             <a:r>
-              <a:rPr lang="en-US" altLang="ko-KR" sz="2000" dirty="0">
+              <a:rPr lang="en-US" altLang="ko-KR" sz="1800" dirty="0">
                 <a:latin typeface="Consolas" pitchFamily="49" charset="0"/>
                 <a:ea typeface="굴림" pitchFamily="50" charset="-127"/>
                 <a:cs typeface="Consolas" pitchFamily="49" charset="0"/>
@@ -19106,21 +18222,21 @@
               <a:t>12 </a:t>
             </a:r>
             <a:r>
+              <a:rPr lang="en-US" sz="1600" dirty="0">
+                <a:latin typeface="Consolas" pitchFamily="49" charset="0"/>
+                <a:cs typeface="Consolas" pitchFamily="49" charset="0"/>
+              </a:rPr>
+              <a:t>∈</a:t>
+            </a:r>
+            <a:r>
               <a:rPr lang="en-US" sz="1800" dirty="0">
                 <a:latin typeface="Consolas" pitchFamily="49" charset="0"/>
                 <a:cs typeface="Consolas" pitchFamily="49" charset="0"/>
               </a:rPr>
-              <a:t>∈</a:t>
-            </a:r>
-            <a:r>
-              <a:rPr lang="en-US" sz="2000" dirty="0">
-                <a:latin typeface="Consolas" pitchFamily="49" charset="0"/>
-                <a:cs typeface="Consolas" pitchFamily="49" charset="0"/>
-              </a:rPr>
               <a:t> </a:t>
             </a:r>
             <a:r>
-              <a:rPr lang="en-US" altLang="ko-KR" sz="2000" dirty="0">
+              <a:rPr lang="en-US" altLang="ko-KR" sz="1800" dirty="0">
                 <a:latin typeface="Consolas" pitchFamily="49" charset="0"/>
                 <a:ea typeface="굴림" pitchFamily="50" charset="-127"/>
                 <a:cs typeface="Consolas" pitchFamily="49" charset="0"/>
@@ -19128,7 +18244,7 @@
               <a:t>O(n</a:t>
             </a:r>
             <a:r>
-              <a:rPr lang="en-US" altLang="ko-KR" sz="2000" baseline="30000" dirty="0">
+              <a:rPr lang="en-US" altLang="ko-KR" sz="1800" baseline="30000" dirty="0">
                 <a:latin typeface="Consolas" pitchFamily="49" charset="0"/>
                 <a:ea typeface="굴림" pitchFamily="50" charset="-127"/>
                 <a:cs typeface="Consolas" pitchFamily="49" charset="0"/>
@@ -19136,7 +18252,7 @@
               <a:t>2</a:t>
             </a:r>
             <a:r>
-              <a:rPr lang="en-US" altLang="ko-KR" sz="2000" dirty="0">
+              <a:rPr lang="en-US" altLang="ko-KR" sz="1800" dirty="0">
                 <a:latin typeface="Consolas" pitchFamily="49" charset="0"/>
                 <a:ea typeface="굴림" pitchFamily="50" charset="-127"/>
                 <a:cs typeface="Consolas" pitchFamily="49" charset="0"/>
@@ -19151,7 +18267,7 @@
               </a:lnSpc>
             </a:pPr>
             <a:r>
-              <a:rPr lang="en-US" altLang="ko-KR" sz="2000" dirty="0">
+              <a:rPr lang="en-US" altLang="ko-KR" sz="1800" dirty="0">
                 <a:latin typeface="Consolas" pitchFamily="49" charset="0"/>
                 <a:ea typeface="굴림" pitchFamily="50" charset="-127"/>
                 <a:cs typeface="Consolas" pitchFamily="49" charset="0"/>
@@ -19159,7 +18275,7 @@
               <a:t>4*n*log</a:t>
             </a:r>
             <a:r>
-              <a:rPr lang="en-US" altLang="ko-KR" sz="2000" baseline="-25000" dirty="0">
+              <a:rPr lang="en-US" altLang="ko-KR" sz="1800" baseline="-25000" dirty="0">
                 <a:latin typeface="Consolas" pitchFamily="49" charset="0"/>
                 <a:ea typeface="굴림" pitchFamily="50" charset="-127"/>
                 <a:cs typeface="Consolas" pitchFamily="49" charset="0"/>
@@ -19167,7 +18283,7 @@
               <a:t>2</a:t>
             </a:r>
             <a:r>
-              <a:rPr lang="en-US" altLang="ko-KR" sz="2000" dirty="0">
+              <a:rPr lang="en-US" altLang="ko-KR" sz="1800" dirty="0">
                 <a:latin typeface="Consolas" pitchFamily="49" charset="0"/>
                 <a:ea typeface="굴림" pitchFamily="50" charset="-127"/>
                 <a:cs typeface="Consolas" pitchFamily="49" charset="0"/>
@@ -19175,14 +18291,14 @@
               <a:t>(3*n+1)</a:t>
             </a:r>
             <a:r>
-              <a:rPr lang="en-US" altLang="ko-KR" sz="2000" dirty="0">
+              <a:rPr lang="en-US" altLang="ko-KR" sz="1800" dirty="0">
                 <a:ea typeface="굴림" pitchFamily="50" charset="-127"/>
                 <a:cs typeface="Consolas" pitchFamily="49" charset="0"/>
               </a:rPr>
               <a:t> </a:t>
             </a:r>
             <a:r>
-              <a:rPr lang="en-US" altLang="ko-KR" sz="2000" dirty="0">
+              <a:rPr lang="en-US" altLang="ko-KR" sz="1800" dirty="0">
                 <a:latin typeface="Consolas" pitchFamily="49" charset="0"/>
                 <a:ea typeface="굴림" pitchFamily="50" charset="-127"/>
                 <a:cs typeface="Consolas" pitchFamily="49" charset="0"/>
@@ -19190,14 +18306,14 @@
               <a:t>+</a:t>
             </a:r>
             <a:r>
-              <a:rPr lang="en-US" altLang="ko-KR" sz="2000" dirty="0">
+              <a:rPr lang="en-US" altLang="ko-KR" sz="1800" dirty="0">
                 <a:ea typeface="굴림" pitchFamily="50" charset="-127"/>
                 <a:cs typeface="Consolas" pitchFamily="49" charset="0"/>
               </a:rPr>
               <a:t> </a:t>
             </a:r>
             <a:r>
-              <a:rPr lang="en-US" altLang="ko-KR" sz="2000" dirty="0">
+              <a:rPr lang="en-US" altLang="ko-KR" sz="1800" dirty="0">
                 <a:latin typeface="Consolas" pitchFamily="49" charset="0"/>
                 <a:ea typeface="굴림" pitchFamily="50" charset="-127"/>
                 <a:cs typeface="Consolas" pitchFamily="49" charset="0"/>
@@ -19205,21 +18321,21 @@
               <a:t>2*n-1 </a:t>
             </a:r>
             <a:r>
+              <a:rPr lang="en-US" sz="1600" dirty="0">
+                <a:latin typeface="Consolas" pitchFamily="49" charset="0"/>
+                <a:cs typeface="Consolas" pitchFamily="49" charset="0"/>
+              </a:rPr>
+              <a:t>∈</a:t>
+            </a:r>
+            <a:r>
               <a:rPr lang="en-US" sz="1800" dirty="0">
                 <a:latin typeface="Consolas" pitchFamily="49" charset="0"/>
                 <a:cs typeface="Consolas" pitchFamily="49" charset="0"/>
               </a:rPr>
-              <a:t>∈</a:t>
-            </a:r>
-            <a:r>
-              <a:rPr lang="en-US" sz="2000" dirty="0">
-                <a:latin typeface="Consolas" pitchFamily="49" charset="0"/>
-                <a:cs typeface="Consolas" pitchFamily="49" charset="0"/>
-              </a:rPr>
               <a:t> </a:t>
             </a:r>
             <a:r>
-              <a:rPr lang="en-US" altLang="ko-KR" sz="2000" dirty="0">
+              <a:rPr lang="en-US" altLang="ko-KR" sz="1800" dirty="0">
                 <a:latin typeface="Consolas" pitchFamily="49" charset="0"/>
                 <a:ea typeface="굴림" pitchFamily="50" charset="-127"/>
                 <a:cs typeface="Consolas" pitchFamily="49" charset="0"/>
@@ -19227,14 +18343,14 @@
               <a:t>O(n</a:t>
             </a:r>
             <a:r>
-              <a:rPr lang="en-US" altLang="ko-KR" sz="2000" dirty="0">
+              <a:rPr lang="en-US" altLang="ko-KR" sz="1800" dirty="0">
                 <a:ea typeface="굴림" pitchFamily="50" charset="-127"/>
                 <a:cs typeface="Consolas" pitchFamily="49" charset="0"/>
               </a:rPr>
               <a:t> </a:t>
             </a:r>
             <a:r>
-              <a:rPr lang="en-US" altLang="ko-KR" sz="2000" dirty="0">
+              <a:rPr lang="en-US" altLang="ko-KR" sz="1800" dirty="0">
                 <a:latin typeface="Consolas" pitchFamily="49" charset="0"/>
                 <a:ea typeface="굴림" pitchFamily="50" charset="-127"/>
                 <a:cs typeface="Consolas" pitchFamily="49" charset="0"/>
@@ -19242,14 +18358,14 @@
               <a:t>*</a:t>
             </a:r>
             <a:r>
-              <a:rPr lang="en-US" altLang="ko-KR" sz="2000" dirty="0">
+              <a:rPr lang="en-US" altLang="ko-KR" sz="1800" dirty="0">
                 <a:ea typeface="굴림" pitchFamily="50" charset="-127"/>
                 <a:cs typeface="Consolas" pitchFamily="49" charset="0"/>
               </a:rPr>
               <a:t> </a:t>
             </a:r>
             <a:r>
-              <a:rPr lang="en-US" altLang="ko-KR" sz="2000" dirty="0">
+              <a:rPr lang="en-US" altLang="ko-KR" sz="1800" dirty="0">
                 <a:latin typeface="Consolas" pitchFamily="49" charset="0"/>
                 <a:ea typeface="굴림" pitchFamily="50" charset="-127"/>
                 <a:cs typeface="Consolas" pitchFamily="49" charset="0"/>
@@ -19257,14 +18373,14 @@
               <a:t>log</a:t>
             </a:r>
             <a:r>
-              <a:rPr lang="en-US" altLang="ko-KR" sz="2000" dirty="0">
+              <a:rPr lang="en-US" altLang="ko-KR" sz="1800" dirty="0">
                 <a:ea typeface="굴림" pitchFamily="50" charset="-127"/>
                 <a:cs typeface="Consolas" pitchFamily="49" charset="0"/>
               </a:rPr>
               <a:t> </a:t>
             </a:r>
             <a:r>
-              <a:rPr lang="en-US" altLang="ko-KR" sz="2000" dirty="0">
+              <a:rPr lang="en-US" altLang="ko-KR" sz="1800" dirty="0">
                 <a:latin typeface="Consolas" pitchFamily="49" charset="0"/>
                 <a:ea typeface="굴림" pitchFamily="50" charset="-127"/>
                 <a:cs typeface="Consolas" pitchFamily="49" charset="0"/>
@@ -19272,13 +18388,13 @@
               <a:t>n)</a:t>
             </a:r>
             <a:r>
-              <a:rPr lang="en-US" altLang="ko-KR" sz="2000" dirty="0">
+              <a:rPr lang="en-US" altLang="ko-KR" sz="1800" dirty="0">
                 <a:ea typeface="굴림" pitchFamily="50" charset="-127"/>
               </a:rPr>
               <a:t> </a:t>
             </a:r>
             <a:r>
-              <a:rPr lang="en-US" altLang="ko-KR" sz="2000" dirty="0">
+              <a:rPr lang="en-US" altLang="ko-KR" sz="1800" dirty="0">
                 <a:solidFill>
                   <a:schemeClr val="accent5">
                     <a:lumMod val="20000"/>
@@ -19292,7 +18408,7 @@
               </a:rPr>
               <a:t>	</a:t>
             </a:r>
-            <a:endParaRPr lang="bg-BG" sz="2000" dirty="0">
+            <a:endParaRPr lang="bg-BG" sz="1800" dirty="0">
               <a:solidFill>
                 <a:schemeClr val="accent5">
                   <a:lumMod val="20000"/>
@@ -19303,35 +18419,6 @@
               <a:ea typeface="굴림" pitchFamily="50" charset="-127"/>
               <a:cs typeface="Consolas" pitchFamily="49" charset="0"/>
             </a:endParaRPr>
-          </a:p>
-        </p:txBody>
-      </p:sp>
-      <p:sp>
-        <p:nvSpPr>
-          <p:cNvPr id="9" name="Slide Number Placeholder 3"/>
-          <p:cNvSpPr>
-            <a:spLocks noGrp="1"/>
-          </p:cNvSpPr>
-          <p:nvPr>
-            <p:ph type="sldNum" idx="12"/>
-          </p:nvPr>
-        </p:nvSpPr>
-        <p:spPr/>
-        <p:txBody>
-          <a:bodyPr/>
-          <a:lstStyle/>
-          <a:p>
-            <a:pPr>
-              <a:defRPr/>
-            </a:pPr>
-            <a:fld id="{58452FF4-89E3-4D1B-9927-2DBDC00E58D7}" type="slidenum">
-              <a:rPr lang="en-US" smtClean="0"/>
-              <a:pPr>
-                <a:defRPr/>
-              </a:pPr>
-              <a:t>23</a:t>
-            </a:fld>
-            <a:endParaRPr lang="en-US" dirty="0"/>
           </a:p>
         </p:txBody>
       </p:sp>
@@ -19345,8 +18432,8 @@
         </p:nvSpPr>
         <p:spPr>
           <a:xfrm>
-            <a:off x="2296971" y="3571673"/>
-            <a:ext cx="7848600" cy="884070"/>
+            <a:off x="2264545" y="3952671"/>
+            <a:ext cx="7848600" cy="760959"/>
           </a:xfrm>
           <a:prstGeom prst="rect">
             <a:avLst/>
@@ -19621,7 +18708,7 @@
               <a:buNone/>
             </a:pPr>
             <a:r>
-              <a:rPr lang="en-US" altLang="ko-KR" sz="2400" dirty="0">
+              <a:rPr lang="en-US" altLang="ko-KR" sz="2000" dirty="0">
                 <a:solidFill>
                   <a:schemeClr val="accent5">
                     <a:lumMod val="20000"/>
@@ -19636,7 +18723,7 @@
               <a:t>O</a:t>
             </a:r>
             <a:r>
-              <a:rPr lang="en-US" altLang="ko-KR" sz="2400" dirty="0">
+              <a:rPr lang="en-US" altLang="ko-KR" sz="2000" dirty="0">
                 <a:solidFill>
                   <a:schemeClr val="accent5">
                     <a:lumMod val="20000"/>
@@ -19650,13 +18737,13 @@
               <a:t>(g(n))</a:t>
             </a:r>
             <a:r>
-              <a:rPr lang="en-US" altLang="ko-KR" sz="2400" dirty="0">
+              <a:rPr lang="en-US" altLang="ko-KR" sz="2000" dirty="0">
                 <a:ea typeface="굴림" pitchFamily="50" charset="-127"/>
               </a:rPr>
               <a:t> </a:t>
             </a:r>
             <a:r>
-              <a:rPr lang="en-US" altLang="ko-KR" sz="2400" dirty="0">
+              <a:rPr lang="en-US" altLang="ko-KR" sz="2000" dirty="0">
                 <a:solidFill>
                   <a:schemeClr val="accent5">
                     <a:lumMod val="20000"/>
@@ -19670,13 +18757,13 @@
               <a:t>=</a:t>
             </a:r>
             <a:r>
-              <a:rPr lang="en-US" altLang="ko-KR" sz="2400" dirty="0">
+              <a:rPr lang="en-US" altLang="ko-KR" sz="2000" dirty="0">
                 <a:ea typeface="굴림" pitchFamily="50" charset="-127"/>
               </a:rPr>
               <a:t> {</a:t>
             </a:r>
             <a:r>
-              <a:rPr lang="en-US" altLang="ko-KR" sz="2400" dirty="0">
+              <a:rPr lang="en-US" altLang="ko-KR" sz="2000" dirty="0">
                 <a:solidFill>
                   <a:schemeClr val="accent5">
                     <a:lumMod val="20000"/>
@@ -19690,13 +18777,13 @@
               <a:t>f(n)</a:t>
             </a:r>
             <a:r>
-              <a:rPr lang="en-US" altLang="ko-KR" sz="2400" dirty="0">
+              <a:rPr lang="en-US" altLang="ko-KR" sz="2000" dirty="0">
                 <a:ea typeface="굴림" pitchFamily="50" charset="-127"/>
               </a:rPr>
               <a:t>: there exist positive constants </a:t>
             </a:r>
             <a:r>
-              <a:rPr lang="en-US" altLang="ko-KR" sz="2400" dirty="0">
+              <a:rPr lang="en-US" altLang="ko-KR" sz="2000" dirty="0">
                 <a:solidFill>
                   <a:schemeClr val="accent5">
                     <a:lumMod val="20000"/>
@@ -19710,13 +18797,13 @@
               <a:t>c</a:t>
             </a:r>
             <a:r>
-              <a:rPr lang="en-US" altLang="ko-KR" sz="2400" dirty="0">
+              <a:rPr lang="en-US" altLang="ko-KR" sz="2000" dirty="0">
                 <a:ea typeface="굴림" pitchFamily="50" charset="-127"/>
               </a:rPr>
               <a:t> and </a:t>
             </a:r>
             <a:r>
-              <a:rPr lang="en-US" altLang="ko-KR" sz="2400" dirty="0">
+              <a:rPr lang="en-US" altLang="ko-KR" sz="2000" dirty="0">
                 <a:solidFill>
                   <a:schemeClr val="accent5">
                     <a:lumMod val="20000"/>
@@ -19730,7 +18817,7 @@
               <a:t>n</a:t>
             </a:r>
             <a:r>
-              <a:rPr lang="en-US" altLang="ko-KR" sz="2400" baseline="-25000" dirty="0">
+              <a:rPr lang="en-US" altLang="ko-KR" sz="2000" baseline="-25000" dirty="0">
                 <a:solidFill>
                   <a:schemeClr val="accent5">
                     <a:lumMod val="20000"/>
@@ -19744,13 +18831,13 @@
               <a:t>0</a:t>
             </a:r>
             <a:r>
-              <a:rPr lang="en-US" altLang="ko-KR" sz="2400" dirty="0">
+              <a:rPr lang="en-US" altLang="ko-KR" sz="2000" dirty="0">
                 <a:ea typeface="굴림" pitchFamily="50" charset="-127"/>
               </a:rPr>
               <a:t> such that </a:t>
             </a:r>
             <a:r>
-              <a:rPr lang="en-US" altLang="ko-KR" sz="2400" dirty="0">
+              <a:rPr lang="en-US" altLang="ko-KR" sz="2000" dirty="0">
                 <a:solidFill>
                   <a:schemeClr val="accent5">
                     <a:lumMod val="20000"/>
@@ -19764,13 +18851,13 @@
               <a:t>f(n)</a:t>
             </a:r>
             <a:r>
-              <a:rPr lang="en-US" altLang="ko-KR" sz="2400" dirty="0">
+              <a:rPr lang="en-US" altLang="ko-KR" sz="2000" dirty="0">
                 <a:ea typeface="굴림" pitchFamily="50" charset="-127"/>
               </a:rPr>
               <a:t> </a:t>
             </a:r>
             <a:r>
-              <a:rPr lang="en-US" altLang="ko-KR" sz="2400" dirty="0">
+              <a:rPr lang="en-US" altLang="ko-KR" sz="2000" dirty="0">
                 <a:solidFill>
                   <a:schemeClr val="accent5">
                     <a:lumMod val="20000"/>
@@ -19784,13 +18871,13 @@
               <a:t>&lt;=</a:t>
             </a:r>
             <a:r>
-              <a:rPr lang="en-US" altLang="ko-KR" sz="2400" dirty="0">
+              <a:rPr lang="en-US" altLang="ko-KR" sz="2000" dirty="0">
                 <a:ea typeface="굴림" pitchFamily="50" charset="-127"/>
               </a:rPr>
               <a:t> </a:t>
             </a:r>
             <a:r>
-              <a:rPr lang="en-US" altLang="ko-KR" sz="2400" dirty="0">
+              <a:rPr lang="en-US" altLang="ko-KR" sz="2000" dirty="0">
                 <a:solidFill>
                   <a:schemeClr val="accent5">
                     <a:lumMod val="20000"/>
@@ -19804,13 +18891,13 @@
               <a:t>c*g(n)</a:t>
             </a:r>
             <a:r>
-              <a:rPr lang="en-US" altLang="ko-KR" sz="2400" dirty="0">
+              <a:rPr lang="en-US" altLang="ko-KR" sz="2000" dirty="0">
                 <a:ea typeface="굴림" pitchFamily="50" charset="-127"/>
               </a:rPr>
               <a:t> for all </a:t>
             </a:r>
             <a:r>
-              <a:rPr lang="en-US" altLang="ko-KR" sz="2400" dirty="0">
+              <a:rPr lang="en-US" altLang="ko-KR" sz="2000" dirty="0">
                 <a:solidFill>
                   <a:schemeClr val="accent5">
                     <a:lumMod val="20000"/>
@@ -19824,13 +18911,13 @@
               <a:t>n</a:t>
             </a:r>
             <a:r>
-              <a:rPr lang="en-US" altLang="ko-KR" sz="2400" dirty="0">
+              <a:rPr lang="en-US" altLang="ko-KR" sz="2000" dirty="0">
                 <a:ea typeface="굴림" pitchFamily="50" charset="-127"/>
               </a:rPr>
               <a:t> </a:t>
             </a:r>
             <a:r>
-              <a:rPr lang="en-US" altLang="ko-KR" sz="2400" dirty="0">
+              <a:rPr lang="en-US" altLang="ko-KR" sz="2000" dirty="0">
                 <a:solidFill>
                   <a:schemeClr val="accent5">
                     <a:lumMod val="20000"/>
@@ -19844,13 +18931,13 @@
               <a:t>&gt;=</a:t>
             </a:r>
             <a:r>
-              <a:rPr lang="en-US" altLang="ko-KR" sz="2400" dirty="0">
+              <a:rPr lang="en-US" altLang="ko-KR" sz="2000" dirty="0">
                 <a:ea typeface="굴림" pitchFamily="50" charset="-127"/>
               </a:rPr>
               <a:t> </a:t>
             </a:r>
             <a:r>
-              <a:rPr lang="en-US" altLang="ko-KR" sz="2400" dirty="0">
+              <a:rPr lang="en-US" altLang="ko-KR" sz="2000" dirty="0">
                 <a:solidFill>
                   <a:schemeClr val="accent5">
                     <a:lumMod val="20000"/>
@@ -19864,7 +18951,7 @@
               <a:t>n</a:t>
             </a:r>
             <a:r>
-              <a:rPr lang="en-US" altLang="ko-KR" sz="2400" baseline="-25000" dirty="0">
+              <a:rPr lang="en-US" altLang="ko-KR" sz="2000" baseline="-25000" dirty="0">
                 <a:solidFill>
                   <a:schemeClr val="accent5">
                     <a:lumMod val="20000"/>
@@ -19878,7 +18965,7 @@
               <a:t>0</a:t>
             </a:r>
             <a:r>
-              <a:rPr lang="en-US" altLang="ko-KR" sz="2400" dirty="0">
+              <a:rPr lang="en-US" altLang="ko-KR" sz="2000" dirty="0">
                 <a:ea typeface="굴림" pitchFamily="50" charset="-127"/>
               </a:rPr>
               <a:t>}</a:t>
@@ -19900,7 +18987,7 @@
 </p:sld>
 </file>
 
-<file path=ppt/slides/slide24.xml><?xml version="1.0" encoding="utf-8"?>
+<file path=ppt/slides/slide22.xml><?xml version="1.0" encoding="utf-8"?>
 <p:sld xmlns:a="http://schemas.openxmlformats.org/drawingml/2006/main" xmlns:r="http://schemas.openxmlformats.org/officeDocument/2006/relationships" xmlns:p="http://schemas.openxmlformats.org/presentationml/2006/main">
   <p:cSld>
     <p:spTree>
@@ -19936,35 +19023,6 @@
               <a:rPr lang="en-US" dirty="0"/>
               <a:t>Typical Complexities</a:t>
             </a:r>
-          </a:p>
-        </p:txBody>
-      </p:sp>
-      <p:sp>
-        <p:nvSpPr>
-          <p:cNvPr id="4" name="Slide Number Placeholder 3"/>
-          <p:cNvSpPr>
-            <a:spLocks noGrp="1"/>
-          </p:cNvSpPr>
-          <p:nvPr>
-            <p:ph type="sldNum" idx="12"/>
-          </p:nvPr>
-        </p:nvSpPr>
-        <p:spPr/>
-        <p:txBody>
-          <a:bodyPr/>
-          <a:lstStyle/>
-          <a:p>
-            <a:pPr>
-              <a:defRPr/>
-            </a:pPr>
-            <a:fld id="{58452FF4-89E3-4D1B-9927-2DBDC00E58D7}" type="slidenum">
-              <a:rPr lang="en-US" smtClean="0"/>
-              <a:pPr>
-                <a:defRPr/>
-              </a:pPr>
-              <a:t>24</a:t>
-            </a:fld>
-            <a:endParaRPr lang="en-US" dirty="0"/>
           </a:p>
         </p:txBody>
       </p:sp>
@@ -21792,7 +20850,7 @@
 </p:sld>
 </file>
 
-<file path=ppt/slides/slide25.xml><?xml version="1.0" encoding="utf-8"?>
+<file path=ppt/slides/slide23.xml><?xml version="1.0" encoding="utf-8"?>
 <p:sld xmlns:a="http://schemas.openxmlformats.org/drawingml/2006/main" xmlns:r="http://schemas.openxmlformats.org/officeDocument/2006/relationships" xmlns:p="http://schemas.openxmlformats.org/presentationml/2006/main">
   <p:cSld>
     <p:spTree>
@@ -21828,35 +20886,6 @@
               <a:rPr lang="en-US"/>
               <a:t>Typical Complexities (2)</a:t>
             </a:r>
-            <a:endParaRPr lang="en-US" dirty="0"/>
-          </a:p>
-        </p:txBody>
-      </p:sp>
-      <p:sp>
-        <p:nvSpPr>
-          <p:cNvPr id="4" name="Slide Number Placeholder 3"/>
-          <p:cNvSpPr>
-            <a:spLocks noGrp="1"/>
-          </p:cNvSpPr>
-          <p:nvPr>
-            <p:ph type="sldNum" idx="12"/>
-          </p:nvPr>
-        </p:nvSpPr>
-        <p:spPr/>
-        <p:txBody>
-          <a:bodyPr/>
-          <a:lstStyle/>
-          <a:p>
-            <a:pPr>
-              <a:defRPr/>
-            </a:pPr>
-            <a:fld id="{58452FF4-89E3-4D1B-9927-2DBDC00E58D7}" type="slidenum">
-              <a:rPr lang="en-US" smtClean="0"/>
-              <a:pPr>
-                <a:defRPr/>
-              </a:pPr>
-              <a:t>25</a:t>
-            </a:fld>
             <a:endParaRPr lang="en-US" dirty="0"/>
           </a:p>
         </p:txBody>
@@ -24007,7 +23036,7 @@
 </p:sld>
 </file>
 
-<file path=ppt/slides/slide26.xml><?xml version="1.0" encoding="utf-8"?>
+<file path=ppt/slides/slide24.xml><?xml version="1.0" encoding="utf-8"?>
 <p:sld xmlns:a="http://schemas.openxmlformats.org/drawingml/2006/main" xmlns:r="http://schemas.openxmlformats.org/officeDocument/2006/relationships" xmlns:p="http://schemas.openxmlformats.org/presentationml/2006/main">
   <p:cSld>
     <p:spTree>
@@ -24043,35 +23072,6 @@
               <a:rPr lang="en-US" dirty="0"/>
               <a:t>Time Complexity and Speed</a:t>
             </a:r>
-          </a:p>
-        </p:txBody>
-      </p:sp>
-      <p:sp>
-        <p:nvSpPr>
-          <p:cNvPr id="4" name="Slide Number Placeholder 3"/>
-          <p:cNvSpPr>
-            <a:spLocks noGrp="1"/>
-          </p:cNvSpPr>
-          <p:nvPr>
-            <p:ph type="sldNum" idx="12"/>
-          </p:nvPr>
-        </p:nvSpPr>
-        <p:spPr/>
-        <p:txBody>
-          <a:bodyPr/>
-          <a:lstStyle/>
-          <a:p>
-            <a:pPr>
-              <a:defRPr/>
-            </a:pPr>
-            <a:fld id="{58452FF4-89E3-4D1B-9927-2DBDC00E58D7}" type="slidenum">
-              <a:rPr lang="en-US" smtClean="0"/>
-              <a:pPr>
-                <a:defRPr/>
-              </a:pPr>
-              <a:t>26</a:t>
-            </a:fld>
-            <a:endParaRPr lang="en-US" dirty="0"/>
           </a:p>
         </p:txBody>
       </p:sp>
@@ -35038,7 +34038,7 @@
 </p:sld>
 </file>
 
-<file path=ppt/slides/slide27.xml><?xml version="1.0" encoding="utf-8"?>
+<file path=ppt/slides/slide25.xml><?xml version="1.0" encoding="utf-8"?>
 <p:sld xmlns:a="http://schemas.openxmlformats.org/drawingml/2006/main" xmlns:r="http://schemas.openxmlformats.org/officeDocument/2006/relationships" xmlns:p="http://schemas.openxmlformats.org/presentationml/2006/main">
   <p:cSld>
     <p:spTree>
@@ -35382,35 +34382,6 @@
           </a:p>
         </p:txBody>
       </p:sp>
-      <p:sp>
-        <p:nvSpPr>
-          <p:cNvPr id="4" name="Slide Number Placeholder 3"/>
-          <p:cNvSpPr>
-            <a:spLocks noGrp="1"/>
-          </p:cNvSpPr>
-          <p:nvPr>
-            <p:ph type="sldNum" idx="12"/>
-          </p:nvPr>
-        </p:nvSpPr>
-        <p:spPr/>
-        <p:txBody>
-          <a:bodyPr/>
-          <a:lstStyle/>
-          <a:p>
-            <a:pPr>
-              <a:defRPr/>
-            </a:pPr>
-            <a:fld id="{58452FF4-89E3-4D1B-9927-2DBDC00E58D7}" type="slidenum">
-              <a:rPr lang="en-US" smtClean="0"/>
-              <a:pPr>
-                <a:defRPr/>
-              </a:pPr>
-              <a:t>27</a:t>
-            </a:fld>
-            <a:endParaRPr lang="en-US" dirty="0"/>
-          </a:p>
-        </p:txBody>
-      </p:sp>
     </p:spTree>
     <p:extLst>
       <p:ext uri="{BB962C8B-B14F-4D97-AF65-F5344CB8AC3E}">
@@ -35424,7 +34395,7 @@
 </p:sld>
 </file>
 
-<file path=ppt/slides/slide28.xml><?xml version="1.0" encoding="utf-8"?>
+<file path=ppt/slides/slide26.xml><?xml version="1.0" encoding="utf-8"?>
 <p:sld xmlns:a="http://schemas.openxmlformats.org/drawingml/2006/main" xmlns:r="http://schemas.openxmlformats.org/officeDocument/2006/relationships" xmlns:p="http://schemas.openxmlformats.org/presentationml/2006/main">
   <p:cSld>
     <p:spTree>
@@ -35731,35 +34702,6 @@
           </a:p>
         </p:txBody>
       </p:sp>
-      <p:sp>
-        <p:nvSpPr>
-          <p:cNvPr id="4" name="Slide Number Placeholder 3"/>
-          <p:cNvSpPr>
-            <a:spLocks noGrp="1"/>
-          </p:cNvSpPr>
-          <p:nvPr>
-            <p:ph type="sldNum" idx="12"/>
-          </p:nvPr>
-        </p:nvSpPr>
-        <p:spPr/>
-        <p:txBody>
-          <a:bodyPr/>
-          <a:lstStyle/>
-          <a:p>
-            <a:pPr>
-              <a:defRPr/>
-            </a:pPr>
-            <a:fld id="{58452FF4-89E3-4D1B-9927-2DBDC00E58D7}" type="slidenum">
-              <a:rPr lang="en-US" smtClean="0"/>
-              <a:pPr>
-                <a:defRPr/>
-              </a:pPr>
-              <a:t>28</a:t>
-            </a:fld>
-            <a:endParaRPr lang="en-US" dirty="0"/>
-          </a:p>
-        </p:txBody>
-      </p:sp>
     </p:spTree>
     <p:extLst>
       <p:ext uri="{BB962C8B-B14F-4D97-AF65-F5344CB8AC3E}">
@@ -35773,7 +34715,7 @@
 </p:sld>
 </file>
 
-<file path=ppt/slides/slide29.xml><?xml version="1.0" encoding="utf-8"?>
+<file path=ppt/slides/slide27.xml><?xml version="1.0" encoding="utf-8"?>
 <p:sld xmlns:a="http://schemas.openxmlformats.org/drawingml/2006/main" xmlns:r="http://schemas.openxmlformats.org/officeDocument/2006/relationships" xmlns:p="http://schemas.openxmlformats.org/presentationml/2006/main">
   <p:cSld>
     <p:spTree>
@@ -36160,35 +35102,6 @@
               </a:rPr>
               <a:t>Non-polynomial algorithms hang for large input data sets</a:t>
             </a:r>
-          </a:p>
-        </p:txBody>
-      </p:sp>
-      <p:sp>
-        <p:nvSpPr>
-          <p:cNvPr id="5" name="Slide Number Placeholder 3"/>
-          <p:cNvSpPr>
-            <a:spLocks noGrp="1"/>
-          </p:cNvSpPr>
-          <p:nvPr>
-            <p:ph type="sldNum" idx="12"/>
-          </p:nvPr>
-        </p:nvSpPr>
-        <p:spPr/>
-        <p:txBody>
-          <a:bodyPr/>
-          <a:lstStyle/>
-          <a:p>
-            <a:pPr>
-              <a:defRPr/>
-            </a:pPr>
-            <a:fld id="{58452FF4-89E3-4D1B-9927-2DBDC00E58D7}" type="slidenum">
-              <a:rPr lang="en-US" smtClean="0"/>
-              <a:pPr>
-                <a:defRPr/>
-              </a:pPr>
-              <a:t>29</a:t>
-            </a:fld>
-            <a:endParaRPr lang="en-US" dirty="0"/>
           </a:p>
         </p:txBody>
       </p:sp>
@@ -36304,249 +35217,7 @@
 </p:sld>
 </file>
 
-<file path=ppt/slides/slide3.xml><?xml version="1.0" encoding="utf-8"?>
-<p:sld xmlns:a="http://schemas.openxmlformats.org/drawingml/2006/main" xmlns:r="http://schemas.openxmlformats.org/officeDocument/2006/relationships" xmlns:p="http://schemas.openxmlformats.org/presentationml/2006/main">
-  <p:cSld>
-    <p:spTree>
-      <p:nvGrpSpPr>
-        <p:cNvPr id="1" name=""/>
-        <p:cNvGrpSpPr/>
-        <p:nvPr/>
-      </p:nvGrpSpPr>
-      <p:grpSpPr>
-        <a:xfrm>
-          <a:off x="0" y="0"/>
-          <a:ext cx="0" cy="0"/>
-          <a:chOff x="0" y="0"/>
-          <a:chExt cx="0" cy="0"/>
-        </a:xfrm>
-      </p:grpSpPr>
-      <p:sp>
-        <p:nvSpPr>
-          <p:cNvPr id="4" name="Title 3">
-            <a:extLst>
-              <a:ext uri="{FF2B5EF4-FFF2-40B4-BE49-F238E27FC236}">
-                <a16:creationId xmlns:a16="http://schemas.microsoft.com/office/drawing/2014/main" id="{14B9AFC8-2D32-493E-BDD9-4E1088342C8E}"/>
-              </a:ext>
-            </a:extLst>
-          </p:cNvPr>
-          <p:cNvSpPr>
-            <a:spLocks noGrp="1"/>
-          </p:cNvSpPr>
-          <p:nvPr>
-            <p:ph type="ctrTitle"/>
-          </p:nvPr>
-        </p:nvSpPr>
-        <p:spPr/>
-        <p:txBody>
-          <a:bodyPr/>
-          <a:lstStyle/>
-          <a:p>
-            <a:r>
-              <a:rPr lang="en-US" dirty="0"/>
-              <a:t>Data Structures</a:t>
-            </a:r>
-            <a:endParaRPr lang="bg-BG" dirty="0"/>
-          </a:p>
-        </p:txBody>
-      </p:sp>
-      <p:sp>
-        <p:nvSpPr>
-          <p:cNvPr id="5" name="Subtitle 4">
-            <a:extLst>
-              <a:ext uri="{FF2B5EF4-FFF2-40B4-BE49-F238E27FC236}">
-                <a16:creationId xmlns:a16="http://schemas.microsoft.com/office/drawing/2014/main" id="{5579AAC6-DF80-4808-B82D-D982AFCBF6FC}"/>
-              </a:ext>
-            </a:extLst>
-          </p:cNvPr>
-          <p:cNvSpPr>
-            <a:spLocks noGrp="1"/>
-          </p:cNvSpPr>
-          <p:nvPr>
-            <p:ph type="subTitle" idx="1"/>
-          </p:nvPr>
-        </p:nvSpPr>
-        <p:spPr/>
-        <p:txBody>
-          <a:bodyPr/>
-          <a:lstStyle/>
-          <a:p>
-            <a:r>
-              <a:rPr lang="en-US" sz="1800" b="1" dirty="0">
-                <a:effectLst>
-                  <a:outerShdw blurRad="38100" dist="38100" dir="2700000" algn="tl">
-                    <a:srgbClr val="000000">
-                      <a:alpha val="43137"/>
-                    </a:srgbClr>
-                  </a:outerShdw>
-                </a:effectLst>
-              </a:rPr>
-              <a:t>Introduction</a:t>
-            </a:r>
-            <a:endParaRPr lang="bg-BG" dirty="0"/>
-          </a:p>
-        </p:txBody>
-      </p:sp>
-    </p:spTree>
-    <p:extLst>
-      <p:ext uri="{BB962C8B-B14F-4D97-AF65-F5344CB8AC3E}">
-        <p14:creationId xmlns:p14="http://schemas.microsoft.com/office/powerpoint/2010/main" val="669940699"/>
-      </p:ext>
-    </p:extLst>
-  </p:cSld>
-  <p:clrMapOvr>
-    <a:masterClrMapping/>
-  </p:clrMapOvr>
-</p:sld>
-</file>
-
-<file path=ppt/slides/slide30.xml><?xml version="1.0" encoding="utf-8"?>
-<p:sld xmlns:a="http://schemas.openxmlformats.org/drawingml/2006/main" xmlns:r="http://schemas.openxmlformats.org/officeDocument/2006/relationships" xmlns:p="http://schemas.openxmlformats.org/presentationml/2006/main">
-  <p:cSld>
-    <p:spTree>
-      <p:nvGrpSpPr>
-        <p:cNvPr id="1" name=""/>
-        <p:cNvGrpSpPr/>
-        <p:nvPr/>
-      </p:nvGrpSpPr>
-      <p:grpSpPr>
-        <a:xfrm>
-          <a:off x="0" y="0"/>
-          <a:ext cx="0" cy="0"/>
-          <a:chOff x="0" y="0"/>
-          <a:chExt cx="0" cy="0"/>
-        </a:xfrm>
-      </p:grpSpPr>
-      <p:sp>
-        <p:nvSpPr>
-          <p:cNvPr id="2" name="Title 1"/>
-          <p:cNvSpPr>
-            <a:spLocks noGrp="1"/>
-          </p:cNvSpPr>
-          <p:nvPr>
-            <p:ph type="title"/>
-          </p:nvPr>
-        </p:nvSpPr>
-        <p:spPr/>
-        <p:txBody>
-          <a:bodyPr/>
-          <a:lstStyle/>
-          <a:p>
-            <a:r>
-              <a:rPr lang="en-US" dirty="0"/>
-              <a:t>Computational Classes</a:t>
-            </a:r>
-          </a:p>
-        </p:txBody>
-      </p:sp>
-      <p:sp>
-        <p:nvSpPr>
-          <p:cNvPr id="3" name="Content Placeholder 2"/>
-          <p:cNvSpPr>
-            <a:spLocks noGrp="1"/>
-          </p:cNvSpPr>
-          <p:nvPr>
-            <p:ph type="body" idx="1"/>
-          </p:nvPr>
-        </p:nvSpPr>
-        <p:spPr/>
-        <p:txBody>
-          <a:bodyPr/>
-          <a:lstStyle/>
-          <a:p>
-            <a:r>
-              <a:rPr lang="en-US" dirty="0"/>
-              <a:t>Computational complexity theory divides the computational problems into several classes:</a:t>
-            </a:r>
-          </a:p>
-        </p:txBody>
-      </p:sp>
-      <p:sp>
-        <p:nvSpPr>
-          <p:cNvPr id="4" name="Slide Number Placeholder 3"/>
-          <p:cNvSpPr>
-            <a:spLocks noGrp="1"/>
-          </p:cNvSpPr>
-          <p:nvPr>
-            <p:ph type="sldNum" idx="12"/>
-          </p:nvPr>
-        </p:nvSpPr>
-        <p:spPr/>
-        <p:txBody>
-          <a:bodyPr/>
-          <a:lstStyle/>
-          <a:p>
-            <a:pPr>
-              <a:defRPr/>
-            </a:pPr>
-            <a:fld id="{58452FF4-89E3-4D1B-9927-2DBDC00E58D7}" type="slidenum">
-              <a:rPr lang="en-US" smtClean="0"/>
-              <a:pPr>
-                <a:defRPr/>
-              </a:pPr>
-              <a:t>30</a:t>
-            </a:fld>
-            <a:endParaRPr lang="en-US" dirty="0"/>
-          </a:p>
-        </p:txBody>
-      </p:sp>
-      <p:pic>
-        <p:nvPicPr>
-          <p:cNvPr id="11268" name="Picture 4" descr="http://www.scottaaronson.com/talks/nphard.gif"/>
-          <p:cNvPicPr>
-            <a:picLocks noChangeAspect="1" noChangeArrowheads="1"/>
-          </p:cNvPicPr>
-          <p:nvPr/>
-        </p:nvPicPr>
-        <p:blipFill>
-          <a:blip r:embed="rId2">
-            <a:extLst>
-              <a:ext uri="{28A0092B-C50C-407E-A947-70E740481C1C}">
-                <a14:useLocalDpi xmlns:a14="http://schemas.microsoft.com/office/drawing/2010/main" val="0"/>
-              </a:ext>
-            </a:extLst>
-          </a:blip>
-          <a:srcRect/>
-          <a:stretch>
-            <a:fillRect/>
-          </a:stretch>
-        </p:blipFill>
-        <p:spPr bwMode="auto">
-          <a:xfrm>
-            <a:off x="3429000" y="2756169"/>
-            <a:ext cx="5341046" cy="3601831"/>
-          </a:xfrm>
-          <a:prstGeom prst="roundRect">
-            <a:avLst>
-              <a:gd name="adj" fmla="val 2719"/>
-            </a:avLst>
-          </a:prstGeom>
-          <a:noFill/>
-          <a:extLst>
-            <a:ext uri="{909E8E84-426E-40DD-AFC4-6F175D3DCCD1}">
-              <a14:hiddenFill xmlns:a14="http://schemas.microsoft.com/office/drawing/2010/main">
-                <a:solidFill>
-                  <a:srgbClr val="FFFFFF"/>
-                </a:solidFill>
-              </a14:hiddenFill>
-            </a:ext>
-          </a:extLst>
-        </p:spPr>
-      </p:pic>
-    </p:spTree>
-    <p:extLst>
-      <p:ext uri="{BB962C8B-B14F-4D97-AF65-F5344CB8AC3E}">
-        <p14:creationId xmlns:p14="http://schemas.microsoft.com/office/powerpoint/2010/main" val="1094251632"/>
-      </p:ext>
-    </p:extLst>
-  </p:cSld>
-  <p:clrMapOvr>
-    <a:masterClrMapping/>
-  </p:clrMapOvr>
-</p:sld>
-</file>
-
-<file path=ppt/slides/slide31.xml><?xml version="1.0" encoding="utf-8"?>
+<file path=ppt/slides/slide28.xml><?xml version="1.0" encoding="utf-8"?>
 <p:sld xmlns:a="http://schemas.openxmlformats.org/drawingml/2006/main" xmlns:r="http://schemas.openxmlformats.org/officeDocument/2006/relationships" xmlns:p="http://schemas.openxmlformats.org/presentationml/2006/main">
   <p:cSld>
     <p:spTree>
@@ -36627,7 +35298,7 @@
 </p:sld>
 </file>
 
-<file path=ppt/slides/slide32.xml><?xml version="1.0" encoding="utf-8"?>
+<file path=ppt/slides/slide29.xml><?xml version="1.0" encoding="utf-8"?>
 <p:sld xmlns:a="http://schemas.openxmlformats.org/drawingml/2006/main" xmlns:r="http://schemas.openxmlformats.org/officeDocument/2006/relationships" xmlns:p="http://schemas.openxmlformats.org/presentationml/2006/main">
   <p:cSld>
     <p:spTree>
@@ -37284,7 +35955,103 @@
 </p:sld>
 </file>
 
-<file path=ppt/slides/slide33.xml><?xml version="1.0" encoding="utf-8"?>
+<file path=ppt/slides/slide3.xml><?xml version="1.0" encoding="utf-8"?>
+<p:sld xmlns:a="http://schemas.openxmlformats.org/drawingml/2006/main" xmlns:r="http://schemas.openxmlformats.org/officeDocument/2006/relationships" xmlns:p="http://schemas.openxmlformats.org/presentationml/2006/main">
+  <p:cSld>
+    <p:spTree>
+      <p:nvGrpSpPr>
+        <p:cNvPr id="1" name=""/>
+        <p:cNvGrpSpPr/>
+        <p:nvPr/>
+      </p:nvGrpSpPr>
+      <p:grpSpPr>
+        <a:xfrm>
+          <a:off x="0" y="0"/>
+          <a:ext cx="0" cy="0"/>
+          <a:chOff x="0" y="0"/>
+          <a:chExt cx="0" cy="0"/>
+        </a:xfrm>
+      </p:grpSpPr>
+      <p:sp>
+        <p:nvSpPr>
+          <p:cNvPr id="4" name="Title 3">
+            <a:extLst>
+              <a:ext uri="{FF2B5EF4-FFF2-40B4-BE49-F238E27FC236}">
+                <a16:creationId xmlns:a16="http://schemas.microsoft.com/office/drawing/2014/main" id="{14B9AFC8-2D32-493E-BDD9-4E1088342C8E}"/>
+              </a:ext>
+            </a:extLst>
+          </p:cNvPr>
+          <p:cNvSpPr>
+            <a:spLocks noGrp="1"/>
+          </p:cNvSpPr>
+          <p:nvPr>
+            <p:ph type="ctrTitle"/>
+          </p:nvPr>
+        </p:nvSpPr>
+        <p:spPr/>
+        <p:txBody>
+          <a:bodyPr/>
+          <a:lstStyle/>
+          <a:p>
+            <a:r>
+              <a:rPr lang="en-US" dirty="0"/>
+              <a:t>Data Structures</a:t>
+            </a:r>
+            <a:endParaRPr lang="bg-BG" dirty="0"/>
+          </a:p>
+        </p:txBody>
+      </p:sp>
+      <p:sp>
+        <p:nvSpPr>
+          <p:cNvPr id="5" name="Subtitle 4">
+            <a:extLst>
+              <a:ext uri="{FF2B5EF4-FFF2-40B4-BE49-F238E27FC236}">
+                <a16:creationId xmlns:a16="http://schemas.microsoft.com/office/drawing/2014/main" id="{5579AAC6-DF80-4808-B82D-D982AFCBF6FC}"/>
+              </a:ext>
+            </a:extLst>
+          </p:cNvPr>
+          <p:cNvSpPr>
+            <a:spLocks noGrp="1"/>
+          </p:cNvSpPr>
+          <p:nvPr>
+            <p:ph type="subTitle" idx="1"/>
+          </p:nvPr>
+        </p:nvSpPr>
+        <p:spPr/>
+        <p:txBody>
+          <a:bodyPr/>
+          <a:lstStyle/>
+          <a:p>
+            <a:r>
+              <a:rPr lang="en-US" sz="1800" b="1" dirty="0">
+                <a:effectLst>
+                  <a:outerShdw blurRad="38100" dist="38100" dir="2700000" algn="tl">
+                    <a:srgbClr val="000000">
+                      <a:alpha val="43137"/>
+                    </a:srgbClr>
+                  </a:outerShdw>
+                </a:effectLst>
+              </a:rPr>
+              <a:t>Introduction</a:t>
+            </a:r>
+            <a:endParaRPr lang="bg-BG" dirty="0"/>
+          </a:p>
+        </p:txBody>
+      </p:sp>
+    </p:spTree>
+    <p:extLst>
+      <p:ext uri="{BB962C8B-B14F-4D97-AF65-F5344CB8AC3E}">
+        <p14:creationId xmlns:p14="http://schemas.microsoft.com/office/powerpoint/2010/main" val="669940699"/>
+      </p:ext>
+    </p:extLst>
+  </p:cSld>
+  <p:clrMapOvr>
+    <a:masterClrMapping/>
+  </p:clrMapOvr>
+</p:sld>
+</file>
+
+<file path=ppt/slides/slide30.xml><?xml version="1.0" encoding="utf-8"?>
 <p:sld xmlns:a="http://schemas.openxmlformats.org/drawingml/2006/main" xmlns:r="http://schemas.openxmlformats.org/officeDocument/2006/relationships" xmlns:p="http://schemas.openxmlformats.org/presentationml/2006/main">
   <p:cSld>
     <p:spTree>
@@ -37967,7 +36734,7 @@
 </p:sld>
 </file>
 
-<file path=ppt/slides/slide34.xml><?xml version="1.0" encoding="utf-8"?>
+<file path=ppt/slides/slide31.xml><?xml version="1.0" encoding="utf-8"?>
 <p:sld xmlns:a="http://schemas.openxmlformats.org/drawingml/2006/main" xmlns:r="http://schemas.openxmlformats.org/officeDocument/2006/relationships" xmlns:p="http://schemas.openxmlformats.org/presentationml/2006/main">
   <p:cSld>
     <p:spTree>
@@ -38600,7 +37367,7 @@
 </p:sld>
 </file>
 
-<file path=ppt/slides/slide35.xml><?xml version="1.0" encoding="utf-8"?>
+<file path=ppt/slides/slide32.xml><?xml version="1.0" encoding="utf-8"?>
 <p:sld xmlns:a="http://schemas.openxmlformats.org/drawingml/2006/main" xmlns:r="http://schemas.openxmlformats.org/officeDocument/2006/relationships" xmlns:p="http://schemas.openxmlformats.org/presentationml/2006/main">
   <p:cSld>
     <p:spTree>
@@ -39157,7 +37924,7 @@
 </p:sld>
 </file>
 
-<file path=ppt/slides/slide36.xml><?xml version="1.0" encoding="utf-8"?>
+<file path=ppt/slides/slide33.xml><?xml version="1.0" encoding="utf-8"?>
 <p:sld xmlns:a="http://schemas.openxmlformats.org/drawingml/2006/main" xmlns:r="http://schemas.openxmlformats.org/officeDocument/2006/relationships" xmlns:p="http://schemas.openxmlformats.org/presentationml/2006/main">
   <p:cSld>
     <p:spTree>
@@ -39815,7 +38582,7 @@
 </p:sld>
 </file>
 
-<file path=ppt/slides/slide37.xml><?xml version="1.0" encoding="utf-8"?>
+<file path=ppt/slides/slide34.xml><?xml version="1.0" encoding="utf-8"?>
 <p:sld xmlns:a="http://schemas.openxmlformats.org/drawingml/2006/main" xmlns:r="http://schemas.openxmlformats.org/officeDocument/2006/relationships" xmlns:p="http://schemas.openxmlformats.org/presentationml/2006/main">
   <p:cSld>
     <p:spTree>
@@ -40386,7 +39153,7 @@
 </p:sld>
 </file>
 
-<file path=ppt/slides/slide38.xml><?xml version="1.0" encoding="utf-8"?>
+<file path=ppt/slides/slide35.xml><?xml version="1.0" encoding="utf-8"?>
 <p:sld xmlns:a="http://schemas.openxmlformats.org/drawingml/2006/main" xmlns:r="http://schemas.openxmlformats.org/officeDocument/2006/relationships" xmlns:p="http://schemas.openxmlformats.org/presentationml/2006/main">
   <p:cSld>
     <p:spTree>
@@ -40912,7 +39679,7 @@
 </p:sld>
 </file>
 
-<file path=ppt/slides/slide39.xml><?xml version="1.0" encoding="utf-8"?>
+<file path=ppt/slides/slide36.xml><?xml version="1.0" encoding="utf-8"?>
 <p:sld xmlns:a="http://schemas.openxmlformats.org/drawingml/2006/main" xmlns:r="http://schemas.openxmlformats.org/officeDocument/2006/relationships" xmlns:p="http://schemas.openxmlformats.org/presentationml/2006/main">
   <p:cSld>
     <p:spTree>
@@ -41551,493 +40318,7 @@
 </p:sld>
 </file>
 
-<file path=ppt/slides/slide4.xml><?xml version="1.0" encoding="utf-8"?>
-<p:sld xmlns:a="http://schemas.openxmlformats.org/drawingml/2006/main" xmlns:r="http://schemas.openxmlformats.org/officeDocument/2006/relationships" xmlns:p="http://schemas.openxmlformats.org/presentationml/2006/main">
-  <p:cSld>
-    <p:spTree>
-      <p:nvGrpSpPr>
-        <p:cNvPr id="1" name=""/>
-        <p:cNvGrpSpPr/>
-        <p:nvPr/>
-      </p:nvGrpSpPr>
-      <p:grpSpPr>
-        <a:xfrm>
-          <a:off x="0" y="0"/>
-          <a:ext cx="0" cy="0"/>
-          <a:chOff x="0" y="0"/>
-          <a:chExt cx="0" cy="0"/>
-        </a:xfrm>
-      </p:grpSpPr>
-      <p:sp>
-        <p:nvSpPr>
-          <p:cNvPr id="3" name="Title 2">
-            <a:extLst>
-              <a:ext uri="{FF2B5EF4-FFF2-40B4-BE49-F238E27FC236}">
-                <a16:creationId xmlns:a16="http://schemas.microsoft.com/office/drawing/2014/main" id="{39CD789B-790A-472E-8006-850BEDA2BC13}"/>
-              </a:ext>
-            </a:extLst>
-          </p:cNvPr>
-          <p:cNvSpPr>
-            <a:spLocks noGrp="1"/>
-          </p:cNvSpPr>
-          <p:nvPr>
-            <p:ph type="title"/>
-          </p:nvPr>
-        </p:nvSpPr>
-        <p:spPr/>
-        <p:txBody>
-          <a:bodyPr/>
-          <a:lstStyle/>
-          <a:p>
-            <a:r>
-              <a:rPr lang="en-US" dirty="0"/>
-              <a:t>What is a Data Structure?</a:t>
-            </a:r>
-            <a:endParaRPr lang="bg-BG" dirty="0"/>
-          </a:p>
-        </p:txBody>
-      </p:sp>
-      <p:sp>
-        <p:nvSpPr>
-          <p:cNvPr id="4" name="Text Placeholder 3">
-            <a:extLst>
-              <a:ext uri="{FF2B5EF4-FFF2-40B4-BE49-F238E27FC236}">
-                <a16:creationId xmlns:a16="http://schemas.microsoft.com/office/drawing/2014/main" id="{A9695CBF-B1F1-4975-B84A-49ED1D3B1F43}"/>
-              </a:ext>
-            </a:extLst>
-          </p:cNvPr>
-          <p:cNvSpPr>
-            <a:spLocks noGrp="1"/>
-          </p:cNvSpPr>
-          <p:nvPr>
-            <p:ph type="body" idx="1"/>
-          </p:nvPr>
-        </p:nvSpPr>
-        <p:spPr>
-          <a:xfrm>
-            <a:off x="1730000" y="2090067"/>
-            <a:ext cx="9385200" cy="1218900"/>
-          </a:xfrm>
-        </p:spPr>
-        <p:txBody>
-          <a:bodyPr/>
-          <a:lstStyle/>
-          <a:p>
-            <a:pPr marL="120650" indent="0">
-              <a:buNone/>
-            </a:pPr>
-            <a:r>
-              <a:rPr lang="en-US" dirty="0"/>
-              <a:t>“In computer science, a data structure is a particular way of storing and organizing data in a computer so that it can be used efficiently.”</a:t>
-            </a:r>
-          </a:p>
-          <a:p>
-            <a:pPr marL="120650" indent="0">
-              <a:buNone/>
-            </a:pPr>
-            <a:r>
-              <a:rPr lang="en-US" dirty="0"/>
-              <a:t>-- Wikipedia</a:t>
-            </a:r>
-          </a:p>
-          <a:p>
-            <a:pPr marL="120650" indent="0">
-              <a:buNone/>
-            </a:pPr>
-            <a:endParaRPr lang="bg-BG" dirty="0"/>
-          </a:p>
-        </p:txBody>
-      </p:sp>
-      <p:sp>
-        <p:nvSpPr>
-          <p:cNvPr id="5" name="Text Placeholder 3">
-            <a:extLst>
-              <a:ext uri="{FF2B5EF4-FFF2-40B4-BE49-F238E27FC236}">
-                <a16:creationId xmlns:a16="http://schemas.microsoft.com/office/drawing/2014/main" id="{C921786E-CDED-40B0-9236-B11EE6D0E2A0}"/>
-              </a:ext>
-            </a:extLst>
-          </p:cNvPr>
-          <p:cNvSpPr txBox="1">
-            <a:spLocks/>
-          </p:cNvSpPr>
-          <p:nvPr/>
-        </p:nvSpPr>
-        <p:spPr>
-          <a:xfrm>
-            <a:off x="1730000" y="3429000"/>
-            <a:ext cx="9385200" cy="2537297"/>
-          </a:xfrm>
-          <a:prstGeom prst="rect">
-            <a:avLst/>
-          </a:prstGeom>
-          <a:noFill/>
-          <a:ln>
-            <a:noFill/>
-          </a:ln>
-        </p:spPr>
-        <p:txBody>
-          <a:bodyPr spcFirstLastPara="1" wrap="square" lIns="121900" tIns="121900" rIns="121900" bIns="121900" anchor="t" anchorCtr="0"/>
-          <a:lstStyle>
-            <a:defPPr marR="0" lvl="0" algn="l" rtl="0">
-              <a:lnSpc>
-                <a:spcPct val="100000"/>
-              </a:lnSpc>
-              <a:spcBef>
-                <a:spcPts val="0"/>
-              </a:spcBef>
-              <a:spcAft>
-                <a:spcPts val="0"/>
-              </a:spcAft>
-            </a:defPPr>
-            <a:lvl1pPr marL="457200" marR="0" lvl="0" indent="-336550" algn="l" rtl="0">
-              <a:lnSpc>
-                <a:spcPct val="115000"/>
-              </a:lnSpc>
-              <a:spcBef>
-                <a:spcPts val="0"/>
-              </a:spcBef>
-              <a:spcAft>
-                <a:spcPts val="0"/>
-              </a:spcAft>
-              <a:buClr>
-                <a:schemeClr val="lt1"/>
-              </a:buClr>
-              <a:buSzPts val="1700"/>
-              <a:buFont typeface="Lato"/>
-              <a:buChar char="●"/>
-              <a:defRPr sz="1700" b="0" i="0" u="none" strike="noStrike" cap="none">
-                <a:solidFill>
-                  <a:schemeClr val="lt1"/>
-                </a:solidFill>
-                <a:latin typeface="Lato"/>
-                <a:ea typeface="Lato"/>
-                <a:cs typeface="Lato"/>
-                <a:sym typeface="Lato"/>
-              </a:defRPr>
-            </a:lvl1pPr>
-            <a:lvl2pPr marL="914400" marR="0" lvl="1" indent="-323850" algn="l" rtl="0">
-              <a:lnSpc>
-                <a:spcPct val="115000"/>
-              </a:lnSpc>
-              <a:spcBef>
-                <a:spcPts val="2100"/>
-              </a:spcBef>
-              <a:spcAft>
-                <a:spcPts val="0"/>
-              </a:spcAft>
-              <a:buClr>
-                <a:schemeClr val="lt1"/>
-              </a:buClr>
-              <a:buSzPts val="1500"/>
-              <a:buFont typeface="Lato"/>
-              <a:buChar char="○"/>
-              <a:defRPr sz="1500" b="0" i="0" u="none" strike="noStrike" cap="none">
-                <a:solidFill>
-                  <a:schemeClr val="lt1"/>
-                </a:solidFill>
-                <a:latin typeface="Lato"/>
-                <a:ea typeface="Lato"/>
-                <a:cs typeface="Lato"/>
-                <a:sym typeface="Lato"/>
-              </a:defRPr>
-            </a:lvl2pPr>
-            <a:lvl3pPr marL="1371600" marR="0" lvl="2" indent="-323850" algn="l" rtl="0">
-              <a:lnSpc>
-                <a:spcPct val="115000"/>
-              </a:lnSpc>
-              <a:spcBef>
-                <a:spcPts val="2100"/>
-              </a:spcBef>
-              <a:spcAft>
-                <a:spcPts val="0"/>
-              </a:spcAft>
-              <a:buClr>
-                <a:schemeClr val="lt1"/>
-              </a:buClr>
-              <a:buSzPts val="1500"/>
-              <a:buFont typeface="Lato"/>
-              <a:buChar char="■"/>
-              <a:defRPr sz="1500" b="0" i="0" u="none" strike="noStrike" cap="none">
-                <a:solidFill>
-                  <a:schemeClr val="lt1"/>
-                </a:solidFill>
-                <a:latin typeface="Lato"/>
-                <a:ea typeface="Lato"/>
-                <a:cs typeface="Lato"/>
-                <a:sym typeface="Lato"/>
-              </a:defRPr>
-            </a:lvl3pPr>
-            <a:lvl4pPr marL="1828800" marR="0" lvl="3" indent="-323850" algn="l" rtl="0">
-              <a:lnSpc>
-                <a:spcPct val="115000"/>
-              </a:lnSpc>
-              <a:spcBef>
-                <a:spcPts val="2100"/>
-              </a:spcBef>
-              <a:spcAft>
-                <a:spcPts val="0"/>
-              </a:spcAft>
-              <a:buClr>
-                <a:schemeClr val="lt1"/>
-              </a:buClr>
-              <a:buSzPts val="1500"/>
-              <a:buFont typeface="Lato"/>
-              <a:buChar char="●"/>
-              <a:defRPr sz="1500" b="0" i="0" u="none" strike="noStrike" cap="none">
-                <a:solidFill>
-                  <a:schemeClr val="lt1"/>
-                </a:solidFill>
-                <a:latin typeface="Lato"/>
-                <a:ea typeface="Lato"/>
-                <a:cs typeface="Lato"/>
-                <a:sym typeface="Lato"/>
-              </a:defRPr>
-            </a:lvl4pPr>
-            <a:lvl5pPr marL="2286000" marR="0" lvl="4" indent="-323850" algn="l" rtl="0">
-              <a:lnSpc>
-                <a:spcPct val="115000"/>
-              </a:lnSpc>
-              <a:spcBef>
-                <a:spcPts val="2100"/>
-              </a:spcBef>
-              <a:spcAft>
-                <a:spcPts val="0"/>
-              </a:spcAft>
-              <a:buClr>
-                <a:schemeClr val="lt1"/>
-              </a:buClr>
-              <a:buSzPts val="1500"/>
-              <a:buFont typeface="Lato"/>
-              <a:buChar char="○"/>
-              <a:defRPr sz="1500" b="0" i="0" u="none" strike="noStrike" cap="none">
-                <a:solidFill>
-                  <a:schemeClr val="lt1"/>
-                </a:solidFill>
-                <a:latin typeface="Lato"/>
-                <a:ea typeface="Lato"/>
-                <a:cs typeface="Lato"/>
-                <a:sym typeface="Lato"/>
-              </a:defRPr>
-            </a:lvl5pPr>
-            <a:lvl6pPr marL="2743200" marR="0" lvl="5" indent="-323850" algn="l" rtl="0">
-              <a:lnSpc>
-                <a:spcPct val="115000"/>
-              </a:lnSpc>
-              <a:spcBef>
-                <a:spcPts val="2100"/>
-              </a:spcBef>
-              <a:spcAft>
-                <a:spcPts val="0"/>
-              </a:spcAft>
-              <a:buClr>
-                <a:schemeClr val="lt1"/>
-              </a:buClr>
-              <a:buSzPts val="1500"/>
-              <a:buFont typeface="Lato"/>
-              <a:buChar char="■"/>
-              <a:defRPr sz="1500" b="0" i="0" u="none" strike="noStrike" cap="none">
-                <a:solidFill>
-                  <a:schemeClr val="lt1"/>
-                </a:solidFill>
-                <a:latin typeface="Lato"/>
-                <a:ea typeface="Lato"/>
-                <a:cs typeface="Lato"/>
-                <a:sym typeface="Lato"/>
-              </a:defRPr>
-            </a:lvl6pPr>
-            <a:lvl7pPr marL="3200400" marR="0" lvl="6" indent="-323850" algn="l" rtl="0">
-              <a:lnSpc>
-                <a:spcPct val="115000"/>
-              </a:lnSpc>
-              <a:spcBef>
-                <a:spcPts val="2100"/>
-              </a:spcBef>
-              <a:spcAft>
-                <a:spcPts val="0"/>
-              </a:spcAft>
-              <a:buClr>
-                <a:schemeClr val="lt1"/>
-              </a:buClr>
-              <a:buSzPts val="1500"/>
-              <a:buFont typeface="Lato"/>
-              <a:buChar char="●"/>
-              <a:defRPr sz="1500" b="0" i="0" u="none" strike="noStrike" cap="none">
-                <a:solidFill>
-                  <a:schemeClr val="lt1"/>
-                </a:solidFill>
-                <a:latin typeface="Lato"/>
-                <a:ea typeface="Lato"/>
-                <a:cs typeface="Lato"/>
-                <a:sym typeface="Lato"/>
-              </a:defRPr>
-            </a:lvl7pPr>
-            <a:lvl8pPr marL="3657600" marR="0" lvl="7" indent="-323850" algn="l" rtl="0">
-              <a:lnSpc>
-                <a:spcPct val="115000"/>
-              </a:lnSpc>
-              <a:spcBef>
-                <a:spcPts val="2100"/>
-              </a:spcBef>
-              <a:spcAft>
-                <a:spcPts val="0"/>
-              </a:spcAft>
-              <a:buClr>
-                <a:schemeClr val="lt1"/>
-              </a:buClr>
-              <a:buSzPts val="1500"/>
-              <a:buFont typeface="Lato"/>
-              <a:buChar char="○"/>
-              <a:defRPr sz="1500" b="0" i="0" u="none" strike="noStrike" cap="none">
-                <a:solidFill>
-                  <a:schemeClr val="lt1"/>
-                </a:solidFill>
-                <a:latin typeface="Lato"/>
-                <a:ea typeface="Lato"/>
-                <a:cs typeface="Lato"/>
-                <a:sym typeface="Lato"/>
-              </a:defRPr>
-            </a:lvl8pPr>
-            <a:lvl9pPr marL="4114800" marR="0" lvl="8" indent="-323850" algn="l" rtl="0">
-              <a:lnSpc>
-                <a:spcPct val="115000"/>
-              </a:lnSpc>
-              <a:spcBef>
-                <a:spcPts val="2100"/>
-              </a:spcBef>
-              <a:spcAft>
-                <a:spcPts val="2100"/>
-              </a:spcAft>
-              <a:buClr>
-                <a:schemeClr val="lt1"/>
-              </a:buClr>
-              <a:buSzPts val="1500"/>
-              <a:buFont typeface="Lato"/>
-              <a:buChar char="■"/>
-              <a:defRPr sz="1500" b="0" i="0" u="none" strike="noStrike" cap="none">
-                <a:solidFill>
-                  <a:schemeClr val="lt1"/>
-                </a:solidFill>
-                <a:latin typeface="Lato"/>
-                <a:ea typeface="Lato"/>
-                <a:cs typeface="Lato"/>
-                <a:sym typeface="Lato"/>
-              </a:defRPr>
-            </a:lvl9pPr>
-          </a:lstStyle>
-          <a:p>
-            <a:r>
-              <a:rPr lang="en-US" dirty="0"/>
-              <a:t>Examples of data structures:</a:t>
-            </a:r>
-          </a:p>
-          <a:p>
-            <a:pPr lvl="1"/>
-            <a:r>
-              <a:rPr lang="en-US" dirty="0">
-                <a:solidFill>
-                  <a:schemeClr val="accent5">
-                    <a:lumMod val="20000"/>
-                    <a:lumOff val="80000"/>
-                  </a:schemeClr>
-                </a:solidFill>
-                <a:latin typeface="Consolas" panose="020B0609020204030204" pitchFamily="49" charset="0"/>
-                <a:cs typeface="Consolas" panose="020B0609020204030204" pitchFamily="49" charset="0"/>
-              </a:rPr>
-              <a:t>Person</a:t>
-            </a:r>
-            <a:r>
-              <a:rPr lang="en-US" dirty="0"/>
-              <a:t> structure (first name + last name + age)</a:t>
-            </a:r>
-          </a:p>
-          <a:p>
-            <a:pPr lvl="1"/>
-            <a:r>
-              <a:rPr lang="en-US" dirty="0"/>
-              <a:t>Array of integers</a:t>
-            </a:r>
-            <a:r>
-              <a:rPr lang="bg-BG" dirty="0"/>
-              <a:t> – </a:t>
-            </a:r>
-            <a:r>
-              <a:rPr lang="en-US" noProof="1">
-                <a:solidFill>
-                  <a:schemeClr val="accent5">
-                    <a:lumMod val="20000"/>
-                    <a:lumOff val="80000"/>
-                  </a:schemeClr>
-                </a:solidFill>
-                <a:latin typeface="Consolas" panose="020B0609020204030204" pitchFamily="49" charset="0"/>
-                <a:cs typeface="Consolas" panose="020B0609020204030204" pitchFamily="49" charset="0"/>
-              </a:rPr>
-              <a:t>int[]</a:t>
-            </a:r>
-          </a:p>
-          <a:p>
-            <a:pPr lvl="1"/>
-            <a:r>
-              <a:rPr lang="en-US" dirty="0"/>
-              <a:t>List of strings</a:t>
-            </a:r>
-            <a:r>
-              <a:rPr lang="bg-BG" dirty="0"/>
-              <a:t> – </a:t>
-            </a:r>
-            <a:r>
-              <a:rPr lang="en-US" dirty="0">
-                <a:solidFill>
-                  <a:schemeClr val="accent5">
-                    <a:lumMod val="20000"/>
-                    <a:lumOff val="80000"/>
-                  </a:schemeClr>
-                </a:solidFill>
-                <a:latin typeface="Consolas" panose="020B0609020204030204" pitchFamily="49" charset="0"/>
-                <a:cs typeface="Consolas" panose="020B0609020204030204" pitchFamily="49" charset="0"/>
-              </a:rPr>
-              <a:t>List&lt;string&gt;</a:t>
-            </a:r>
-          </a:p>
-          <a:p>
-            <a:pPr lvl="1"/>
-            <a:r>
-              <a:rPr lang="en-US" dirty="0"/>
-              <a:t>Queue of people</a:t>
-            </a:r>
-            <a:r>
-              <a:rPr lang="bg-BG" dirty="0"/>
-              <a:t> – </a:t>
-            </a:r>
-            <a:r>
-              <a:rPr lang="en-US" dirty="0">
-                <a:solidFill>
-                  <a:schemeClr val="accent5">
-                    <a:lumMod val="20000"/>
-                    <a:lumOff val="80000"/>
-                  </a:schemeClr>
-                </a:solidFill>
-                <a:latin typeface="Consolas" panose="020B0609020204030204" pitchFamily="49" charset="0"/>
-                <a:cs typeface="Consolas" panose="020B0609020204030204" pitchFamily="49" charset="0"/>
-              </a:rPr>
-              <a:t>Queue&lt;Person&gt;</a:t>
-            </a:r>
-          </a:p>
-        </p:txBody>
-      </p:sp>
-    </p:spTree>
-    <p:extLst>
-      <p:ext uri="{BB962C8B-B14F-4D97-AF65-F5344CB8AC3E}">
-        <p14:creationId xmlns:p14="http://schemas.microsoft.com/office/powerpoint/2010/main" val="1234454757"/>
-      </p:ext>
-    </p:extLst>
-  </p:cSld>
-  <p:clrMapOvr>
-    <a:masterClrMapping/>
-  </p:clrMapOvr>
-</p:sld>
-</file>
-
-<file path=ppt/slides/slide40.xml><?xml version="1.0" encoding="utf-8"?>
+<file path=ppt/slides/slide37.xml><?xml version="1.0" encoding="utf-8"?>
 <p:sld xmlns:a="http://schemas.openxmlformats.org/drawingml/2006/main" xmlns:r="http://schemas.openxmlformats.org/officeDocument/2006/relationships" xmlns:p="http://schemas.openxmlformats.org/presentationml/2006/main">
   <p:cSld>
     <p:spTree>
@@ -42246,35 +40527,6 @@
           </a:p>
         </p:txBody>
       </p:sp>
-      <p:sp>
-        <p:nvSpPr>
-          <p:cNvPr id="4" name="Slide Number Placeholder 3"/>
-          <p:cNvSpPr>
-            <a:spLocks noGrp="1"/>
-          </p:cNvSpPr>
-          <p:nvPr>
-            <p:ph type="sldNum" idx="12"/>
-          </p:nvPr>
-        </p:nvSpPr>
-        <p:spPr/>
-        <p:txBody>
-          <a:bodyPr/>
-          <a:lstStyle/>
-          <a:p>
-            <a:pPr>
-              <a:defRPr/>
-            </a:pPr>
-            <a:fld id="{58452FF4-89E3-4D1B-9927-2DBDC00E58D7}" type="slidenum">
-              <a:rPr lang="en-US" smtClean="0"/>
-              <a:pPr>
-                <a:defRPr/>
-              </a:pPr>
-              <a:t>40</a:t>
-            </a:fld>
-            <a:endParaRPr lang="en-US" dirty="0"/>
-          </a:p>
-        </p:txBody>
-      </p:sp>
     </p:spTree>
     <p:extLst>
       <p:ext uri="{BB962C8B-B14F-4D97-AF65-F5344CB8AC3E}">
@@ -42289,7 +40541,7 @@
 </p:sld>
 </file>
 
-<file path=ppt/slides/slide41.xml><?xml version="1.0" encoding="utf-8"?>
+<file path=ppt/slides/slide38.xml><?xml version="1.0" encoding="utf-8"?>
 <p:sld xmlns:a="http://schemas.openxmlformats.org/drawingml/2006/main" xmlns:r="http://schemas.openxmlformats.org/officeDocument/2006/relationships" xmlns:p="http://schemas.openxmlformats.org/presentationml/2006/main">
   <p:cSld>
     <p:spTree>
@@ -42377,7 +40629,7 @@
 </p:sld>
 </file>
 
-<file path=ppt/slides/slide42.xml><?xml version="1.0" encoding="utf-8"?>
+<file path=ppt/slides/slide39.xml><?xml version="1.0" encoding="utf-8"?>
 <p:sld xmlns:a="http://schemas.openxmlformats.org/drawingml/2006/main" xmlns:r="http://schemas.openxmlformats.org/officeDocument/2006/relationships" xmlns:p="http://schemas.openxmlformats.org/presentationml/2006/main">
   <p:cSld>
     <p:spTree>
@@ -42459,35 +40711,6 @@
               <a:rPr lang="en-US" sz="2400" dirty="0"/>
               <a:t>.</a:t>
             </a:r>
-          </a:p>
-        </p:txBody>
-      </p:sp>
-      <p:sp>
-        <p:nvSpPr>
-          <p:cNvPr id="4" name="Slide Number Placeholder 3"/>
-          <p:cNvSpPr>
-            <a:spLocks noGrp="1"/>
-          </p:cNvSpPr>
-          <p:nvPr>
-            <p:ph type="sldNum" idx="12"/>
-          </p:nvPr>
-        </p:nvSpPr>
-        <p:spPr/>
-        <p:txBody>
-          <a:bodyPr/>
-          <a:lstStyle/>
-          <a:p>
-            <a:pPr>
-              <a:defRPr/>
-            </a:pPr>
-            <a:fld id="{58452FF4-89E3-4D1B-9927-2DBDC00E58D7}" type="slidenum">
-              <a:rPr lang="en-US" smtClean="0"/>
-              <a:pPr>
-                <a:defRPr/>
-              </a:pPr>
-              <a:t>42</a:t>
-            </a:fld>
-            <a:endParaRPr lang="en-US" dirty="0"/>
           </a:p>
         </p:txBody>
       </p:sp>
@@ -42971,7 +41194,274 @@
 </p:sld>
 </file>
 
-<file path=ppt/slides/slide43.xml><?xml version="1.0" encoding="utf-8"?>
+<file path=ppt/slides/slide4.xml><?xml version="1.0" encoding="utf-8"?>
+<p:sld xmlns:a="http://schemas.openxmlformats.org/drawingml/2006/main" xmlns:r="http://schemas.openxmlformats.org/officeDocument/2006/relationships" xmlns:p="http://schemas.openxmlformats.org/presentationml/2006/main">
+  <p:cSld>
+    <p:spTree>
+      <p:nvGrpSpPr>
+        <p:cNvPr id="1" name=""/>
+        <p:cNvGrpSpPr/>
+        <p:nvPr/>
+      </p:nvGrpSpPr>
+      <p:grpSpPr>
+        <a:xfrm>
+          <a:off x="0" y="0"/>
+          <a:ext cx="0" cy="0"/>
+          <a:chOff x="0" y="0"/>
+          <a:chExt cx="0" cy="0"/>
+        </a:xfrm>
+      </p:grpSpPr>
+      <p:sp>
+        <p:nvSpPr>
+          <p:cNvPr id="2" name="Title 1"/>
+          <p:cNvSpPr>
+            <a:spLocks noGrp="1"/>
+          </p:cNvSpPr>
+          <p:nvPr>
+            <p:ph type="title"/>
+          </p:nvPr>
+        </p:nvSpPr>
+        <p:spPr/>
+        <p:txBody>
+          <a:bodyPr/>
+          <a:lstStyle/>
+          <a:p>
+            <a:r>
+              <a:rPr lang="en-US" dirty="0"/>
+              <a:t>What is a Data Structure?</a:t>
+            </a:r>
+          </a:p>
+        </p:txBody>
+      </p:sp>
+      <p:sp>
+        <p:nvSpPr>
+          <p:cNvPr id="3" name="Content Placeholder 2"/>
+          <p:cNvSpPr>
+            <a:spLocks noGrp="1"/>
+          </p:cNvSpPr>
+          <p:nvPr>
+            <p:ph type="body" idx="1"/>
+          </p:nvPr>
+        </p:nvSpPr>
+        <p:spPr>
+          <a:xfrm>
+            <a:off x="1730000" y="3060969"/>
+            <a:ext cx="9385200" cy="3404682"/>
+          </a:xfrm>
+        </p:spPr>
+        <p:txBody>
+          <a:bodyPr/>
+          <a:lstStyle/>
+          <a:p>
+            <a:r>
+              <a:rPr lang="en-US" sz="2400" dirty="0"/>
+              <a:t>Examples of data structures:</a:t>
+            </a:r>
+          </a:p>
+          <a:p>
+            <a:pPr lvl="1"/>
+            <a:r>
+              <a:rPr lang="en-US" sz="2400" dirty="0">
+                <a:solidFill>
+                  <a:schemeClr val="accent5">
+                    <a:lumMod val="20000"/>
+                    <a:lumOff val="80000"/>
+                  </a:schemeClr>
+                </a:solidFill>
+                <a:latin typeface="Consolas" panose="020B0609020204030204" pitchFamily="49" charset="0"/>
+                <a:cs typeface="Consolas" panose="020B0609020204030204" pitchFamily="49" charset="0"/>
+              </a:rPr>
+              <a:t>Person</a:t>
+            </a:r>
+            <a:r>
+              <a:rPr lang="en-US" sz="2400" dirty="0"/>
+              <a:t> structure (first name + last name + age)</a:t>
+            </a:r>
+          </a:p>
+          <a:p>
+            <a:pPr lvl="1"/>
+            <a:r>
+              <a:rPr lang="en-US" sz="2400" dirty="0"/>
+              <a:t>Array of integers</a:t>
+            </a:r>
+            <a:r>
+              <a:rPr lang="bg-BG" sz="2400" dirty="0"/>
+              <a:t> – </a:t>
+            </a:r>
+            <a:r>
+              <a:rPr lang="en-US" sz="2400" noProof="1">
+                <a:solidFill>
+                  <a:schemeClr val="accent5">
+                    <a:lumMod val="20000"/>
+                    <a:lumOff val="80000"/>
+                  </a:schemeClr>
+                </a:solidFill>
+                <a:latin typeface="Consolas" panose="020B0609020204030204" pitchFamily="49" charset="0"/>
+                <a:cs typeface="Consolas" panose="020B0609020204030204" pitchFamily="49" charset="0"/>
+              </a:rPr>
+              <a:t>int[]</a:t>
+            </a:r>
+          </a:p>
+          <a:p>
+            <a:pPr lvl="1"/>
+            <a:r>
+              <a:rPr lang="en-US" sz="2400" dirty="0"/>
+              <a:t>List of strings</a:t>
+            </a:r>
+            <a:r>
+              <a:rPr lang="bg-BG" sz="2400" dirty="0"/>
+              <a:t> – </a:t>
+            </a:r>
+            <a:r>
+              <a:rPr lang="en-US" sz="2400" dirty="0">
+                <a:solidFill>
+                  <a:schemeClr val="accent5">
+                    <a:lumMod val="20000"/>
+                    <a:lumOff val="80000"/>
+                  </a:schemeClr>
+                </a:solidFill>
+                <a:latin typeface="Consolas" panose="020B0609020204030204" pitchFamily="49" charset="0"/>
+                <a:cs typeface="Consolas" panose="020B0609020204030204" pitchFamily="49" charset="0"/>
+              </a:rPr>
+              <a:t>List&lt;string&gt;</a:t>
+            </a:r>
+          </a:p>
+          <a:p>
+            <a:pPr lvl="1"/>
+            <a:r>
+              <a:rPr lang="en-US" sz="2400" dirty="0"/>
+              <a:t>Queue of people</a:t>
+            </a:r>
+            <a:r>
+              <a:rPr lang="bg-BG" sz="2400" dirty="0"/>
+              <a:t> – </a:t>
+            </a:r>
+            <a:r>
+              <a:rPr lang="en-US" sz="2400" dirty="0">
+                <a:solidFill>
+                  <a:schemeClr val="accent5">
+                    <a:lumMod val="20000"/>
+                    <a:lumOff val="80000"/>
+                  </a:schemeClr>
+                </a:solidFill>
+                <a:latin typeface="Consolas" panose="020B0609020204030204" pitchFamily="49" charset="0"/>
+                <a:cs typeface="Consolas" panose="020B0609020204030204" pitchFamily="49" charset="0"/>
+              </a:rPr>
+              <a:t>Queue&lt;Person&gt;</a:t>
+            </a:r>
+          </a:p>
+        </p:txBody>
+      </p:sp>
+      <p:sp>
+        <p:nvSpPr>
+          <p:cNvPr id="5" name="Rounded Rectangle 4"/>
+          <p:cNvSpPr>
+            <a:spLocks noChangeArrowheads="1"/>
+          </p:cNvSpPr>
+          <p:nvPr/>
+        </p:nvSpPr>
+        <p:spPr bwMode="auto">
+          <a:xfrm>
+            <a:off x="1836906" y="1643975"/>
+            <a:ext cx="8077200" cy="1087636"/>
+          </a:xfrm>
+          <a:prstGeom prst="roundRect">
+            <a:avLst>
+              <a:gd name="adj" fmla="val 1738"/>
+            </a:avLst>
+          </a:prstGeom>
+          <a:solidFill>
+            <a:schemeClr val="accent5">
+              <a:lumMod val="40000"/>
+              <a:lumOff val="60000"/>
+              <a:alpha val="15000"/>
+            </a:schemeClr>
+          </a:solidFill>
+          <a:ln w="12700">
+            <a:solidFill>
+              <a:schemeClr val="accent5">
+                <a:lumMod val="60000"/>
+                <a:lumOff val="40000"/>
+              </a:schemeClr>
+            </a:solidFill>
+          </a:ln>
+        </p:spPr>
+        <p:txBody>
+          <a:bodyPr wrap="square">
+            <a:spAutoFit/>
+          </a:bodyPr>
+          <a:lstStyle/>
+          <a:p>
+            <a:pPr eaLnBrk="0" hangingPunct="0">
+              <a:buClr>
+                <a:schemeClr val="accent5">
+                  <a:lumMod val="40000"/>
+                  <a:lumOff val="60000"/>
+                </a:schemeClr>
+              </a:buClr>
+              <a:buSzPct val="70000"/>
+            </a:pPr>
+            <a:r>
+              <a:rPr lang="en-US" sz="1800" b="1" dirty="0">
+                <a:solidFill>
+                  <a:schemeClr val="bg1"/>
+                </a:solidFill>
+                <a:effectLst>
+                  <a:outerShdw blurRad="38100" dist="38100" dir="2700000" algn="tl">
+                    <a:srgbClr val="000000">
+                      <a:alpha val="43137"/>
+                    </a:srgbClr>
+                  </a:outerShdw>
+                </a:effectLst>
+              </a:rPr>
+              <a:t>“In computer science, a data structure is a particular way of storing and organizing data in a computer so that it can be used efficiently.”</a:t>
+            </a:r>
+          </a:p>
+          <a:p>
+            <a:pPr algn="r" eaLnBrk="0" hangingPunct="0">
+              <a:spcBef>
+                <a:spcPts val="1200"/>
+              </a:spcBef>
+              <a:buClr>
+                <a:schemeClr val="accent5">
+                  <a:lumMod val="40000"/>
+                  <a:lumOff val="60000"/>
+                </a:schemeClr>
+              </a:buClr>
+              <a:buSzPct val="70000"/>
+            </a:pPr>
+            <a:r>
+              <a:rPr lang="en-US" sz="1800" b="1" i="1" dirty="0">
+                <a:solidFill>
+                  <a:schemeClr val="bg1"/>
+                </a:solidFill>
+                <a:effectLst>
+                  <a:outerShdw blurRad="38100" dist="38100" dir="2700000" algn="tl">
+                    <a:srgbClr val="000000">
+                      <a:alpha val="43137"/>
+                    </a:srgbClr>
+                  </a:outerShdw>
+                </a:effectLst>
+              </a:rPr>
+              <a:t>-- Wikipedia</a:t>
+            </a:r>
+          </a:p>
+        </p:txBody>
+      </p:sp>
+    </p:spTree>
+    <p:extLst>
+      <p:ext uri="{BB962C8B-B14F-4D97-AF65-F5344CB8AC3E}">
+        <p14:creationId xmlns:p14="http://schemas.microsoft.com/office/powerpoint/2010/main" val="1855070684"/>
+      </p:ext>
+    </p:extLst>
+  </p:cSld>
+  <p:clrMapOvr>
+    <a:masterClrMapping/>
+  </p:clrMapOvr>
+</p:sld>
+</file>
+
+<file path=ppt/slides/slide40.xml><?xml version="1.0" encoding="utf-8"?>
 <p:sld xmlns:a="http://schemas.openxmlformats.org/drawingml/2006/main" xmlns:r="http://schemas.openxmlformats.org/officeDocument/2006/relationships" xmlns:p="http://schemas.openxmlformats.org/presentationml/2006/main">
   <p:cSld>
     <p:spTree>
@@ -43347,7 +41837,7 @@
 </p:sld>
 </file>
 
-<file path=ppt/slides/slide44.xml><?xml version="1.0" encoding="utf-8"?>
+<file path=ppt/slides/slide41.xml><?xml version="1.0" encoding="utf-8"?>
 <p:sld xmlns:a="http://schemas.openxmlformats.org/drawingml/2006/main" xmlns:r="http://schemas.openxmlformats.org/officeDocument/2006/relationships" xmlns:p="http://schemas.openxmlformats.org/presentationml/2006/main">
   <p:cSld>
     <p:spTree>
@@ -43516,35 +42006,6 @@
               <a:rPr lang="en-US" sz="2000" dirty="0"/>
               <a:t>.</a:t>
             </a:r>
-          </a:p>
-        </p:txBody>
-      </p:sp>
-      <p:sp>
-        <p:nvSpPr>
-          <p:cNvPr id="4" name="Slide Number Placeholder 3"/>
-          <p:cNvSpPr>
-            <a:spLocks noGrp="1"/>
-          </p:cNvSpPr>
-          <p:nvPr>
-            <p:ph type="sldNum" idx="12"/>
-          </p:nvPr>
-        </p:nvSpPr>
-        <p:spPr/>
-        <p:txBody>
-          <a:bodyPr/>
-          <a:lstStyle/>
-          <a:p>
-            <a:pPr>
-              <a:defRPr/>
-            </a:pPr>
-            <a:fld id="{58452FF4-89E3-4D1B-9927-2DBDC00E58D7}" type="slidenum">
-              <a:rPr lang="en-US" smtClean="0"/>
-              <a:pPr>
-                <a:defRPr/>
-              </a:pPr>
-              <a:t>44</a:t>
-            </a:fld>
-            <a:endParaRPr lang="en-US" dirty="0"/>
           </a:p>
         </p:txBody>
       </p:sp>
@@ -43910,7 +42371,7 @@
 </p:sld>
 </file>
 
-<file path=ppt/slides/slide45.xml><?xml version="1.0" encoding="utf-8"?>
+<file path=ppt/slides/slide42.xml><?xml version="1.0" encoding="utf-8"?>
 <p:sld xmlns:a="http://schemas.openxmlformats.org/drawingml/2006/main" xmlns:r="http://schemas.openxmlformats.org/officeDocument/2006/relationships" xmlns:p="http://schemas.openxmlformats.org/presentationml/2006/main">
   <p:cSld>
     <p:spTree>
@@ -44089,35 +42550,6 @@
               <a:rPr lang="en-US" sz="2000" dirty="0"/>
               <a:t>.</a:t>
             </a:r>
-          </a:p>
-        </p:txBody>
-      </p:sp>
-      <p:sp>
-        <p:nvSpPr>
-          <p:cNvPr id="4" name="Slide Number Placeholder 3"/>
-          <p:cNvSpPr>
-            <a:spLocks noGrp="1"/>
-          </p:cNvSpPr>
-          <p:nvPr>
-            <p:ph type="sldNum" idx="12"/>
-          </p:nvPr>
-        </p:nvSpPr>
-        <p:spPr/>
-        <p:txBody>
-          <a:bodyPr/>
-          <a:lstStyle/>
-          <a:p>
-            <a:pPr>
-              <a:defRPr/>
-            </a:pPr>
-            <a:fld id="{58452FF4-89E3-4D1B-9927-2DBDC00E58D7}" type="slidenum">
-              <a:rPr lang="en-US" smtClean="0"/>
-              <a:pPr>
-                <a:defRPr/>
-              </a:pPr>
-              <a:t>45</a:t>
-            </a:fld>
-            <a:endParaRPr lang="en-US" dirty="0"/>
           </a:p>
         </p:txBody>
       </p:sp>
@@ -44511,7 +42943,7 @@
 </p:sld>
 </file>
 
-<file path=ppt/slides/slide46.xml><?xml version="1.0" encoding="utf-8"?>
+<file path=ppt/slides/slide43.xml><?xml version="1.0" encoding="utf-8"?>
 <p:sld xmlns:a="http://schemas.openxmlformats.org/drawingml/2006/main" xmlns:r="http://schemas.openxmlformats.org/officeDocument/2006/relationships" xmlns:p="http://schemas.openxmlformats.org/presentationml/2006/main">
   <p:cSld>
     <p:spTree>
@@ -44655,658 +43087,6 @@
       </p:grpSpPr>
       <p:sp>
         <p:nvSpPr>
-          <p:cNvPr id="2" name="Title 1">
-            <a:extLst>
-              <a:ext uri="{FF2B5EF4-FFF2-40B4-BE49-F238E27FC236}">
-                <a16:creationId xmlns:a16="http://schemas.microsoft.com/office/drawing/2014/main" id="{7D48874C-F96E-4C56-8EFD-9BBE24B6403C}"/>
-              </a:ext>
-            </a:extLst>
-          </p:cNvPr>
-          <p:cNvSpPr>
-            <a:spLocks noGrp="1"/>
-          </p:cNvSpPr>
-          <p:nvPr>
-            <p:ph type="title"/>
-          </p:nvPr>
-        </p:nvSpPr>
-        <p:spPr/>
-        <p:txBody>
-          <a:bodyPr/>
-          <a:lstStyle/>
-          <a:p>
-            <a:r>
-              <a:rPr lang="en-US" dirty="0"/>
-              <a:t>Why Are Data Structures</a:t>
-            </a:r>
-            <a:br>
-              <a:rPr lang="en-US" dirty="0"/>
-            </a:br>
-            <a:r>
-              <a:rPr lang="en-US" dirty="0"/>
-              <a:t>So Important?</a:t>
-            </a:r>
-            <a:endParaRPr lang="bg-BG" dirty="0"/>
-          </a:p>
-        </p:txBody>
-      </p:sp>
-      <p:sp>
-        <p:nvSpPr>
-          <p:cNvPr id="3" name="Text Placeholder 2">
-            <a:extLst>
-              <a:ext uri="{FF2B5EF4-FFF2-40B4-BE49-F238E27FC236}">
-                <a16:creationId xmlns:a16="http://schemas.microsoft.com/office/drawing/2014/main" id="{675096DA-DF78-4FBA-895F-82A1E06CCB36}"/>
-              </a:ext>
-            </a:extLst>
-          </p:cNvPr>
-          <p:cNvSpPr>
-            <a:spLocks noGrp="1"/>
-          </p:cNvSpPr>
-          <p:nvPr>
-            <p:ph type="body" idx="1"/>
-          </p:nvPr>
-        </p:nvSpPr>
-        <p:spPr/>
-        <p:txBody>
-          <a:bodyPr/>
-          <a:lstStyle/>
-          <a:p>
-            <a:pPr>
-              <a:lnSpc>
-                <a:spcPct val="100000"/>
-              </a:lnSpc>
-            </a:pPr>
-            <a:r>
-              <a:rPr lang="en-US" sz="2000" dirty="0">
-                <a:solidFill>
-                  <a:schemeClr val="accent5">
-                    <a:lumMod val="20000"/>
-                    <a:lumOff val="80000"/>
-                  </a:schemeClr>
-                </a:solidFill>
-              </a:rPr>
-              <a:t>Data structures</a:t>
-            </a:r>
-            <a:r>
-              <a:rPr lang="en-US" sz="2000" dirty="0"/>
-              <a:t> and </a:t>
-            </a:r>
-            <a:r>
-              <a:rPr lang="en-US" sz="2000" dirty="0">
-                <a:solidFill>
-                  <a:schemeClr val="accent5">
-                    <a:lumMod val="20000"/>
-                    <a:lumOff val="80000"/>
-                  </a:schemeClr>
-                </a:solidFill>
-              </a:rPr>
-              <a:t>algorithms</a:t>
-            </a:r>
-            <a:r>
-              <a:rPr lang="en-US" sz="2000" dirty="0"/>
-              <a:t> are the foundation of computer programming</a:t>
-            </a:r>
-            <a:endParaRPr lang="bg-BG" sz="2000" dirty="0"/>
-          </a:p>
-          <a:p>
-            <a:pPr>
-              <a:lnSpc>
-                <a:spcPct val="100000"/>
-              </a:lnSpc>
-            </a:pPr>
-            <a:endParaRPr lang="bg-BG" sz="2000" dirty="0"/>
-          </a:p>
-          <a:p>
-            <a:pPr>
-              <a:lnSpc>
-                <a:spcPct val="100000"/>
-              </a:lnSpc>
-            </a:pPr>
-            <a:r>
-              <a:rPr lang="en-US" sz="2000" dirty="0"/>
-              <a:t>Algorithmic thinking, problem solving and data structures are vital for software engineers</a:t>
-            </a:r>
-          </a:p>
-          <a:p>
-            <a:pPr lvl="1">
-              <a:lnSpc>
-                <a:spcPct val="100000"/>
-              </a:lnSpc>
-            </a:pPr>
-            <a:r>
-              <a:rPr lang="en-US" sz="1800" dirty="0"/>
-              <a:t>All .NET developers should know when to use </a:t>
-            </a:r>
-            <a:r>
-              <a:rPr lang="en-US" sz="1800" noProof="1">
-                <a:solidFill>
-                  <a:schemeClr val="accent5">
-                    <a:lumMod val="20000"/>
-                    <a:lumOff val="80000"/>
-                  </a:schemeClr>
-                </a:solidFill>
-                <a:latin typeface="Consolas" pitchFamily="49" charset="0"/>
-                <a:cs typeface="Consolas" pitchFamily="49" charset="0"/>
-              </a:rPr>
-              <a:t>T[]</a:t>
-            </a:r>
-            <a:r>
-              <a:rPr lang="en-US" sz="1800" dirty="0"/>
-              <a:t>, </a:t>
-            </a:r>
-            <a:r>
-              <a:rPr lang="en-US" sz="1800" noProof="1">
-                <a:solidFill>
-                  <a:schemeClr val="accent5">
-                    <a:lumMod val="20000"/>
-                    <a:lumOff val="80000"/>
-                  </a:schemeClr>
-                </a:solidFill>
-                <a:latin typeface="Consolas" pitchFamily="49" charset="0"/>
-                <a:cs typeface="Consolas" pitchFamily="49" charset="0"/>
-              </a:rPr>
-              <a:t>LinkedList&lt;T&gt;</a:t>
-            </a:r>
-            <a:r>
-              <a:rPr lang="en-US" sz="1800" dirty="0"/>
-              <a:t>, </a:t>
-            </a:r>
-            <a:r>
-              <a:rPr lang="en-US" sz="1800" noProof="1">
-                <a:solidFill>
-                  <a:schemeClr val="accent5">
-                    <a:lumMod val="20000"/>
-                    <a:lumOff val="80000"/>
-                  </a:schemeClr>
-                </a:solidFill>
-                <a:latin typeface="Consolas" pitchFamily="49" charset="0"/>
-                <a:cs typeface="Consolas" pitchFamily="49" charset="0"/>
-              </a:rPr>
-              <a:t>List&lt;T&gt;</a:t>
-            </a:r>
-            <a:r>
-              <a:rPr lang="en-US" sz="1800" dirty="0"/>
-              <a:t>, </a:t>
-            </a:r>
-            <a:r>
-              <a:rPr lang="en-US" sz="1800" noProof="1">
-                <a:solidFill>
-                  <a:schemeClr val="accent5">
-                    <a:lumMod val="20000"/>
-                    <a:lumOff val="80000"/>
-                  </a:schemeClr>
-                </a:solidFill>
-                <a:latin typeface="Consolas" pitchFamily="49" charset="0"/>
-                <a:cs typeface="Consolas" pitchFamily="49" charset="0"/>
-              </a:rPr>
-              <a:t>Stack&lt;T&gt;</a:t>
-            </a:r>
-            <a:r>
-              <a:rPr lang="en-US" sz="1800" dirty="0"/>
-              <a:t>, </a:t>
-            </a:r>
-            <a:r>
-              <a:rPr lang="en-US" sz="1800" noProof="1">
-                <a:solidFill>
-                  <a:schemeClr val="accent5">
-                    <a:lumMod val="20000"/>
-                    <a:lumOff val="80000"/>
-                  </a:schemeClr>
-                </a:solidFill>
-                <a:latin typeface="Consolas" pitchFamily="49" charset="0"/>
-                <a:cs typeface="Consolas" pitchFamily="49" charset="0"/>
-              </a:rPr>
-              <a:t>Queue&lt;T&gt;</a:t>
-            </a:r>
-            <a:r>
-              <a:rPr lang="en-US" sz="1800" dirty="0"/>
-              <a:t>, </a:t>
-            </a:r>
-            <a:r>
-              <a:rPr lang="en-US" sz="1800" noProof="1">
-                <a:solidFill>
-                  <a:schemeClr val="accent5">
-                    <a:lumMod val="20000"/>
-                    <a:lumOff val="80000"/>
-                  </a:schemeClr>
-                </a:solidFill>
-                <a:latin typeface="Consolas" pitchFamily="49" charset="0"/>
-                <a:cs typeface="Consolas" pitchFamily="49" charset="0"/>
-              </a:rPr>
-              <a:t>Dictionary&lt;K,T&gt;</a:t>
-            </a:r>
-            <a:r>
-              <a:rPr lang="en-US" sz="1800" dirty="0"/>
-              <a:t>, </a:t>
-            </a:r>
-            <a:r>
-              <a:rPr lang="en-US" sz="1800" noProof="1">
-                <a:solidFill>
-                  <a:schemeClr val="accent5">
-                    <a:lumMod val="20000"/>
-                    <a:lumOff val="80000"/>
-                  </a:schemeClr>
-                </a:solidFill>
-                <a:latin typeface="Consolas" pitchFamily="49" charset="0"/>
-                <a:cs typeface="Consolas" pitchFamily="49" charset="0"/>
-              </a:rPr>
-              <a:t>HashSet&lt;T&gt;</a:t>
-            </a:r>
-            <a:r>
-              <a:rPr lang="en-US" sz="1800" dirty="0"/>
-              <a:t>, </a:t>
-            </a:r>
-            <a:r>
-              <a:rPr lang="en-US" sz="1800" noProof="1">
-                <a:solidFill>
-                  <a:schemeClr val="accent5">
-                    <a:lumMod val="20000"/>
-                    <a:lumOff val="80000"/>
-                  </a:schemeClr>
-                </a:solidFill>
-                <a:latin typeface="Consolas" pitchFamily="49" charset="0"/>
-                <a:cs typeface="Consolas" pitchFamily="49" charset="0"/>
-              </a:rPr>
-              <a:t>SortedDictionary&lt;K,T&gt;</a:t>
-            </a:r>
-            <a:r>
-              <a:rPr lang="en-US" sz="1800" dirty="0"/>
-              <a:t> and </a:t>
-            </a:r>
-            <a:r>
-              <a:rPr lang="en-US" sz="1800" noProof="1">
-                <a:solidFill>
-                  <a:schemeClr val="accent5">
-                    <a:lumMod val="20000"/>
-                    <a:lumOff val="80000"/>
-                  </a:schemeClr>
-                </a:solidFill>
-                <a:latin typeface="Consolas" pitchFamily="49" charset="0"/>
-                <a:cs typeface="Consolas" pitchFamily="49" charset="0"/>
-              </a:rPr>
-              <a:t>SortedSet&lt;T&gt;</a:t>
-            </a:r>
-            <a:endParaRPr lang="bg-BG" sz="1800" noProof="1">
-              <a:solidFill>
-                <a:schemeClr val="accent5">
-                  <a:lumMod val="20000"/>
-                  <a:lumOff val="80000"/>
-                </a:schemeClr>
-              </a:solidFill>
-              <a:latin typeface="Consolas" pitchFamily="49" charset="0"/>
-              <a:cs typeface="Consolas" pitchFamily="49" charset="0"/>
-            </a:endParaRPr>
-          </a:p>
-          <a:p>
-            <a:pPr>
-              <a:lnSpc>
-                <a:spcPct val="100000"/>
-              </a:lnSpc>
-            </a:pPr>
-            <a:endParaRPr lang="bg-BG" sz="2000" noProof="1">
-              <a:solidFill>
-                <a:schemeClr val="accent5">
-                  <a:lumMod val="20000"/>
-                  <a:lumOff val="80000"/>
-                </a:schemeClr>
-              </a:solidFill>
-              <a:latin typeface="Consolas" pitchFamily="49" charset="0"/>
-            </a:endParaRPr>
-          </a:p>
-          <a:p>
-            <a:pPr>
-              <a:lnSpc>
-                <a:spcPct val="100000"/>
-              </a:lnSpc>
-            </a:pPr>
-            <a:r>
-              <a:rPr lang="en-US" sz="2000" dirty="0">
-                <a:solidFill>
-                  <a:schemeClr val="accent5">
-                    <a:lumMod val="20000"/>
-                    <a:lumOff val="80000"/>
-                  </a:schemeClr>
-                </a:solidFill>
-              </a:rPr>
-              <a:t>Computational complexity </a:t>
-            </a:r>
-            <a:r>
-              <a:rPr lang="en-US" sz="2000" dirty="0"/>
-              <a:t>is important for algorithm design and efficient programming</a:t>
-            </a:r>
-          </a:p>
-          <a:p>
-            <a:endParaRPr lang="bg-BG" sz="2000" dirty="0"/>
-          </a:p>
-        </p:txBody>
-      </p:sp>
-    </p:spTree>
-    <p:extLst>
-      <p:ext uri="{BB962C8B-B14F-4D97-AF65-F5344CB8AC3E}">
-        <p14:creationId xmlns:p14="http://schemas.microsoft.com/office/powerpoint/2010/main" val="2094296222"/>
-      </p:ext>
-    </p:extLst>
-  </p:cSld>
-  <p:clrMapOvr>
-    <a:masterClrMapping/>
-  </p:clrMapOvr>
-</p:sld>
-</file>
-
-<file path=ppt/slides/slide6.xml><?xml version="1.0" encoding="utf-8"?>
-<p:sld xmlns:a="http://schemas.openxmlformats.org/drawingml/2006/main" xmlns:r="http://schemas.openxmlformats.org/officeDocument/2006/relationships" xmlns:p="http://schemas.openxmlformats.org/presentationml/2006/main">
-  <p:cSld>
-    <p:spTree>
-      <p:nvGrpSpPr>
-        <p:cNvPr id="1" name=""/>
-        <p:cNvGrpSpPr/>
-        <p:nvPr/>
-      </p:nvGrpSpPr>
-      <p:grpSpPr>
-        <a:xfrm>
-          <a:off x="0" y="0"/>
-          <a:ext cx="0" cy="0"/>
-          <a:chOff x="0" y="0"/>
-          <a:chExt cx="0" cy="0"/>
-        </a:xfrm>
-      </p:grpSpPr>
-      <p:sp>
-        <p:nvSpPr>
-          <p:cNvPr id="2" name="Title 1"/>
-          <p:cNvSpPr>
-            <a:spLocks noGrp="1"/>
-          </p:cNvSpPr>
-          <p:nvPr>
-            <p:ph type="title"/>
-          </p:nvPr>
-        </p:nvSpPr>
-        <p:spPr/>
-        <p:txBody>
-          <a:bodyPr/>
-          <a:lstStyle/>
-          <a:p>
-            <a:r>
-              <a:rPr lang="en-US" dirty="0"/>
-              <a:t>What is a Data Structure?</a:t>
-            </a:r>
-          </a:p>
-        </p:txBody>
-      </p:sp>
-      <p:sp>
-        <p:nvSpPr>
-          <p:cNvPr id="3" name="Content Placeholder 2"/>
-          <p:cNvSpPr>
-            <a:spLocks noGrp="1"/>
-          </p:cNvSpPr>
-          <p:nvPr>
-            <p:ph type="body" idx="1"/>
-          </p:nvPr>
-        </p:nvSpPr>
-        <p:spPr>
-          <a:xfrm>
-            <a:off x="1730000" y="3060969"/>
-            <a:ext cx="9385200" cy="3404682"/>
-          </a:xfrm>
-        </p:spPr>
-        <p:txBody>
-          <a:bodyPr/>
-          <a:lstStyle/>
-          <a:p>
-            <a:r>
-              <a:rPr lang="en-US" sz="2400" dirty="0"/>
-              <a:t>Examples of data structures:</a:t>
-            </a:r>
-          </a:p>
-          <a:p>
-            <a:pPr lvl="1"/>
-            <a:r>
-              <a:rPr lang="en-US" sz="2400" dirty="0">
-                <a:solidFill>
-                  <a:schemeClr val="accent5">
-                    <a:lumMod val="20000"/>
-                    <a:lumOff val="80000"/>
-                  </a:schemeClr>
-                </a:solidFill>
-                <a:latin typeface="Consolas" panose="020B0609020204030204" pitchFamily="49" charset="0"/>
-                <a:cs typeface="Consolas" panose="020B0609020204030204" pitchFamily="49" charset="0"/>
-              </a:rPr>
-              <a:t>Person</a:t>
-            </a:r>
-            <a:r>
-              <a:rPr lang="en-US" sz="2400" dirty="0"/>
-              <a:t> structure (first name + last name + age)</a:t>
-            </a:r>
-          </a:p>
-          <a:p>
-            <a:pPr lvl="1"/>
-            <a:r>
-              <a:rPr lang="en-US" sz="2400" dirty="0"/>
-              <a:t>Array of integers</a:t>
-            </a:r>
-            <a:r>
-              <a:rPr lang="bg-BG" sz="2400" dirty="0"/>
-              <a:t> – </a:t>
-            </a:r>
-            <a:r>
-              <a:rPr lang="en-US" sz="2400" noProof="1">
-                <a:solidFill>
-                  <a:schemeClr val="accent5">
-                    <a:lumMod val="20000"/>
-                    <a:lumOff val="80000"/>
-                  </a:schemeClr>
-                </a:solidFill>
-                <a:latin typeface="Consolas" panose="020B0609020204030204" pitchFamily="49" charset="0"/>
-                <a:cs typeface="Consolas" panose="020B0609020204030204" pitchFamily="49" charset="0"/>
-              </a:rPr>
-              <a:t>int[]</a:t>
-            </a:r>
-          </a:p>
-          <a:p>
-            <a:pPr lvl="1"/>
-            <a:r>
-              <a:rPr lang="en-US" sz="2400" dirty="0"/>
-              <a:t>List of strings</a:t>
-            </a:r>
-            <a:r>
-              <a:rPr lang="bg-BG" sz="2400" dirty="0"/>
-              <a:t> – </a:t>
-            </a:r>
-            <a:r>
-              <a:rPr lang="en-US" sz="2400" dirty="0">
-                <a:solidFill>
-                  <a:schemeClr val="accent5">
-                    <a:lumMod val="20000"/>
-                    <a:lumOff val="80000"/>
-                  </a:schemeClr>
-                </a:solidFill>
-                <a:latin typeface="Consolas" panose="020B0609020204030204" pitchFamily="49" charset="0"/>
-                <a:cs typeface="Consolas" panose="020B0609020204030204" pitchFamily="49" charset="0"/>
-              </a:rPr>
-              <a:t>List&lt;string&gt;</a:t>
-            </a:r>
-          </a:p>
-          <a:p>
-            <a:pPr lvl="1"/>
-            <a:r>
-              <a:rPr lang="en-US" sz="2400" dirty="0"/>
-              <a:t>Queue of people</a:t>
-            </a:r>
-            <a:r>
-              <a:rPr lang="bg-BG" sz="2400" dirty="0"/>
-              <a:t> – </a:t>
-            </a:r>
-            <a:r>
-              <a:rPr lang="en-US" sz="2400" dirty="0">
-                <a:solidFill>
-                  <a:schemeClr val="accent5">
-                    <a:lumMod val="20000"/>
-                    <a:lumOff val="80000"/>
-                  </a:schemeClr>
-                </a:solidFill>
-                <a:latin typeface="Consolas" panose="020B0609020204030204" pitchFamily="49" charset="0"/>
-                <a:cs typeface="Consolas" panose="020B0609020204030204" pitchFamily="49" charset="0"/>
-              </a:rPr>
-              <a:t>Queue&lt;Person&gt;</a:t>
-            </a:r>
-          </a:p>
-        </p:txBody>
-      </p:sp>
-      <p:sp>
-        <p:nvSpPr>
-          <p:cNvPr id="4" name="Slide Number Placeholder 3"/>
-          <p:cNvSpPr>
-            <a:spLocks noGrp="1"/>
-          </p:cNvSpPr>
-          <p:nvPr>
-            <p:ph type="sldNum" idx="12"/>
-          </p:nvPr>
-        </p:nvSpPr>
-        <p:spPr/>
-        <p:txBody>
-          <a:bodyPr/>
-          <a:lstStyle/>
-          <a:p>
-            <a:pPr>
-              <a:defRPr/>
-            </a:pPr>
-            <a:fld id="{58452FF4-89E3-4D1B-9927-2DBDC00E58D7}" type="slidenum">
-              <a:rPr lang="en-US" smtClean="0"/>
-              <a:pPr>
-                <a:defRPr/>
-              </a:pPr>
-              <a:t>6</a:t>
-            </a:fld>
-            <a:endParaRPr lang="en-US" dirty="0"/>
-          </a:p>
-        </p:txBody>
-      </p:sp>
-      <p:sp>
-        <p:nvSpPr>
-          <p:cNvPr id="5" name="Rounded Rectangle 4"/>
-          <p:cNvSpPr>
-            <a:spLocks noChangeArrowheads="1"/>
-          </p:cNvSpPr>
-          <p:nvPr/>
-        </p:nvSpPr>
-        <p:spPr bwMode="auto">
-          <a:xfrm>
-            <a:off x="1836906" y="1643975"/>
-            <a:ext cx="8077200" cy="1087636"/>
-          </a:xfrm>
-          <a:prstGeom prst="roundRect">
-            <a:avLst>
-              <a:gd name="adj" fmla="val 1738"/>
-            </a:avLst>
-          </a:prstGeom>
-          <a:solidFill>
-            <a:schemeClr val="accent5">
-              <a:lumMod val="40000"/>
-              <a:lumOff val="60000"/>
-              <a:alpha val="15000"/>
-            </a:schemeClr>
-          </a:solidFill>
-          <a:ln w="12700">
-            <a:solidFill>
-              <a:schemeClr val="accent5">
-                <a:lumMod val="60000"/>
-                <a:lumOff val="40000"/>
-              </a:schemeClr>
-            </a:solidFill>
-          </a:ln>
-        </p:spPr>
-        <p:txBody>
-          <a:bodyPr wrap="square">
-            <a:spAutoFit/>
-          </a:bodyPr>
-          <a:lstStyle/>
-          <a:p>
-            <a:pPr eaLnBrk="0" hangingPunct="0">
-              <a:buClr>
-                <a:schemeClr val="accent5">
-                  <a:lumMod val="40000"/>
-                  <a:lumOff val="60000"/>
-                </a:schemeClr>
-              </a:buClr>
-              <a:buSzPct val="70000"/>
-            </a:pPr>
-            <a:r>
-              <a:rPr lang="en-US" sz="1800" b="1" dirty="0">
-                <a:solidFill>
-                  <a:schemeClr val="bg1"/>
-                </a:solidFill>
-                <a:effectLst>
-                  <a:outerShdw blurRad="38100" dist="38100" dir="2700000" algn="tl">
-                    <a:srgbClr val="000000">
-                      <a:alpha val="43137"/>
-                    </a:srgbClr>
-                  </a:outerShdw>
-                </a:effectLst>
-              </a:rPr>
-              <a:t>“In computer science, a data structure is a particular way of storing and organizing data in a computer so that it can be used efficiently.”</a:t>
-            </a:r>
-          </a:p>
-          <a:p>
-            <a:pPr algn="r" eaLnBrk="0" hangingPunct="0">
-              <a:spcBef>
-                <a:spcPts val="1200"/>
-              </a:spcBef>
-              <a:buClr>
-                <a:schemeClr val="accent5">
-                  <a:lumMod val="40000"/>
-                  <a:lumOff val="60000"/>
-                </a:schemeClr>
-              </a:buClr>
-              <a:buSzPct val="70000"/>
-            </a:pPr>
-            <a:r>
-              <a:rPr lang="en-US" sz="1800" b="1" i="1" dirty="0">
-                <a:solidFill>
-                  <a:schemeClr val="bg1"/>
-                </a:solidFill>
-                <a:effectLst>
-                  <a:outerShdw blurRad="38100" dist="38100" dir="2700000" algn="tl">
-                    <a:srgbClr val="000000">
-                      <a:alpha val="43137"/>
-                    </a:srgbClr>
-                  </a:outerShdw>
-                </a:effectLst>
-              </a:rPr>
-              <a:t>-- Wikipedia</a:t>
-            </a:r>
-          </a:p>
-        </p:txBody>
-      </p:sp>
-    </p:spTree>
-    <p:extLst>
-      <p:ext uri="{BB962C8B-B14F-4D97-AF65-F5344CB8AC3E}">
-        <p14:creationId xmlns:p14="http://schemas.microsoft.com/office/powerpoint/2010/main" val="1855070684"/>
-      </p:ext>
-    </p:extLst>
-  </p:cSld>
-  <p:clrMapOvr>
-    <a:masterClrMapping/>
-  </p:clrMapOvr>
-</p:sld>
-</file>
-
-<file path=ppt/slides/slide7.xml><?xml version="1.0" encoding="utf-8"?>
-<p:sld xmlns:a="http://schemas.openxmlformats.org/drawingml/2006/main" xmlns:r="http://schemas.openxmlformats.org/officeDocument/2006/relationships" xmlns:p="http://schemas.openxmlformats.org/presentationml/2006/main">
-  <p:cSld>
-    <p:spTree>
-      <p:nvGrpSpPr>
-        <p:cNvPr id="1" name=""/>
-        <p:cNvGrpSpPr/>
-        <p:nvPr/>
-      </p:nvGrpSpPr>
-      <p:grpSpPr>
-        <a:xfrm>
-          <a:off x="0" y="0"/>
-          <a:ext cx="0" cy="0"/>
-          <a:chOff x="0" y="0"/>
-          <a:chExt cx="0" cy="0"/>
-        </a:xfrm>
-      </p:grpSpPr>
-      <p:sp>
-        <p:nvSpPr>
           <p:cNvPr id="6" name="Title 5"/>
           <p:cNvSpPr>
             <a:spLocks noGrp="1"/>
@@ -45615,35 +43395,6 @@
           </a:p>
         </p:txBody>
       </p:sp>
-      <p:sp>
-        <p:nvSpPr>
-          <p:cNvPr id="8" name="Slide Number Placeholder 3"/>
-          <p:cNvSpPr>
-            <a:spLocks noGrp="1"/>
-          </p:cNvSpPr>
-          <p:nvPr>
-            <p:ph type="sldNum" idx="12"/>
-          </p:nvPr>
-        </p:nvSpPr>
-        <p:spPr/>
-        <p:txBody>
-          <a:bodyPr/>
-          <a:lstStyle/>
-          <a:p>
-            <a:pPr>
-              <a:defRPr/>
-            </a:pPr>
-            <a:fld id="{58452FF4-89E3-4D1B-9927-2DBDC00E58D7}" type="slidenum">
-              <a:rPr lang="en-US" smtClean="0"/>
-              <a:pPr>
-                <a:defRPr/>
-              </a:pPr>
-              <a:t>7</a:t>
-            </a:fld>
-            <a:endParaRPr lang="en-US" dirty="0"/>
-          </a:p>
-        </p:txBody>
-      </p:sp>
     </p:spTree>
     <p:extLst>
       <p:ext uri="{BB962C8B-B14F-4D97-AF65-F5344CB8AC3E}">
@@ -45657,7 +43408,7 @@
 </p:sld>
 </file>
 
-<file path=ppt/slides/slide8.xml><?xml version="1.0" encoding="utf-8"?>
+<file path=ppt/slides/slide6.xml><?xml version="1.0" encoding="utf-8"?>
 <p:sld xmlns:a="http://schemas.openxmlformats.org/drawingml/2006/main" xmlns:r="http://schemas.openxmlformats.org/officeDocument/2006/relationships" xmlns:p="http://schemas.openxmlformats.org/presentationml/2006/main">
   <p:cSld>
     <p:spTree>
@@ -46105,7 +43856,7 @@
 </p:sld>
 </file>
 
-<file path=ppt/slides/slide9.xml><?xml version="1.0" encoding="utf-8"?>
+<file path=ppt/slides/slide7.xml><?xml version="1.0" encoding="utf-8"?>
 <p:sld xmlns:a="http://schemas.openxmlformats.org/drawingml/2006/main" xmlns:r="http://schemas.openxmlformats.org/officeDocument/2006/relationships" xmlns:p="http://schemas.openxmlformats.org/presentationml/2006/main">
   <p:cSld>
     <p:spTree>
@@ -46386,6 +44137,668 @@
     <a:masterClrMapping/>
   </p:clrMapOvr>
   <p:transition/>
+</p:sld>
+</file>
+
+<file path=ppt/slides/slide8.xml><?xml version="1.0" encoding="utf-8"?>
+<p:sld xmlns:a="http://schemas.openxmlformats.org/drawingml/2006/main" xmlns:r="http://schemas.openxmlformats.org/officeDocument/2006/relationships" xmlns:p="http://schemas.openxmlformats.org/presentationml/2006/main">
+  <p:cSld>
+    <p:spTree>
+      <p:nvGrpSpPr>
+        <p:cNvPr id="1" name=""/>
+        <p:cNvGrpSpPr/>
+        <p:nvPr/>
+      </p:nvGrpSpPr>
+      <p:grpSpPr>
+        <a:xfrm>
+          <a:off x="0" y="0"/>
+          <a:ext cx="0" cy="0"/>
+          <a:chOff x="0" y="0"/>
+          <a:chExt cx="0" cy="0"/>
+        </a:xfrm>
+      </p:grpSpPr>
+      <p:sp>
+        <p:nvSpPr>
+          <p:cNvPr id="663554" name="Rectangle 2"/>
+          <p:cNvSpPr>
+            <a:spLocks noGrp="1" noChangeArrowheads="1"/>
+          </p:cNvSpPr>
+          <p:nvPr>
+            <p:ph type="title"/>
+          </p:nvPr>
+        </p:nvSpPr>
+        <p:spPr/>
+        <p:txBody>
+          <a:bodyPr/>
+          <a:lstStyle/>
+          <a:p>
+            <a:r>
+              <a:rPr lang="en-US" dirty="0"/>
+              <a:t>Basic Data Structures</a:t>
+            </a:r>
+          </a:p>
+        </p:txBody>
+      </p:sp>
+      <p:sp>
+        <p:nvSpPr>
+          <p:cNvPr id="663555" name="Rectangle 3"/>
+          <p:cNvSpPr>
+            <a:spLocks noGrp="1" noChangeArrowheads="1"/>
+          </p:cNvSpPr>
+          <p:nvPr>
+            <p:ph type="body" idx="1"/>
+          </p:nvPr>
+        </p:nvSpPr>
+        <p:spPr>
+          <a:xfrm>
+            <a:off x="1730000" y="1653702"/>
+            <a:ext cx="9385200" cy="4318065"/>
+          </a:xfrm>
+        </p:spPr>
+        <p:txBody>
+          <a:bodyPr/>
+          <a:lstStyle/>
+          <a:p>
+            <a:pPr>
+              <a:lnSpc>
+                <a:spcPct val="100000"/>
+              </a:lnSpc>
+            </a:pPr>
+            <a:r>
+              <a:rPr lang="en-US" dirty="0"/>
+              <a:t>Linear structures</a:t>
+            </a:r>
+          </a:p>
+          <a:p>
+            <a:pPr marL="696913" lvl="1" indent="-239713">
+              <a:lnSpc>
+                <a:spcPct val="100000"/>
+              </a:lnSpc>
+            </a:pPr>
+            <a:r>
+              <a:rPr lang="en-US" dirty="0"/>
+              <a:t>Lists: fixed size and variable size</a:t>
+            </a:r>
+          </a:p>
+          <a:p>
+            <a:pPr marL="696913" lvl="1" indent="-239713">
+              <a:lnSpc>
+                <a:spcPct val="100000"/>
+              </a:lnSpc>
+            </a:pPr>
+            <a:r>
+              <a:rPr lang="en-US" dirty="0"/>
+              <a:t>Stacks: LIFO (Last In First Out) structure</a:t>
+            </a:r>
+          </a:p>
+          <a:p>
+            <a:pPr marL="696913" lvl="1" indent="-239713">
+              <a:lnSpc>
+                <a:spcPct val="100000"/>
+              </a:lnSpc>
+            </a:pPr>
+            <a:r>
+              <a:rPr lang="en-US" dirty="0"/>
+              <a:t>Queues: FIFO (First In First Out) structure</a:t>
+            </a:r>
+          </a:p>
+          <a:p>
+            <a:pPr>
+              <a:lnSpc>
+                <a:spcPct val="100000"/>
+              </a:lnSpc>
+              <a:spcBef>
+                <a:spcPts val="1200"/>
+              </a:spcBef>
+            </a:pPr>
+            <a:r>
+              <a:rPr lang="en-US" dirty="0"/>
+              <a:t>Trees and tree-like structures</a:t>
+            </a:r>
+          </a:p>
+          <a:p>
+            <a:pPr lvl="1">
+              <a:lnSpc>
+                <a:spcPct val="100000"/>
+              </a:lnSpc>
+            </a:pPr>
+            <a:r>
+              <a:rPr lang="en-US" dirty="0"/>
+              <a:t>Binary, ordered search trees, balanced, etc.</a:t>
+            </a:r>
+          </a:p>
+          <a:p>
+            <a:pPr>
+              <a:lnSpc>
+                <a:spcPct val="100000"/>
+              </a:lnSpc>
+              <a:spcBef>
+                <a:spcPts val="1200"/>
+              </a:spcBef>
+            </a:pPr>
+            <a:r>
+              <a:rPr lang="en-US" dirty="0"/>
+              <a:t>Dictionaries (maps)</a:t>
+            </a:r>
+          </a:p>
+          <a:p>
+            <a:pPr marL="696913" lvl="1" indent="-239713">
+              <a:lnSpc>
+                <a:spcPct val="100000"/>
+              </a:lnSpc>
+            </a:pPr>
+            <a:r>
+              <a:rPr lang="en-US" dirty="0"/>
+              <a:t>Contain pairs (key, value)</a:t>
+            </a:r>
+          </a:p>
+          <a:p>
+            <a:pPr marL="696913" lvl="1" indent="-239713">
+              <a:lnSpc>
+                <a:spcPct val="100000"/>
+              </a:lnSpc>
+            </a:pPr>
+            <a:r>
+              <a:rPr lang="en-US" dirty="0"/>
+              <a:t>Hash tables: use hash functions to search/insert</a:t>
+            </a:r>
+          </a:p>
+        </p:txBody>
+      </p:sp>
+      <p:pic>
+        <p:nvPicPr>
+          <p:cNvPr id="4098" name="Picture 2" descr="list, taskbar icon"/>
+          <p:cNvPicPr>
+            <a:picLocks noChangeAspect="1" noChangeArrowheads="1"/>
+          </p:cNvPicPr>
+          <p:nvPr/>
+        </p:nvPicPr>
+        <p:blipFill>
+          <a:blip r:embed="rId2">
+            <a:duotone>
+              <a:schemeClr val="accent6">
+                <a:shade val="45000"/>
+                <a:satMod val="135000"/>
+              </a:schemeClr>
+              <a:prstClr val="white"/>
+            </a:duotone>
+            <a:extLst>
+              <a:ext uri="{28A0092B-C50C-407E-A947-70E740481C1C}">
+                <a14:useLocalDpi xmlns:a14="http://schemas.microsoft.com/office/drawing/2010/main" val="0"/>
+              </a:ext>
+            </a:extLst>
+          </a:blip>
+          <a:srcRect/>
+          <a:stretch>
+            <a:fillRect/>
+          </a:stretch>
+        </p:blipFill>
+        <p:spPr bwMode="auto">
+          <a:xfrm>
+            <a:off x="9021290" y="1066801"/>
+            <a:ext cx="1189511" cy="914401"/>
+          </a:xfrm>
+          <a:prstGeom prst="rect">
+            <a:avLst/>
+          </a:prstGeom>
+          <a:noFill/>
+          <a:extLst>
+            <a:ext uri="{909E8E84-426E-40DD-AFC4-6F175D3DCCD1}">
+              <a14:hiddenFill xmlns:a14="http://schemas.microsoft.com/office/drawing/2010/main">
+                <a:solidFill>
+                  <a:srgbClr val="FFFFFF"/>
+                </a:solidFill>
+              </a14:hiddenFill>
+            </a:ext>
+          </a:extLst>
+        </p:spPr>
+      </p:pic>
+      <p:pic>
+        <p:nvPicPr>
+          <p:cNvPr id="5" name="Picture 4"/>
+          <p:cNvPicPr>
+            <a:picLocks noChangeAspect="1"/>
+          </p:cNvPicPr>
+          <p:nvPr/>
+        </p:nvPicPr>
+        <p:blipFill>
+          <a:blip r:embed="rId3" cstate="screen">
+            <a:duotone>
+              <a:prstClr val="black"/>
+              <a:schemeClr val="accent6">
+                <a:tint val="45000"/>
+                <a:satMod val="400000"/>
+              </a:schemeClr>
+            </a:duotone>
+            <a:extLst>
+              <a:ext uri="{BEBA8EAE-BF5A-486C-A8C5-ECC9F3942E4B}">
+                <a14:imgProps xmlns:a14="http://schemas.microsoft.com/office/drawing/2010/main">
+                  <a14:imgLayer r:embed="rId4">
+                    <a14:imgEffect>
+                      <a14:brightnessContrast bright="40000"/>
+                    </a14:imgEffect>
+                  </a14:imgLayer>
+                </a14:imgProps>
+              </a:ext>
+              <a:ext uri="{28A0092B-C50C-407E-A947-70E740481C1C}">
+                <a14:useLocalDpi xmlns:a14="http://schemas.microsoft.com/office/drawing/2010/main"/>
+              </a:ext>
+            </a:extLst>
+          </a:blip>
+          <a:stretch>
+            <a:fillRect/>
+          </a:stretch>
+        </p:blipFill>
+        <p:spPr>
+          <a:xfrm rot="21370773">
+            <a:off x="8864380" y="3267815"/>
+            <a:ext cx="1306806" cy="799386"/>
+          </a:xfrm>
+          <a:prstGeom prst="rect">
+            <a:avLst/>
+          </a:prstGeom>
+        </p:spPr>
+      </p:pic>
+      <p:pic>
+        <p:nvPicPr>
+          <p:cNvPr id="4100" name="Picture 4" descr="book, dictionary, learn, read, school icon"/>
+          <p:cNvPicPr>
+            <a:picLocks noChangeAspect="1" noChangeArrowheads="1"/>
+          </p:cNvPicPr>
+          <p:nvPr/>
+        </p:nvPicPr>
+        <p:blipFill>
+          <a:blip r:embed="rId5">
+            <a:duotone>
+              <a:schemeClr val="bg2">
+                <a:shade val="45000"/>
+                <a:satMod val="135000"/>
+              </a:schemeClr>
+              <a:prstClr val="white"/>
+            </a:duotone>
+            <a:extLst>
+              <a:ext uri="{28A0092B-C50C-407E-A947-70E740481C1C}">
+                <a14:useLocalDpi xmlns:a14="http://schemas.microsoft.com/office/drawing/2010/main" val="0"/>
+              </a:ext>
+            </a:extLst>
+          </a:blip>
+          <a:srcRect/>
+          <a:stretch>
+            <a:fillRect/>
+          </a:stretch>
+        </p:blipFill>
+        <p:spPr bwMode="auto">
+          <a:xfrm>
+            <a:off x="8810500" y="4724400"/>
+            <a:ext cx="1371600" cy="1371601"/>
+          </a:xfrm>
+          <a:prstGeom prst="rect">
+            <a:avLst/>
+          </a:prstGeom>
+          <a:noFill/>
+          <a:extLst>
+            <a:ext uri="{909E8E84-426E-40DD-AFC4-6F175D3DCCD1}">
+              <a14:hiddenFill xmlns:a14="http://schemas.microsoft.com/office/drawing/2010/main">
+                <a:solidFill>
+                  <a:srgbClr val="FFFFFF"/>
+                </a:solidFill>
+              </a14:hiddenFill>
+            </a:ext>
+          </a:extLst>
+        </p:spPr>
+      </p:pic>
+    </p:spTree>
+    <p:extLst>
+      <p:ext uri="{BB962C8B-B14F-4D97-AF65-F5344CB8AC3E}">
+        <p14:creationId xmlns:p14="http://schemas.microsoft.com/office/powerpoint/2010/main" val="3102904839"/>
+      </p:ext>
+    </p:extLst>
+  </p:cSld>
+  <p:clrMapOvr>
+    <a:masterClrMapping/>
+  </p:clrMapOvr>
+  <p:transition/>
+</p:sld>
+</file>
+
+<file path=ppt/slides/slide9.xml><?xml version="1.0" encoding="utf-8"?>
+<p:sld xmlns:a="http://schemas.openxmlformats.org/drawingml/2006/main" xmlns:r="http://schemas.openxmlformats.org/officeDocument/2006/relationships" xmlns:p="http://schemas.openxmlformats.org/presentationml/2006/main">
+  <p:cSld>
+    <p:spTree>
+      <p:nvGrpSpPr>
+        <p:cNvPr id="1" name=""/>
+        <p:cNvGrpSpPr/>
+        <p:nvPr/>
+      </p:nvGrpSpPr>
+      <p:grpSpPr>
+        <a:xfrm>
+          <a:off x="0" y="0"/>
+          <a:ext cx="0" cy="0"/>
+          <a:chOff x="0" y="0"/>
+          <a:chExt cx="0" cy="0"/>
+        </a:xfrm>
+      </p:grpSpPr>
+      <p:sp>
+        <p:nvSpPr>
+          <p:cNvPr id="2" name="Title 1"/>
+          <p:cNvSpPr>
+            <a:spLocks noGrp="1"/>
+          </p:cNvSpPr>
+          <p:nvPr>
+            <p:ph type="title"/>
+          </p:nvPr>
+        </p:nvSpPr>
+        <p:spPr/>
+        <p:txBody>
+          <a:bodyPr/>
+          <a:lstStyle/>
+          <a:p>
+            <a:r>
+              <a:rPr lang="en-US" dirty="0"/>
+              <a:t>Basic Data Structures (2)</a:t>
+            </a:r>
+          </a:p>
+        </p:txBody>
+      </p:sp>
+      <p:sp>
+        <p:nvSpPr>
+          <p:cNvPr id="3" name="Content Placeholder 2"/>
+          <p:cNvSpPr>
+            <a:spLocks noGrp="1"/>
+          </p:cNvSpPr>
+          <p:nvPr>
+            <p:ph type="body" idx="1"/>
+          </p:nvPr>
+        </p:nvSpPr>
+        <p:spPr>
+          <a:xfrm>
+            <a:off x="1730000" y="1303506"/>
+            <a:ext cx="9385200" cy="4668261"/>
+          </a:xfrm>
+        </p:spPr>
+        <p:txBody>
+          <a:bodyPr/>
+          <a:lstStyle/>
+          <a:p>
+            <a:pPr>
+              <a:lnSpc>
+                <a:spcPct val="95000"/>
+              </a:lnSpc>
+            </a:pPr>
+            <a:r>
+              <a:rPr lang="en-US" dirty="0"/>
+              <a:t>Sets and bags</a:t>
+            </a:r>
+          </a:p>
+          <a:p>
+            <a:pPr lvl="1">
+              <a:lnSpc>
+                <a:spcPct val="95000"/>
+              </a:lnSpc>
+            </a:pPr>
+            <a:r>
+              <a:rPr lang="en-US" dirty="0"/>
+              <a:t>Set – collection of unique elements</a:t>
+            </a:r>
+          </a:p>
+          <a:p>
+            <a:pPr lvl="1">
+              <a:lnSpc>
+                <a:spcPct val="95000"/>
+              </a:lnSpc>
+            </a:pPr>
+            <a:r>
+              <a:rPr lang="en-US" dirty="0"/>
+              <a:t>Bag – collection of non-unique elements</a:t>
+            </a:r>
+          </a:p>
+          <a:p>
+            <a:pPr>
+              <a:lnSpc>
+                <a:spcPct val="95000"/>
+              </a:lnSpc>
+            </a:pPr>
+            <a:endParaRPr lang="bg-BG" dirty="0"/>
+          </a:p>
+          <a:p>
+            <a:pPr>
+              <a:lnSpc>
+                <a:spcPct val="95000"/>
+              </a:lnSpc>
+            </a:pPr>
+            <a:r>
+              <a:rPr lang="en-US" dirty="0"/>
+              <a:t>Ordered sets, bags and dictionaries</a:t>
+            </a:r>
+          </a:p>
+          <a:p>
+            <a:pPr>
+              <a:lnSpc>
+                <a:spcPct val="95000"/>
+              </a:lnSpc>
+            </a:pPr>
+            <a:endParaRPr lang="bg-BG" dirty="0"/>
+          </a:p>
+          <a:p>
+            <a:pPr>
+              <a:lnSpc>
+                <a:spcPct val="95000"/>
+              </a:lnSpc>
+            </a:pPr>
+            <a:r>
+              <a:rPr lang="en-US" dirty="0"/>
+              <a:t>Priority queues / heaps</a:t>
+            </a:r>
+          </a:p>
+          <a:p>
+            <a:pPr>
+              <a:lnSpc>
+                <a:spcPct val="95000"/>
+              </a:lnSpc>
+            </a:pPr>
+            <a:endParaRPr lang="bg-BG" dirty="0"/>
+          </a:p>
+          <a:p>
+            <a:pPr>
+              <a:lnSpc>
+                <a:spcPct val="95000"/>
+              </a:lnSpc>
+            </a:pPr>
+            <a:r>
+              <a:rPr lang="en-US" dirty="0"/>
+              <a:t>Special tree structures</a:t>
+            </a:r>
+          </a:p>
+          <a:p>
+            <a:pPr lvl="1">
+              <a:lnSpc>
+                <a:spcPct val="95000"/>
+              </a:lnSpc>
+            </a:pPr>
+            <a:r>
+              <a:rPr lang="en-US" dirty="0"/>
+              <a:t>Suffix tree, interval tree, index tree, </a:t>
+            </a:r>
+            <a:r>
+              <a:rPr lang="en-US" noProof="1"/>
+              <a:t>trie</a:t>
+            </a:r>
+          </a:p>
+          <a:p>
+            <a:pPr>
+              <a:lnSpc>
+                <a:spcPct val="95000"/>
+              </a:lnSpc>
+            </a:pPr>
+            <a:endParaRPr lang="bg-BG" dirty="0"/>
+          </a:p>
+          <a:p>
+            <a:pPr>
+              <a:lnSpc>
+                <a:spcPct val="95000"/>
+              </a:lnSpc>
+            </a:pPr>
+            <a:r>
+              <a:rPr lang="en-US" dirty="0"/>
+              <a:t>Graphs</a:t>
+            </a:r>
+          </a:p>
+          <a:p>
+            <a:pPr lvl="1">
+              <a:lnSpc>
+                <a:spcPct val="95000"/>
+              </a:lnSpc>
+            </a:pPr>
+            <a:r>
+              <a:rPr lang="en-US" dirty="0"/>
+              <a:t>Directed / undirected, weighted /</a:t>
+            </a:r>
+            <a:br>
+              <a:rPr lang="en-US" dirty="0"/>
+            </a:br>
+            <a:r>
+              <a:rPr lang="en-US" dirty="0"/>
+              <a:t>un-weighted, connected/ non-connected, …</a:t>
+            </a:r>
+          </a:p>
+        </p:txBody>
+      </p:sp>
+      <p:pic>
+        <p:nvPicPr>
+          <p:cNvPr id="5122" name="Picture 2" descr="binary, department, organization chart, tree icon"/>
+          <p:cNvPicPr>
+            <a:picLocks noChangeAspect="1" noChangeArrowheads="1"/>
+          </p:cNvPicPr>
+          <p:nvPr/>
+        </p:nvPicPr>
+        <p:blipFill>
+          <a:blip r:embed="rId2">
+            <a:extLst>
+              <a:ext uri="{28A0092B-C50C-407E-A947-70E740481C1C}">
+                <a14:useLocalDpi xmlns:a14="http://schemas.microsoft.com/office/drawing/2010/main" val="0"/>
+              </a:ext>
+            </a:extLst>
+          </a:blip>
+          <a:srcRect/>
+          <a:stretch>
+            <a:fillRect/>
+          </a:stretch>
+        </p:blipFill>
+        <p:spPr bwMode="auto">
+          <a:xfrm>
+            <a:off x="8581900" y="2590800"/>
+            <a:ext cx="1752600" cy="1752600"/>
+          </a:xfrm>
+          <a:prstGeom prst="rect">
+            <a:avLst/>
+          </a:prstGeom>
+          <a:noFill/>
+          <a:effectLst>
+            <a:outerShdw blurRad="63500" sx="102000" sy="102000" algn="ctr" rotWithShape="0">
+              <a:prstClr val="black">
+                <a:alpha val="40000"/>
+              </a:prstClr>
+            </a:outerShdw>
+          </a:effectLst>
+          <a:extLst>
+            <a:ext uri="{909E8E84-426E-40DD-AFC4-6F175D3DCCD1}">
+              <a14:hiddenFill xmlns:a14="http://schemas.microsoft.com/office/drawing/2010/main">
+                <a:solidFill>
+                  <a:srgbClr val="FFFFFF"/>
+                </a:solidFill>
+              </a14:hiddenFill>
+            </a:ext>
+          </a:extLst>
+        </p:spPr>
+      </p:pic>
+      <p:pic>
+        <p:nvPicPr>
+          <p:cNvPr id="5124" name="Picture 4" descr="add, bag, basket, buy, cart, ecommerce, magazine, shipping, shop, shopping, shopping cart, webshop icon"/>
+          <p:cNvPicPr>
+            <a:picLocks noChangeAspect="1" noChangeArrowheads="1"/>
+          </p:cNvPicPr>
+          <p:nvPr/>
+        </p:nvPicPr>
+        <p:blipFill>
+          <a:blip r:embed="rId3">
+            <a:extLst>
+              <a:ext uri="{28A0092B-C50C-407E-A947-70E740481C1C}">
+                <a14:useLocalDpi xmlns:a14="http://schemas.microsoft.com/office/drawing/2010/main" val="0"/>
+              </a:ext>
+            </a:extLst>
+          </a:blip>
+          <a:srcRect/>
+          <a:stretch>
+            <a:fillRect/>
+          </a:stretch>
+        </p:blipFill>
+        <p:spPr bwMode="auto">
+          <a:xfrm>
+            <a:off x="9258300" y="1241466"/>
+            <a:ext cx="869868" cy="869869"/>
+          </a:xfrm>
+          <a:prstGeom prst="rect">
+            <a:avLst/>
+          </a:prstGeom>
+          <a:noFill/>
+          <a:effectLst>
+            <a:outerShdw blurRad="63500" sx="102000" sy="102000" algn="ctr" rotWithShape="0">
+              <a:prstClr val="black">
+                <a:alpha val="40000"/>
+              </a:prstClr>
+            </a:outerShdw>
+          </a:effectLst>
+          <a:extLst>
+            <a:ext uri="{909E8E84-426E-40DD-AFC4-6F175D3DCCD1}">
+              <a14:hiddenFill xmlns:a14="http://schemas.microsoft.com/office/drawing/2010/main">
+                <a:solidFill>
+                  <a:srgbClr val="FFFFFF"/>
+                </a:solidFill>
+              </a14:hiddenFill>
+            </a:ext>
+          </a:extLst>
+        </p:spPr>
+      </p:pic>
+      <p:pic>
+        <p:nvPicPr>
+          <p:cNvPr id="7" name="Picture 6"/>
+          <p:cNvPicPr>
+            <a:picLocks noChangeAspect="1"/>
+          </p:cNvPicPr>
+          <p:nvPr/>
+        </p:nvPicPr>
+        <p:blipFill>
+          <a:blip r:embed="rId4" cstate="screen">
+            <a:extLst>
+              <a:ext uri="{28A0092B-C50C-407E-A947-70E740481C1C}">
+                <a14:useLocalDpi xmlns:a14="http://schemas.microsoft.com/office/drawing/2010/main"/>
+              </a:ext>
+            </a:extLst>
+          </a:blip>
+          <a:stretch>
+            <a:fillRect/>
+          </a:stretch>
+        </p:blipFill>
+        <p:spPr>
+          <a:xfrm>
+            <a:off x="8417034" y="5125192"/>
+            <a:ext cx="1693816" cy="932214"/>
+          </a:xfrm>
+          <a:prstGeom prst="rect">
+            <a:avLst/>
+          </a:prstGeom>
+        </p:spPr>
+      </p:pic>
+    </p:spTree>
+    <p:extLst>
+      <p:ext uri="{BB962C8B-B14F-4D97-AF65-F5344CB8AC3E}">
+        <p14:creationId xmlns:p14="http://schemas.microsoft.com/office/powerpoint/2010/main" val="1787264651"/>
+      </p:ext>
+    </p:extLst>
+  </p:cSld>
+  <p:clrMapOvr>
+    <a:masterClrMapping/>
+  </p:clrMapOvr>
 </p:sld>
 </file>
 
